--- a/documents/Medical Insurance Cost.pptx
+++ b/documents/Medical Insurance Cost.pptx
@@ -130,8 +130,351 @@
 </p:presentation>
 </file>
 
+<file path=ppt/revisionInfo.xml><?xml version="1.0" encoding="utf-8"?>
+<p1510:revInfo xmlns:a="http://schemas.openxmlformats.org/drawingml/2006/main" xmlns:r="http://schemas.openxmlformats.org/officeDocument/2006/relationships" xmlns:p1510="http://schemas.microsoft.com/office/powerpoint/2015/10/main">
+  <p1510:revLst>
+    <p1510:client id="{204D18CB-9BF0-4338-8D3A-C3F8565B3CF2}" v="2" dt="2021-11-22T03:34:55.494"/>
+  </p1510:revLst>
+</p1510:revInfo>
+</file>
+
 <file path=ppt/changesInfos/changesInfo1.xml><?xml version="1.0" encoding="utf-8"?>
 <pc:chgInfo xmlns:a="http://schemas.openxmlformats.org/drawingml/2006/main" xmlns:r="http://schemas.openxmlformats.org/officeDocument/2006/relationships" xmlns:ac="http://schemas.microsoft.com/office/drawing/2013/main/command" xmlns:pc="http://schemas.microsoft.com/office/powerpoint/2013/main/command">
+  <pc:docChgLst>
+    <pc:chgData name="Hutula, Karina" userId="76360105-4658-44a5-a2e4-d25da711b3ec" providerId="ADAL" clId="{204D18CB-9BF0-4338-8D3A-C3F8565B3CF2}"/>
+    <pc:docChg chg="undo custSel modSld">
+      <pc:chgData name="Hutula, Karina" userId="76360105-4658-44a5-a2e4-d25da711b3ec" providerId="ADAL" clId="{204D18CB-9BF0-4338-8D3A-C3F8565B3CF2}" dt="2021-11-22T03:53:11.467" v="459" actId="2085"/>
+      <pc:docMkLst>
+        <pc:docMk/>
+      </pc:docMkLst>
+      <pc:sldChg chg="addSp delSp modSp mod">
+        <pc:chgData name="Hutula, Karina" userId="76360105-4658-44a5-a2e4-d25da711b3ec" providerId="ADAL" clId="{204D18CB-9BF0-4338-8D3A-C3F8565B3CF2}" dt="2021-11-22T03:40:00.207" v="197" actId="14100"/>
+        <pc:sldMkLst>
+          <pc:docMk/>
+          <pc:sldMk cId="1755836296" sldId="262"/>
+        </pc:sldMkLst>
+        <pc:spChg chg="mod">
+          <ac:chgData name="Hutula, Karina" userId="76360105-4658-44a5-a2e4-d25da711b3ec" providerId="ADAL" clId="{204D18CB-9BF0-4338-8D3A-C3F8565B3CF2}" dt="2021-11-22T03:35:51.938" v="156" actId="20577"/>
+          <ac:spMkLst>
+            <pc:docMk/>
+            <pc:sldMk cId="1755836296" sldId="262"/>
+            <ac:spMk id="2" creationId="{084A7E88-BE23-4685-A171-6AE71A16EC51}"/>
+          </ac:spMkLst>
+        </pc:spChg>
+        <pc:spChg chg="mod">
+          <ac:chgData name="Hutula, Karina" userId="76360105-4658-44a5-a2e4-d25da711b3ec" providerId="ADAL" clId="{204D18CB-9BF0-4338-8D3A-C3F8565B3CF2}" dt="2021-11-22T03:38:40.939" v="189" actId="20577"/>
+          <ac:spMkLst>
+            <pc:docMk/>
+            <pc:sldMk cId="1755836296" sldId="262"/>
+            <ac:spMk id="7" creationId="{39A47610-A6F4-4B8B-90D1-5DEB67C0F9E6}"/>
+          </ac:spMkLst>
+        </pc:spChg>
+        <pc:picChg chg="mod">
+          <ac:chgData name="Hutula, Karina" userId="76360105-4658-44a5-a2e4-d25da711b3ec" providerId="ADAL" clId="{204D18CB-9BF0-4338-8D3A-C3F8565B3CF2}" dt="2021-11-22T03:40:00.207" v="197" actId="14100"/>
+          <ac:picMkLst>
+            <pc:docMk/>
+            <pc:sldMk cId="1755836296" sldId="262"/>
+            <ac:picMk id="5" creationId="{15C55B3A-8A73-4C31-9BC4-2D26EE292C1E}"/>
+          </ac:picMkLst>
+        </pc:picChg>
+        <pc:picChg chg="del">
+          <ac:chgData name="Hutula, Karina" userId="76360105-4658-44a5-a2e4-d25da711b3ec" providerId="ADAL" clId="{204D18CB-9BF0-4338-8D3A-C3F8565B3CF2}" dt="2021-11-22T03:39:35.998" v="190" actId="478"/>
+          <ac:picMkLst>
+            <pc:docMk/>
+            <pc:sldMk cId="1755836296" sldId="262"/>
+            <ac:picMk id="6" creationId="{4911F5FD-A846-44DB-9591-92A53A3D99A6}"/>
+          </ac:picMkLst>
+        </pc:picChg>
+        <pc:picChg chg="add mod">
+          <ac:chgData name="Hutula, Karina" userId="76360105-4658-44a5-a2e4-d25da711b3ec" providerId="ADAL" clId="{204D18CB-9BF0-4338-8D3A-C3F8565B3CF2}" dt="2021-11-22T03:39:57.240" v="196" actId="1076"/>
+          <ac:picMkLst>
+            <pc:docMk/>
+            <pc:sldMk cId="1755836296" sldId="262"/>
+            <ac:picMk id="9" creationId="{3EC3022B-1C43-4EAB-9D71-5116DFDEF9D4}"/>
+          </ac:picMkLst>
+        </pc:picChg>
+      </pc:sldChg>
+      <pc:sldChg chg="addSp delSp modSp mod">
+        <pc:chgData name="Hutula, Karina" userId="76360105-4658-44a5-a2e4-d25da711b3ec" providerId="ADAL" clId="{204D18CB-9BF0-4338-8D3A-C3F8565B3CF2}" dt="2021-11-22T03:48:21.815" v="417" actId="1076"/>
+        <pc:sldMkLst>
+          <pc:docMk/>
+          <pc:sldMk cId="3297823726" sldId="265"/>
+        </pc:sldMkLst>
+        <pc:picChg chg="mod modCrop">
+          <ac:chgData name="Hutula, Karina" userId="76360105-4658-44a5-a2e4-d25da711b3ec" providerId="ADAL" clId="{204D18CB-9BF0-4338-8D3A-C3F8565B3CF2}" dt="2021-11-22T03:48:21.815" v="417" actId="1076"/>
+          <ac:picMkLst>
+            <pc:docMk/>
+            <pc:sldMk cId="3297823726" sldId="265"/>
+            <ac:picMk id="5" creationId="{E213EBC9-C995-46B5-976A-C45050097C87}"/>
+          </ac:picMkLst>
+        </pc:picChg>
+        <pc:picChg chg="add mod">
+          <ac:chgData name="Hutula, Karina" userId="76360105-4658-44a5-a2e4-d25da711b3ec" providerId="ADAL" clId="{204D18CB-9BF0-4338-8D3A-C3F8565B3CF2}" dt="2021-11-22T03:47:54.444" v="411" actId="1076"/>
+          <ac:picMkLst>
+            <pc:docMk/>
+            <pc:sldMk cId="3297823726" sldId="265"/>
+            <ac:picMk id="6" creationId="{9EBF60E1-E173-4817-93CC-652E3E8B0538}"/>
+          </ac:picMkLst>
+        </pc:picChg>
+        <pc:picChg chg="del">
+          <ac:chgData name="Hutula, Karina" userId="76360105-4658-44a5-a2e4-d25da711b3ec" providerId="ADAL" clId="{204D18CB-9BF0-4338-8D3A-C3F8565B3CF2}" dt="2021-11-22T03:47:48.412" v="410" actId="478"/>
+          <ac:picMkLst>
+            <pc:docMk/>
+            <pc:sldMk cId="3297823726" sldId="265"/>
+            <ac:picMk id="16" creationId="{240BF8DE-7CBC-4EE6-A6C4-E07A4BF1CFD5}"/>
+          </ac:picMkLst>
+        </pc:picChg>
+      </pc:sldChg>
+      <pc:sldChg chg="modSp mod">
+        <pc:chgData name="Hutula, Karina" userId="76360105-4658-44a5-a2e4-d25da711b3ec" providerId="ADAL" clId="{204D18CB-9BF0-4338-8D3A-C3F8565B3CF2}" dt="2021-11-22T03:53:11.467" v="459" actId="2085"/>
+        <pc:sldMkLst>
+          <pc:docMk/>
+          <pc:sldMk cId="786406106" sldId="267"/>
+        </pc:sldMkLst>
+        <pc:spChg chg="mod">
+          <ac:chgData name="Hutula, Karina" userId="76360105-4658-44a5-a2e4-d25da711b3ec" providerId="ADAL" clId="{204D18CB-9BF0-4338-8D3A-C3F8565B3CF2}" dt="2021-11-22T03:53:11.467" v="459" actId="2085"/>
+          <ac:spMkLst>
+            <pc:docMk/>
+            <pc:sldMk cId="786406106" sldId="267"/>
+            <ac:spMk id="55" creationId="{5C84B00A-2062-4E70-8AD4-A114464A66DC}"/>
+          </ac:spMkLst>
+        </pc:spChg>
+      </pc:sldChg>
+      <pc:sldChg chg="modSp mod">
+        <pc:chgData name="Hutula, Karina" userId="76360105-4658-44a5-a2e4-d25da711b3ec" providerId="ADAL" clId="{204D18CB-9BF0-4338-8D3A-C3F8565B3CF2}" dt="2021-11-22T03:49:38.757" v="451" actId="5793"/>
+        <pc:sldMkLst>
+          <pc:docMk/>
+          <pc:sldMk cId="71375660" sldId="273"/>
+        </pc:sldMkLst>
+        <pc:spChg chg="mod">
+          <ac:chgData name="Hutula, Karina" userId="76360105-4658-44a5-a2e4-d25da711b3ec" providerId="ADAL" clId="{204D18CB-9BF0-4338-8D3A-C3F8565B3CF2}" dt="2021-11-22T03:48:51.772" v="432" actId="20577"/>
+          <ac:spMkLst>
+            <pc:docMk/>
+            <pc:sldMk cId="71375660" sldId="273"/>
+            <ac:spMk id="2" creationId="{2384CEA7-D60A-47AE-A867-C557D000559F}"/>
+          </ac:spMkLst>
+        </pc:spChg>
+        <pc:spChg chg="mod">
+          <ac:chgData name="Hutula, Karina" userId="76360105-4658-44a5-a2e4-d25da711b3ec" providerId="ADAL" clId="{204D18CB-9BF0-4338-8D3A-C3F8565B3CF2}" dt="2021-11-22T03:49:38.757" v="451" actId="5793"/>
+          <ac:spMkLst>
+            <pc:docMk/>
+            <pc:sldMk cId="71375660" sldId="273"/>
+            <ac:spMk id="6" creationId="{5C4E7F48-C788-4055-883C-9ABA02A26FA7}"/>
+          </ac:spMkLst>
+        </pc:spChg>
+      </pc:sldChg>
+      <pc:sldChg chg="modSp mod">
+        <pc:chgData name="Hutula, Karina" userId="76360105-4658-44a5-a2e4-d25da711b3ec" providerId="ADAL" clId="{204D18CB-9BF0-4338-8D3A-C3F8565B3CF2}" dt="2021-11-22T03:51:11.850" v="458" actId="20577"/>
+        <pc:sldMkLst>
+          <pc:docMk/>
+          <pc:sldMk cId="1258591405" sldId="275"/>
+        </pc:sldMkLst>
+        <pc:spChg chg="mod">
+          <ac:chgData name="Hutula, Karina" userId="76360105-4658-44a5-a2e4-d25da711b3ec" providerId="ADAL" clId="{204D18CB-9BF0-4338-8D3A-C3F8565B3CF2}" dt="2021-11-22T03:51:11.850" v="458" actId="20577"/>
+          <ac:spMkLst>
+            <pc:docMk/>
+            <pc:sldMk cId="1258591405" sldId="275"/>
+            <ac:spMk id="12" creationId="{B61632C1-4C78-4EC9-B278-37D00EDA33CF}"/>
+          </ac:spMkLst>
+        </pc:spChg>
+        <pc:picChg chg="mod">
+          <ac:chgData name="Hutula, Karina" userId="76360105-4658-44a5-a2e4-d25da711b3ec" providerId="ADAL" clId="{204D18CB-9BF0-4338-8D3A-C3F8565B3CF2}" dt="2021-11-22T03:34:55.492" v="127" actId="1076"/>
+          <ac:picMkLst>
+            <pc:docMk/>
+            <pc:sldMk cId="1258591405" sldId="275"/>
+            <ac:picMk id="13" creationId="{506A060D-905F-45A7-A7C8-4CEAA936338A}"/>
+          </ac:picMkLst>
+        </pc:picChg>
+        <pc:picChg chg="mod">
+          <ac:chgData name="Hutula, Karina" userId="76360105-4658-44a5-a2e4-d25da711b3ec" providerId="ADAL" clId="{204D18CB-9BF0-4338-8D3A-C3F8565B3CF2}" dt="2021-11-22T03:34:44.853" v="125" actId="1076"/>
+          <ac:picMkLst>
+            <pc:docMk/>
+            <pc:sldMk cId="1258591405" sldId="275"/>
+            <ac:picMk id="15" creationId="{014E3EA9-3409-4F66-A00E-52D29D081A4E}"/>
+          </ac:picMkLst>
+        </pc:picChg>
+        <pc:picChg chg="mod">
+          <ac:chgData name="Hutula, Karina" userId="76360105-4658-44a5-a2e4-d25da711b3ec" providerId="ADAL" clId="{204D18CB-9BF0-4338-8D3A-C3F8565B3CF2}" dt="2021-11-22T03:35:04.013" v="128" actId="1076"/>
+          <ac:picMkLst>
+            <pc:docMk/>
+            <pc:sldMk cId="1258591405" sldId="275"/>
+            <ac:picMk id="16" creationId="{429DEA16-B63E-4C56-94D5-E3C4FA55F5CE}"/>
+          </ac:picMkLst>
+        </pc:picChg>
+        <pc:picChg chg="mod">
+          <ac:chgData name="Hutula, Karina" userId="76360105-4658-44a5-a2e4-d25da711b3ec" providerId="ADAL" clId="{204D18CB-9BF0-4338-8D3A-C3F8565B3CF2}" dt="2021-11-22T03:34:50.512" v="126" actId="1076"/>
+          <ac:picMkLst>
+            <pc:docMk/>
+            <pc:sldMk cId="1258591405" sldId="275"/>
+            <ac:picMk id="1028" creationId="{9764AA64-1F81-44A5-90A9-77D99441AB7E}"/>
+          </ac:picMkLst>
+        </pc:picChg>
+      </pc:sldChg>
+      <pc:sldChg chg="modSp mod">
+        <pc:chgData name="Hutula, Karina" userId="76360105-4658-44a5-a2e4-d25da711b3ec" providerId="ADAL" clId="{204D18CB-9BF0-4338-8D3A-C3F8565B3CF2}" dt="2021-11-22T03:34:32.010" v="124" actId="20577"/>
+        <pc:sldMkLst>
+          <pc:docMk/>
+          <pc:sldMk cId="659942436" sldId="276"/>
+        </pc:sldMkLst>
+        <pc:spChg chg="mod">
+          <ac:chgData name="Hutula, Karina" userId="76360105-4658-44a5-a2e4-d25da711b3ec" providerId="ADAL" clId="{204D18CB-9BF0-4338-8D3A-C3F8565B3CF2}" dt="2021-11-22T03:34:32.010" v="124" actId="20577"/>
+          <ac:spMkLst>
+            <pc:docMk/>
+            <pc:sldMk cId="659942436" sldId="276"/>
+            <ac:spMk id="4" creationId="{AABE60BB-CCAB-48F0-8167-2C2ACC728733}"/>
+          </ac:spMkLst>
+        </pc:spChg>
+      </pc:sldChg>
+      <pc:sldChg chg="modSp mod">
+        <pc:chgData name="Hutula, Karina" userId="76360105-4658-44a5-a2e4-d25da711b3ec" providerId="ADAL" clId="{204D18CB-9BF0-4338-8D3A-C3F8565B3CF2}" dt="2021-11-22T03:46:48.377" v="406" actId="1038"/>
+        <pc:sldMkLst>
+          <pc:docMk/>
+          <pc:sldMk cId="933112001" sldId="277"/>
+        </pc:sldMkLst>
+        <pc:spChg chg="mod">
+          <ac:chgData name="Hutula, Karina" userId="76360105-4658-44a5-a2e4-d25da711b3ec" providerId="ADAL" clId="{204D18CB-9BF0-4338-8D3A-C3F8565B3CF2}" dt="2021-11-22T03:45:15.850" v="366" actId="1076"/>
+          <ac:spMkLst>
+            <pc:docMk/>
+            <pc:sldMk cId="933112001" sldId="277"/>
+            <ac:spMk id="17" creationId="{67FC15F7-9AEF-40EE-928B-C70472D4CFCF}"/>
+          </ac:spMkLst>
+        </pc:spChg>
+        <pc:spChg chg="mod">
+          <ac:chgData name="Hutula, Karina" userId="76360105-4658-44a5-a2e4-d25da711b3ec" providerId="ADAL" clId="{204D18CB-9BF0-4338-8D3A-C3F8565B3CF2}" dt="2021-11-22T03:45:43.535" v="370" actId="1076"/>
+          <ac:spMkLst>
+            <pc:docMk/>
+            <pc:sldMk cId="933112001" sldId="277"/>
+            <ac:spMk id="26" creationId="{60BDE337-749A-4419-8ED1-7D5674CF47D2}"/>
+          </ac:spMkLst>
+        </pc:spChg>
+        <pc:spChg chg="mod">
+          <ac:chgData name="Hutula, Karina" userId="76360105-4658-44a5-a2e4-d25da711b3ec" providerId="ADAL" clId="{204D18CB-9BF0-4338-8D3A-C3F8565B3CF2}" dt="2021-11-22T03:46:48.377" v="406" actId="1038"/>
+          <ac:spMkLst>
+            <pc:docMk/>
+            <pc:sldMk cId="933112001" sldId="277"/>
+            <ac:spMk id="30" creationId="{856F9C01-AB41-4D48-AB4C-4D82D533C8CA}"/>
+          </ac:spMkLst>
+        </pc:spChg>
+        <pc:spChg chg="mod">
+          <ac:chgData name="Hutula, Karina" userId="76360105-4658-44a5-a2e4-d25da711b3ec" providerId="ADAL" clId="{204D18CB-9BF0-4338-8D3A-C3F8565B3CF2}" dt="2021-11-22T03:46:48.377" v="406" actId="1038"/>
+          <ac:spMkLst>
+            <pc:docMk/>
+            <pc:sldMk cId="933112001" sldId="277"/>
+            <ac:spMk id="34" creationId="{75741FD9-0717-445D-9054-6BBBBD43F97B}"/>
+          </ac:spMkLst>
+        </pc:spChg>
+        <pc:picChg chg="mod">
+          <ac:chgData name="Hutula, Karina" userId="76360105-4658-44a5-a2e4-d25da711b3ec" providerId="ADAL" clId="{204D18CB-9BF0-4338-8D3A-C3F8565B3CF2}" dt="2021-11-22T03:45:37.115" v="369" actId="1076"/>
+          <ac:picMkLst>
+            <pc:docMk/>
+            <pc:sldMk cId="933112001" sldId="277"/>
+            <ac:picMk id="24" creationId="{0AB80C11-C1F5-4192-B3C6-A8D2F5244888}"/>
+          </ac:picMkLst>
+        </pc:picChg>
+        <pc:picChg chg="mod">
+          <ac:chgData name="Hutula, Karina" userId="76360105-4658-44a5-a2e4-d25da711b3ec" providerId="ADAL" clId="{204D18CB-9BF0-4338-8D3A-C3F8565B3CF2}" dt="2021-11-22T03:45:47.320" v="371" actId="1076"/>
+          <ac:picMkLst>
+            <pc:docMk/>
+            <pc:sldMk cId="933112001" sldId="277"/>
+            <ac:picMk id="28" creationId="{1BED5C74-17F7-4C4C-A8F2-91BEA23C407B}"/>
+          </ac:picMkLst>
+        </pc:picChg>
+        <pc:picChg chg="mod modCrop">
+          <ac:chgData name="Hutula, Karina" userId="76360105-4658-44a5-a2e4-d25da711b3ec" providerId="ADAL" clId="{204D18CB-9BF0-4338-8D3A-C3F8565B3CF2}" dt="2021-11-22T03:46:48.377" v="406" actId="1038"/>
+          <ac:picMkLst>
+            <pc:docMk/>
+            <pc:sldMk cId="933112001" sldId="277"/>
+            <ac:picMk id="32" creationId="{A0CF1D90-74B7-44EC-8FFE-330F05CADAD1}"/>
+          </ac:picMkLst>
+        </pc:picChg>
+        <pc:picChg chg="mod">
+          <ac:chgData name="Hutula, Karina" userId="76360105-4658-44a5-a2e4-d25da711b3ec" providerId="ADAL" clId="{204D18CB-9BF0-4338-8D3A-C3F8565B3CF2}" dt="2021-11-22T03:46:48.377" v="406" actId="1038"/>
+          <ac:picMkLst>
+            <pc:docMk/>
+            <pc:sldMk cId="933112001" sldId="277"/>
+            <ac:picMk id="38" creationId="{8188FC28-D712-457A-8BC4-100F8C7E8AB0}"/>
+          </ac:picMkLst>
+        </pc:picChg>
+      </pc:sldChg>
+      <pc:sldChg chg="modSp mod">
+        <pc:chgData name="Hutula, Karina" userId="76360105-4658-44a5-a2e4-d25da711b3ec" providerId="ADAL" clId="{204D18CB-9BF0-4338-8D3A-C3F8565B3CF2}" dt="2021-11-22T03:34:00.344" v="99" actId="20577"/>
+        <pc:sldMkLst>
+          <pc:docMk/>
+          <pc:sldMk cId="1924771865" sldId="278"/>
+        </pc:sldMkLst>
+        <pc:spChg chg="mod">
+          <ac:chgData name="Hutula, Karina" userId="76360105-4658-44a5-a2e4-d25da711b3ec" providerId="ADAL" clId="{204D18CB-9BF0-4338-8D3A-C3F8565B3CF2}" dt="2021-11-22T03:34:00.344" v="99" actId="20577"/>
+          <ac:spMkLst>
+            <pc:docMk/>
+            <pc:sldMk cId="1924771865" sldId="278"/>
+            <ac:spMk id="4" creationId="{5D2A4AED-7CD7-4256-AAA3-036D115833C6}"/>
+          </ac:spMkLst>
+        </pc:spChg>
+      </pc:sldChg>
+      <pc:sldChg chg="addSp modSp mod">
+        <pc:chgData name="Hutula, Karina" userId="76360105-4658-44a5-a2e4-d25da711b3ec" providerId="ADAL" clId="{204D18CB-9BF0-4338-8D3A-C3F8565B3CF2}" dt="2021-11-22T03:33:45.435" v="89" actId="1076"/>
+        <pc:sldMkLst>
+          <pc:docMk/>
+          <pc:sldMk cId="2242014633" sldId="279"/>
+        </pc:sldMkLst>
+        <pc:spChg chg="mod">
+          <ac:chgData name="Hutula, Karina" userId="76360105-4658-44a5-a2e4-d25da711b3ec" providerId="ADAL" clId="{204D18CB-9BF0-4338-8D3A-C3F8565B3CF2}" dt="2021-11-22T03:33:00.223" v="87" actId="20577"/>
+          <ac:spMkLst>
+            <pc:docMk/>
+            <pc:sldMk cId="2242014633" sldId="279"/>
+            <ac:spMk id="4" creationId="{9F4B8A80-652F-4F04-8050-4636C98FC696}"/>
+          </ac:spMkLst>
+        </pc:spChg>
+        <pc:picChg chg="add mod">
+          <ac:chgData name="Hutula, Karina" userId="76360105-4658-44a5-a2e4-d25da711b3ec" providerId="ADAL" clId="{204D18CB-9BF0-4338-8D3A-C3F8565B3CF2}" dt="2021-11-22T03:33:45.435" v="89" actId="1076"/>
+          <ac:picMkLst>
+            <pc:docMk/>
+            <pc:sldMk cId="2242014633" sldId="279"/>
+            <ac:picMk id="6" creationId="{F3F527D6-FD5B-477E-93F9-2E54D8B53801}"/>
+          </ac:picMkLst>
+        </pc:picChg>
+      </pc:sldChg>
+      <pc:sldChg chg="addSp delSp modSp mod">
+        <pc:chgData name="Hutula, Karina" userId="76360105-4658-44a5-a2e4-d25da711b3ec" providerId="ADAL" clId="{204D18CB-9BF0-4338-8D3A-C3F8565B3CF2}" dt="2021-11-22T03:44:39.253" v="365" actId="20577"/>
+        <pc:sldMkLst>
+          <pc:docMk/>
+          <pc:sldMk cId="4112768196" sldId="280"/>
+        </pc:sldMkLst>
+        <pc:spChg chg="mod">
+          <ac:chgData name="Hutula, Karina" userId="76360105-4658-44a5-a2e4-d25da711b3ec" providerId="ADAL" clId="{204D18CB-9BF0-4338-8D3A-C3F8565B3CF2}" dt="2021-11-22T03:43:03.782" v="207" actId="20577"/>
+          <ac:spMkLst>
+            <pc:docMk/>
+            <pc:sldMk cId="4112768196" sldId="280"/>
+            <ac:spMk id="2" creationId="{084A7E88-BE23-4685-A171-6AE71A16EC51}"/>
+          </ac:spMkLst>
+        </pc:spChg>
+        <pc:spChg chg="mod">
+          <ac:chgData name="Hutula, Karina" userId="76360105-4658-44a5-a2e4-d25da711b3ec" providerId="ADAL" clId="{204D18CB-9BF0-4338-8D3A-C3F8565B3CF2}" dt="2021-11-22T03:44:39.253" v="365" actId="20577"/>
+          <ac:spMkLst>
+            <pc:docMk/>
+            <pc:sldMk cId="4112768196" sldId="280"/>
+            <ac:spMk id="7" creationId="{39A47610-A6F4-4B8B-90D1-5DEB67C0F9E6}"/>
+          </ac:spMkLst>
+        </pc:spChg>
+        <pc:picChg chg="add mod">
+          <ac:chgData name="Hutula, Karina" userId="76360105-4658-44a5-a2e4-d25da711b3ec" providerId="ADAL" clId="{204D18CB-9BF0-4338-8D3A-C3F8565B3CF2}" dt="2021-11-22T03:42:09.584" v="199" actId="1076"/>
+          <ac:picMkLst>
+            <pc:docMk/>
+            <pc:sldMk cId="4112768196" sldId="280"/>
+            <ac:picMk id="6" creationId="{93053633-7742-4846-8106-C28DD9F0E344}"/>
+          </ac:picMkLst>
+        </pc:picChg>
+        <pc:picChg chg="del">
+          <ac:chgData name="Hutula, Karina" userId="76360105-4658-44a5-a2e4-d25da711b3ec" providerId="ADAL" clId="{204D18CB-9BF0-4338-8D3A-C3F8565B3CF2}" dt="2021-11-22T03:42:21.999" v="201" actId="478"/>
+          <ac:picMkLst>
+            <pc:docMk/>
+            <pc:sldMk cId="4112768196" sldId="280"/>
+            <ac:picMk id="17" creationId="{4B059E0A-40FB-442E-A4A1-D67731BBCEA9}"/>
+          </ac:picMkLst>
+        </pc:picChg>
+      </pc:sldChg>
+    </pc:docChg>
+  </pc:docChgLst>
   <pc:docChgLst>
     <pc:chgData name="dawn.washington25@yahoo.com" userId="2c230471c863ab63" providerId="LiveId" clId="{265D2877-9712-4202-B8F5-F4A1D90BE603}"/>
     <pc:docChg chg="custSel addSld delSld modSld sldOrd">
@@ -11848,10 +12191,10 @@
       </p:sp>
       <p:pic>
         <p:nvPicPr>
-          <p:cNvPr id="16" name="Picture 15">
-            <a:extLst>
-              <a:ext uri="{FF2B5EF4-FFF2-40B4-BE49-F238E27FC236}">
-                <a16:creationId xmlns:a16="http://schemas.microsoft.com/office/drawing/2014/main" id="{240BF8DE-7CBC-4EE6-A6C4-E07A4BF1CFD5}"/>
+          <p:cNvPr id="5" name="Picture 4">
+            <a:extLst>
+              <a:ext uri="{FF2B5EF4-FFF2-40B4-BE49-F238E27FC236}">
+                <a16:creationId xmlns:a16="http://schemas.microsoft.com/office/drawing/2014/main" id="{E213EBC9-C995-46B5-976A-C45050097C87}"/>
               </a:ext>
             </a:extLst>
           </p:cNvPr>
@@ -11860,16 +12203,15 @@
           </p:cNvPicPr>
           <p:nvPr/>
         </p:nvPicPr>
-        <p:blipFill>
+        <p:blipFill rotWithShape="1">
           <a:blip r:embed="rId3"/>
-          <a:stretch>
-            <a:fillRect/>
-          </a:stretch>
+          <a:srcRect l="3108" r="17813" b="15426"/>
+          <a:stretch/>
         </p:blipFill>
         <p:spPr>
           <a:xfrm>
-            <a:off x="361134" y="1457931"/>
-            <a:ext cx="5979508" cy="4285945"/>
+            <a:off x="6096000" y="1525165"/>
+            <a:ext cx="5669848" cy="4603039"/>
           </a:xfrm>
           <a:prstGeom prst="rect">
             <a:avLst/>
@@ -11878,10 +12220,10 @@
       </p:pic>
       <p:pic>
         <p:nvPicPr>
-          <p:cNvPr id="5" name="Picture 4">
-            <a:extLst>
-              <a:ext uri="{FF2B5EF4-FFF2-40B4-BE49-F238E27FC236}">
-                <a16:creationId xmlns:a16="http://schemas.microsoft.com/office/drawing/2014/main" id="{E213EBC9-C995-46B5-976A-C45050097C87}"/>
+          <p:cNvPr id="6" name="Picture 5">
+            <a:extLst>
+              <a:ext uri="{FF2B5EF4-FFF2-40B4-BE49-F238E27FC236}">
+                <a16:creationId xmlns:a16="http://schemas.microsoft.com/office/drawing/2014/main" id="{9EBF60E1-E173-4817-93CC-652E3E8B0538}"/>
               </a:ext>
             </a:extLst>
           </p:cNvPr>
@@ -11898,8 +12240,8 @@
         </p:blipFill>
         <p:spPr>
           <a:xfrm>
-            <a:off x="6340643" y="1457932"/>
-            <a:ext cx="5646150" cy="4285944"/>
+            <a:off x="684000" y="1457932"/>
+            <a:ext cx="5189633" cy="4737506"/>
           </a:xfrm>
           <a:prstGeom prst="rect">
             <a:avLst/>
@@ -12436,7 +12778,10 @@
           <a:bodyPr/>
           <a:lstStyle/>
           <a:p>
-            <a:endParaRPr lang="en-US" dirty="0"/>
+            <a:r>
+              <a:rPr lang="en-US" dirty="0"/>
+              <a:t>Model page</a:t>
+            </a:r>
           </a:p>
         </p:txBody>
       </p:sp>
@@ -12546,10 +12891,43 @@
           <a:bodyPr/>
           <a:lstStyle/>
           <a:p>
-            <a:endParaRPr lang="en-US" dirty="0"/>
-          </a:p>
-        </p:txBody>
-      </p:sp>
+            <a:r>
+              <a:rPr lang="en-US" dirty="0"/>
+              <a:t>EDA Page</a:t>
+            </a:r>
+          </a:p>
+        </p:txBody>
+      </p:sp>
+      <p:pic>
+        <p:nvPicPr>
+          <p:cNvPr id="6" name="Picture 5">
+            <a:extLst>
+              <a:ext uri="{FF2B5EF4-FFF2-40B4-BE49-F238E27FC236}">
+                <a16:creationId xmlns:a16="http://schemas.microsoft.com/office/drawing/2014/main" id="{F3F527D6-FD5B-477E-93F9-2E54D8B53801}"/>
+              </a:ext>
+            </a:extLst>
+          </p:cNvPr>
+          <p:cNvPicPr>
+            <a:picLocks noChangeAspect="1"/>
+          </p:cNvPicPr>
+          <p:nvPr/>
+        </p:nvPicPr>
+        <p:blipFill>
+          <a:blip r:embed="rId2"/>
+          <a:stretch>
+            <a:fillRect/>
+          </a:stretch>
+        </p:blipFill>
+        <p:spPr>
+          <a:xfrm>
+            <a:off x="4953142" y="0"/>
+            <a:ext cx="5865493" cy="6858000"/>
+          </a:xfrm>
+          <a:prstGeom prst="rect">
+            <a:avLst/>
+          </a:prstGeom>
+        </p:spPr>
+      </p:pic>
     </p:spTree>
     <p:extLst>
       <p:ext uri="{BB962C8B-B14F-4D97-AF65-F5344CB8AC3E}">
@@ -12699,7 +13077,7 @@
           <a:p>
             <a:r>
               <a:rPr lang="en-US" dirty="0"/>
-              <a:t>Next Steps / Insights</a:t>
+              <a:t>Insights &amp; Next steps</a:t>
             </a:r>
           </a:p>
         </p:txBody>
@@ -12796,8 +13174,8 @@
         </p:nvSpPr>
         <p:spPr>
           <a:xfrm>
-            <a:off x="1160059" y="1797189"/>
-            <a:ext cx="8008003" cy="3139321"/>
+            <a:off x="1151821" y="1797261"/>
+            <a:ext cx="8008003" cy="2585323"/>
           </a:xfrm>
           <a:prstGeom prst="rect">
             <a:avLst/>
@@ -12820,8 +13198,72 @@
                   <a:schemeClr val="bg1"/>
                 </a:solidFill>
               </a:rPr>
-              <a:t>Additional pages expanding the exploratory data analysis</a:t>
+              <a:t>Limitations of the dataset:</a:t>
             </a:r>
+          </a:p>
+          <a:p>
+            <a:pPr marL="1200150" lvl="2" indent="-285750">
+              <a:buFont typeface="Wingdings" panose="05000000000000000000" pitchFamily="2" charset="2"/>
+              <a:buChar char="q"/>
+            </a:pPr>
+            <a:r>
+              <a:rPr lang="en-US" dirty="0">
+                <a:solidFill>
+                  <a:schemeClr val="bg1"/>
+                </a:solidFill>
+              </a:rPr>
+              <a:t>Not based on population</a:t>
+            </a:r>
+          </a:p>
+          <a:p>
+            <a:pPr marL="1200150" lvl="2" indent="-285750">
+              <a:buFont typeface="Wingdings" panose="05000000000000000000" pitchFamily="2" charset="2"/>
+              <a:buChar char="q"/>
+            </a:pPr>
+            <a:r>
+              <a:rPr lang="en-US" dirty="0">
+                <a:solidFill>
+                  <a:schemeClr val="bg1"/>
+                </a:solidFill>
+              </a:rPr>
+              <a:t>Issue with BMI indication</a:t>
+            </a:r>
+          </a:p>
+          <a:p>
+            <a:pPr marL="1200150" lvl="2" indent="-285750">
+              <a:buFont typeface="Wingdings" panose="05000000000000000000" pitchFamily="2" charset="2"/>
+              <a:buChar char="q"/>
+            </a:pPr>
+            <a:r>
+              <a:rPr lang="en-US" dirty="0">
+                <a:solidFill>
+                  <a:schemeClr val="bg1"/>
+                </a:solidFill>
+              </a:rPr>
+              <a:t>Small size of data</a:t>
+            </a:r>
+          </a:p>
+          <a:p>
+            <a:pPr marL="1200150" lvl="2" indent="-285750">
+              <a:buFont typeface="Wingdings" panose="05000000000000000000" pitchFamily="2" charset="2"/>
+              <a:buChar char="q"/>
+            </a:pPr>
+            <a:r>
+              <a:rPr lang="en-US" dirty="0">
+                <a:solidFill>
+                  <a:schemeClr val="bg1"/>
+                </a:solidFill>
+              </a:rPr>
+              <a:t>Data not recently collected and not maintained</a:t>
+            </a:r>
+          </a:p>
+          <a:p>
+            <a:pPr lvl="2"/>
+            <a:endParaRPr lang="en-US" dirty="0">
+              <a:solidFill>
+                <a:schemeClr val="bg1"/>
+              </a:solidFill>
+            </a:endParaRPr>
           </a:p>
           <a:p>
             <a:pPr marL="285750" indent="-285750">
@@ -12834,7 +13276,7 @@
                   <a:schemeClr val="bg1"/>
                 </a:solidFill>
               </a:rPr>
-              <a:t>Ability to link site with widely-used human resources tools</a:t>
+              <a:t>Additional pages expanding the exploratory data analysis</a:t>
             </a:r>
           </a:p>
           <a:p>
@@ -12848,7 +13290,7 @@
                   <a:schemeClr val="bg1"/>
                 </a:solidFill>
               </a:rPr>
-              <a:t>Allow companies to upload their data to the site to improve accuracy</a:t>
+              <a:t>Ability to link site with widely-used human resources tools</a:t>
             </a:r>
           </a:p>
           <a:p>
@@ -12862,89 +13304,8 @@
                   <a:schemeClr val="bg1"/>
                 </a:solidFill>
               </a:rPr>
-              <a:t>Limitations of the dataset:</a:t>
+              <a:t>Allow companies to upload their data to the site to improve accuracy</a:t>
             </a:r>
-          </a:p>
-          <a:p>
-            <a:pPr marL="1200150" lvl="2" indent="-285750">
-              <a:buFont typeface="Wingdings" panose="05000000000000000000" pitchFamily="2" charset="2"/>
-              <a:buChar char="q"/>
-            </a:pPr>
-            <a:r>
-              <a:rPr lang="en-US" dirty="0">
-                <a:solidFill>
-                  <a:schemeClr val="bg1"/>
-                </a:solidFill>
-              </a:rPr>
-              <a:t>Not based on population</a:t>
-            </a:r>
-          </a:p>
-          <a:p>
-            <a:pPr marL="1200150" lvl="2" indent="-285750">
-              <a:buFont typeface="Wingdings" panose="05000000000000000000" pitchFamily="2" charset="2"/>
-              <a:buChar char="q"/>
-            </a:pPr>
-            <a:r>
-              <a:rPr lang="en-US" dirty="0">
-                <a:solidFill>
-                  <a:schemeClr val="bg1"/>
-                </a:solidFill>
-              </a:rPr>
-              <a:t>Issue with BMI indication</a:t>
-            </a:r>
-          </a:p>
-          <a:p>
-            <a:pPr marL="1200150" lvl="2" indent="-285750">
-              <a:buFont typeface="Wingdings" panose="05000000000000000000" pitchFamily="2" charset="2"/>
-              <a:buChar char="q"/>
-            </a:pPr>
-            <a:r>
-              <a:rPr lang="en-US" dirty="0">
-                <a:solidFill>
-                  <a:schemeClr val="bg1"/>
-                </a:solidFill>
-              </a:rPr>
-              <a:t>Small size of data</a:t>
-            </a:r>
-          </a:p>
-          <a:p>
-            <a:pPr marL="1200150" lvl="2" indent="-285750">
-              <a:buFont typeface="Wingdings" panose="05000000000000000000" pitchFamily="2" charset="2"/>
-              <a:buChar char="q"/>
-            </a:pPr>
-            <a:r>
-              <a:rPr lang="en-US" dirty="0">
-                <a:solidFill>
-                  <a:schemeClr val="bg1"/>
-                </a:solidFill>
-              </a:rPr>
-              <a:t>Data not recently collected and not maintained</a:t>
-            </a:r>
-          </a:p>
-          <a:p>
-            <a:pPr lvl="2"/>
-            <a:endParaRPr lang="en-US" dirty="0">
-              <a:solidFill>
-                <a:schemeClr val="bg1"/>
-              </a:solidFill>
-            </a:endParaRPr>
-          </a:p>
-          <a:p>
-            <a:r>
-              <a:rPr lang="en-US" dirty="0">
-                <a:solidFill>
-                  <a:schemeClr val="bg1"/>
-                </a:solidFill>
-              </a:rPr>
-              <a:t>	</a:t>
-            </a:r>
-          </a:p>
-          <a:p>
-            <a:endParaRPr lang="en-US" dirty="0">
-              <a:solidFill>
-                <a:schemeClr val="bg1"/>
-              </a:solidFill>
-            </a:endParaRPr>
           </a:p>
         </p:txBody>
       </p:sp>
@@ -13234,11 +13595,7 @@
           </a:prstGeom>
           <a:noFill/>
           <a:ln w="6350">
-            <a:solidFill>
-              <a:schemeClr val="bg1">
-                <a:alpha val="20000"/>
-              </a:schemeClr>
-            </a:solidFill>
+            <a:noFill/>
           </a:ln>
         </p:spPr>
         <p:style>
@@ -13699,7 +14056,7 @@
                   </a:schemeClr>
                 </a:solidFill>
               </a:rPr>
-              <a:t>Technologies/Data Source</a:t>
+              <a:t>Technologies &amp; Data Source</a:t>
             </a:r>
           </a:p>
           <a:p>
@@ -13772,7 +14129,7 @@
                   </a:schemeClr>
                 </a:solidFill>
               </a:rPr>
-              <a:t>Insights/Next Steps</a:t>
+              <a:t>Insights &amp; Next Steps</a:t>
             </a:r>
           </a:p>
           <a:p>
@@ -17274,7 +17631,7 @@
         <p:spPr>
           <a:xfrm>
             <a:off x="532262" y="4735773"/>
-            <a:ext cx="9498842" cy="2123658"/>
+            <a:ext cx="9498842" cy="2431435"/>
           </a:xfrm>
           <a:prstGeom prst="rect">
             <a:avLst/>
@@ -17331,7 +17688,23 @@
                   </a:schemeClr>
                 </a:solidFill>
               </a:rPr>
-              <a:t>Deployment of the Website</a:t>
+              <a:t>Deployment of the Model</a:t>
+            </a:r>
+          </a:p>
+          <a:p>
+            <a:pPr marL="285750" indent="-285750">
+              <a:buFont typeface="Wingdings" panose="05000000000000000000" pitchFamily="2" charset="2"/>
+              <a:buChar char="§"/>
+            </a:pPr>
+            <a:r>
+              <a:rPr lang="en-US" sz="2000" b="1" dirty="0">
+                <a:solidFill>
+                  <a:schemeClr val="bg2">
+                    <a:lumMod val="75000"/>
+                  </a:schemeClr>
+                </a:solidFill>
+              </a:rPr>
+              <a:t>Website</a:t>
             </a:r>
           </a:p>
           <a:p>
@@ -17415,7 +17788,7 @@
         </p:blipFill>
         <p:spPr bwMode="auto">
           <a:xfrm>
-            <a:off x="5644889" y="3429000"/>
+            <a:off x="6289282" y="3446463"/>
             <a:ext cx="2206305" cy="783185"/>
           </a:xfrm>
           <a:prstGeom prst="rect">
@@ -17455,7 +17828,7 @@
         </p:blipFill>
         <p:spPr>
           <a:xfrm>
-            <a:off x="8192288" y="3410186"/>
+            <a:off x="8899625" y="3430595"/>
             <a:ext cx="1275583" cy="802000"/>
           </a:xfrm>
           <a:prstGeom prst="rect">
@@ -17485,7 +17858,7 @@
         </p:blipFill>
         <p:spPr>
           <a:xfrm>
-            <a:off x="1676425" y="3231698"/>
+            <a:off x="2462152" y="3223069"/>
             <a:ext cx="2572735" cy="1340180"/>
           </a:xfrm>
           <a:prstGeom prst="rect">
@@ -17522,7 +17895,7 @@
         </p:blipFill>
         <p:spPr bwMode="auto">
           <a:xfrm>
-            <a:off x="4236949" y="3410185"/>
+            <a:off x="4969504" y="3429000"/>
             <a:ext cx="983206" cy="783185"/>
           </a:xfrm>
           <a:prstGeom prst="rect">
@@ -17810,7 +18183,7 @@
         <p:spPr>
           <a:xfrm>
             <a:off x="379212" y="1494510"/>
-            <a:ext cx="5394724" cy="1323439"/>
+            <a:ext cx="5394724" cy="1015663"/>
           </a:xfrm>
           <a:prstGeom prst="rect">
             <a:avLst/>
@@ -17853,7 +18226,7 @@
                 </a:solidFill>
                 <a:latin typeface="+mj-lt"/>
               </a:rPr>
-              <a:t>Charges, according to the data,  do range as high as $50,000</a:t>
+              <a:t>Charges range as high as $50,000</a:t>
             </a:r>
           </a:p>
         </p:txBody>
@@ -17880,20 +18253,79 @@
         </p:blipFill>
         <p:spPr>
           <a:xfrm>
-            <a:off x="6201822" y="1224070"/>
-            <a:ext cx="5644415" cy="3420057"/>
+            <a:off x="5773936" y="1224069"/>
+            <a:ext cx="6072301" cy="3679321"/>
           </a:xfrm>
           <a:prstGeom prst="rect">
             <a:avLst/>
           </a:prstGeom>
         </p:spPr>
       </p:pic>
+      <p:sp>
+        <p:nvSpPr>
+          <p:cNvPr id="7" name="TextBox 6">
+            <a:extLst>
+              <a:ext uri="{FF2B5EF4-FFF2-40B4-BE49-F238E27FC236}">
+                <a16:creationId xmlns:a16="http://schemas.microsoft.com/office/drawing/2014/main" id="{39A47610-A6F4-4B8B-90D1-5DEB67C0F9E6}"/>
+              </a:ext>
+            </a:extLst>
+          </p:cNvPr>
+          <p:cNvSpPr txBox="1"/>
+          <p:nvPr/>
+        </p:nvSpPr>
+        <p:spPr>
+          <a:xfrm>
+            <a:off x="6222839" y="4907280"/>
+            <a:ext cx="5352925" cy="1631216"/>
+          </a:xfrm>
+          <a:prstGeom prst="rect">
+            <a:avLst/>
+          </a:prstGeom>
+          <a:noFill/>
+        </p:spPr>
+        <p:txBody>
+          <a:bodyPr wrap="square" rtlCol="0">
+            <a:spAutoFit/>
+          </a:bodyPr>
+          <a:lstStyle/>
+          <a:p>
+            <a:pPr marL="285750" indent="-285750">
+              <a:buFont typeface="Wingdings" panose="05000000000000000000" pitchFamily="2" charset="2"/>
+              <a:buChar char="q"/>
+            </a:pPr>
+            <a:r>
+              <a:rPr lang="en-US" sz="2000" dirty="0">
+                <a:solidFill>
+                  <a:schemeClr val="bg1"/>
+                </a:solidFill>
+                <a:latin typeface="+mj-lt"/>
+              </a:rPr>
+              <a:t>The strongest correlation to charges among all variables is smoker vs. non-smoker</a:t>
+            </a:r>
+          </a:p>
+          <a:p>
+            <a:pPr marL="285750" indent="-285750">
+              <a:buFont typeface="Wingdings" panose="05000000000000000000" pitchFamily="2" charset="2"/>
+              <a:buChar char="q"/>
+            </a:pPr>
+            <a:r>
+              <a:rPr lang="en-US" sz="2000" dirty="0">
+                <a:solidFill>
+                  <a:schemeClr val="bg1"/>
+                </a:solidFill>
+                <a:latin typeface="+mj-lt"/>
+              </a:rPr>
+              <a:t>The number of children is more closely correlated to charges then age, but not by a significant margin</a:t>
+            </a:r>
+          </a:p>
+        </p:txBody>
+      </p:sp>
       <p:pic>
         <p:nvPicPr>
-          <p:cNvPr id="6" name="Picture 5">
-            <a:extLst>
-              <a:ext uri="{FF2B5EF4-FFF2-40B4-BE49-F238E27FC236}">
-                <a16:creationId xmlns:a16="http://schemas.microsoft.com/office/drawing/2014/main" id="{4911F5FD-A846-44DB-9591-92A53A3D99A6}"/>
+          <p:cNvPr id="9" name="Picture 8">
+            <a:extLst>
+              <a:ext uri="{FF2B5EF4-FFF2-40B4-BE49-F238E27FC236}">
+                <a16:creationId xmlns:a16="http://schemas.microsoft.com/office/drawing/2014/main" id="{3EC3022B-1C43-4EAB-9D71-5116DFDEF9D4}"/>
               </a:ext>
             </a:extLst>
           </p:cNvPr>
@@ -17910,73 +18342,14 @@
         </p:blipFill>
         <p:spPr>
           <a:xfrm>
-            <a:off x="379212" y="3086596"/>
-            <a:ext cx="5644415" cy="3465776"/>
+            <a:off x="528868" y="2681896"/>
+            <a:ext cx="5115426" cy="3832610"/>
           </a:xfrm>
           <a:prstGeom prst="rect">
             <a:avLst/>
           </a:prstGeom>
         </p:spPr>
       </p:pic>
-      <p:sp>
-        <p:nvSpPr>
-          <p:cNvPr id="7" name="TextBox 6">
-            <a:extLst>
-              <a:ext uri="{FF2B5EF4-FFF2-40B4-BE49-F238E27FC236}">
-                <a16:creationId xmlns:a16="http://schemas.microsoft.com/office/drawing/2014/main" id="{39A47610-A6F4-4B8B-90D1-5DEB67C0F9E6}"/>
-              </a:ext>
-            </a:extLst>
-          </p:cNvPr>
-          <p:cNvSpPr txBox="1"/>
-          <p:nvPr/>
-        </p:nvSpPr>
-        <p:spPr>
-          <a:xfrm>
-            <a:off x="6222839" y="4907280"/>
-            <a:ext cx="5352925" cy="1323439"/>
-          </a:xfrm>
-          <a:prstGeom prst="rect">
-            <a:avLst/>
-          </a:prstGeom>
-          <a:noFill/>
-        </p:spPr>
-        <p:txBody>
-          <a:bodyPr wrap="square" rtlCol="0">
-            <a:spAutoFit/>
-          </a:bodyPr>
-          <a:lstStyle/>
-          <a:p>
-            <a:pPr marL="285750" indent="-285750">
-              <a:buFont typeface="Wingdings" panose="05000000000000000000" pitchFamily="2" charset="2"/>
-              <a:buChar char="q"/>
-            </a:pPr>
-            <a:r>
-              <a:rPr lang="en-US" sz="2000" dirty="0">
-                <a:solidFill>
-                  <a:schemeClr val="bg1"/>
-                </a:solidFill>
-                <a:latin typeface="+mj-lt"/>
-              </a:rPr>
-              <a:t>The strongest correlation to charges among all variables is smoker vs. non-smoker</a:t>
-            </a:r>
-          </a:p>
-          <a:p>
-            <a:pPr marL="285750" indent="-285750">
-              <a:buFont typeface="Wingdings" panose="05000000000000000000" pitchFamily="2" charset="2"/>
-              <a:buChar char="q"/>
-            </a:pPr>
-            <a:r>
-              <a:rPr lang="en-US" sz="2000" dirty="0">
-                <a:solidFill>
-                  <a:schemeClr val="bg1"/>
-                </a:solidFill>
-                <a:latin typeface="+mj-lt"/>
-              </a:rPr>
-              <a:t>The number of children is more closely correlated to charges then age</a:t>
-            </a:r>
-          </a:p>
-        </p:txBody>
-      </p:sp>
     </p:spTree>
     <p:extLst>
       <p:ext uri="{BB962C8B-B14F-4D97-AF65-F5344CB8AC3E}">
@@ -18247,7 +18620,7 @@
         <p:spPr>
           <a:xfrm>
             <a:off x="235510" y="1479573"/>
-            <a:ext cx="5590015" cy="1631216"/>
+            <a:ext cx="5992295" cy="1631216"/>
           </a:xfrm>
           <a:prstGeom prst="rect">
             <a:avLst/>
@@ -18323,8 +18696,8 @@
         </p:nvSpPr>
         <p:spPr>
           <a:xfrm>
-            <a:off x="6689767" y="5080778"/>
-            <a:ext cx="5021234" cy="1631216"/>
+            <a:off x="251524" y="3436070"/>
+            <a:ext cx="5992295" cy="1631216"/>
           </a:xfrm>
           <a:prstGeom prst="rect">
             <a:avLst/>
@@ -18348,7 +18721,22 @@
                 </a:solidFill>
                 <a:latin typeface="+mj-lt"/>
               </a:rPr>
-              <a:t>Charges in the Northeast or Northwest average under $10,000 for non-smokers, and $30,000 for smokers</a:t>
+              <a:t>Charges average just under $10,000 for non-smokers across all regions</a:t>
+            </a:r>
+          </a:p>
+          <a:p>
+            <a:pPr marL="285750" indent="-285750">
+              <a:buFont typeface="Wingdings" panose="05000000000000000000" pitchFamily="2" charset="2"/>
+              <a:buChar char="q"/>
+            </a:pPr>
+            <a:r>
+              <a:rPr lang="en-US" sz="2000" dirty="0">
+                <a:solidFill>
+                  <a:schemeClr val="bg1"/>
+                </a:solidFill>
+                <a:latin typeface="+mj-lt"/>
+              </a:rPr>
+              <a:t>Charges for smokers in the Southeast and Southwest are slightly higher than smokers in the other regions.</a:t>
             </a:r>
           </a:p>
           <a:p>
@@ -18400,10 +18788,10 @@
       </p:pic>
       <p:pic>
         <p:nvPicPr>
-          <p:cNvPr id="17" name="Picture 16">
-            <a:extLst>
-              <a:ext uri="{FF2B5EF4-FFF2-40B4-BE49-F238E27FC236}">
-                <a16:creationId xmlns:a16="http://schemas.microsoft.com/office/drawing/2014/main" id="{4B059E0A-40FB-442E-A4A1-D67731BBCEA9}"/>
+          <p:cNvPr id="6" name="Picture 5">
+            <a:extLst>
+              <a:ext uri="{FF2B5EF4-FFF2-40B4-BE49-F238E27FC236}">
+                <a16:creationId xmlns:a16="http://schemas.microsoft.com/office/drawing/2014/main" id="{93053633-7742-4846-8106-C28DD9F0E344}"/>
               </a:ext>
             </a:extLst>
           </p:cNvPr>
@@ -18420,8 +18808,8 @@
         </p:blipFill>
         <p:spPr>
           <a:xfrm>
-            <a:off x="235511" y="2809504"/>
-            <a:ext cx="6242620" cy="3773751"/>
+            <a:off x="235510" y="5154505"/>
+            <a:ext cx="10810875" cy="1428750"/>
           </a:xfrm>
           <a:prstGeom prst="rect">
             <a:avLst/>
@@ -18598,7 +18986,7 @@
         </p:nvSpPr>
         <p:spPr>
           <a:xfrm>
-            <a:off x="607325" y="2735259"/>
+            <a:off x="327238" y="2704821"/>
             <a:ext cx="6093994" cy="369332"/>
           </a:xfrm>
           <a:prstGeom prst="rect">
@@ -18690,7 +19078,7 @@
         </p:blipFill>
         <p:spPr>
           <a:xfrm>
-            <a:off x="505326" y="3104591"/>
+            <a:off x="328354" y="3074153"/>
             <a:ext cx="4922825" cy="1702814"/>
           </a:xfrm>
           <a:prstGeom prst="rect">
@@ -18712,7 +19100,7 @@
         </p:nvSpPr>
         <p:spPr>
           <a:xfrm>
-            <a:off x="625642" y="4794548"/>
+            <a:off x="327238" y="4773905"/>
             <a:ext cx="6093994" cy="369332"/>
           </a:xfrm>
           <a:prstGeom prst="rect">
@@ -18768,7 +19156,7 @@
         </p:blipFill>
         <p:spPr>
           <a:xfrm>
-            <a:off x="565484" y="5176737"/>
+            <a:off x="327238" y="5143237"/>
             <a:ext cx="5478031" cy="1525651"/>
           </a:xfrm>
           <a:prstGeom prst="rect">
@@ -18790,7 +19178,7 @@
         </p:nvSpPr>
         <p:spPr>
           <a:xfrm>
-            <a:off x="6998265" y="2735259"/>
+            <a:off x="6339238" y="2691156"/>
             <a:ext cx="3044991" cy="369332"/>
           </a:xfrm>
           <a:prstGeom prst="rect">
@@ -18838,16 +19226,15 @@
           </p:cNvPicPr>
           <p:nvPr/>
         </p:nvPicPr>
-        <p:blipFill>
+        <p:blipFill rotWithShape="1">
           <a:blip r:embed="rId4"/>
-          <a:stretch>
-            <a:fillRect/>
-          </a:stretch>
+          <a:srcRect l="372"/>
+          <a:stretch/>
         </p:blipFill>
         <p:spPr>
           <a:xfrm>
-            <a:off x="6998265" y="3140533"/>
-            <a:ext cx="4922825" cy="1828510"/>
+            <a:off x="6335095" y="3078298"/>
+            <a:ext cx="4904508" cy="1828510"/>
           </a:xfrm>
           <a:prstGeom prst="rect">
             <a:avLst/>
@@ -18868,8 +19255,8 @@
         </p:nvSpPr>
         <p:spPr>
           <a:xfrm>
-            <a:off x="7016582" y="4681819"/>
-            <a:ext cx="4183980" cy="646331"/>
+            <a:off x="6335095" y="4773905"/>
+            <a:ext cx="4183980" cy="369332"/>
           </a:xfrm>
           <a:prstGeom prst="rect">
             <a:avLst/>
@@ -18892,9 +19279,6 @@
               </a:rPr>
               <a:t>Random Forest</a:t>
             </a:r>
-            <a:br>
-              <a:rPr lang="en-US" dirty="0"/>
-            </a:br>
             <a:endParaRPr lang="en-US" dirty="0"/>
           </a:p>
         </p:txBody>
@@ -18921,7 +19305,7 @@
         </p:blipFill>
         <p:spPr>
           <a:xfrm>
-            <a:off x="7016582" y="5069635"/>
+            <a:off x="6335095" y="5069635"/>
             <a:ext cx="4904508" cy="1788365"/>
           </a:xfrm>
           <a:prstGeom prst="rect">
@@ -19480,20 +19864,20 @@
 </file>
 
 <file path=customXml/item1.xml><?xml version="1.0" encoding="utf-8"?>
+<p:properties xmlns:p="http://schemas.microsoft.com/office/2006/metadata/properties" xmlns:xsi="http://www.w3.org/2001/XMLSchema-instance" xmlns:pc="http://schemas.microsoft.com/office/infopath/2007/PartnerControls">
+  <documentManagement>
+    <MediaServiceKeyPoints xmlns="71af3243-3dd4-4a8d-8c0d-dd76da1f02a5" xsi:nil="true"/>
+  </documentManagement>
+</p:properties>
+</file>
+
+<file path=customXml/item2.xml><?xml version="1.0" encoding="utf-8"?>
 <?mso-contentType ?>
 <FormTemplates xmlns="http://schemas.microsoft.com/sharepoint/v3/contenttype/forms">
   <Display>DocumentLibraryForm</Display>
   <Edit>DocumentLibraryForm</Edit>
   <New>DocumentLibraryForm</New>
 </FormTemplates>
-</file>
-
-<file path=customXml/item2.xml><?xml version="1.0" encoding="utf-8"?>
-<p:properties xmlns:p="http://schemas.microsoft.com/office/2006/metadata/properties" xmlns:xsi="http://www.w3.org/2001/XMLSchema-instance" xmlns:pc="http://schemas.microsoft.com/office/infopath/2007/PartnerControls">
-  <documentManagement>
-    <MediaServiceKeyPoints xmlns="71af3243-3dd4-4a8d-8c0d-dd76da1f02a5" xsi:nil="true"/>
-  </documentManagement>
-</p:properties>
 </file>
 
 <file path=customXml/item3.xml><?xml version="1.0" encoding="utf-8"?>
@@ -19708,19 +20092,19 @@
 </file>
 
 <file path=customXml/itemProps1.xml><?xml version="1.0" encoding="utf-8"?>
-<ds:datastoreItem xmlns:ds="http://schemas.openxmlformats.org/officeDocument/2006/customXml" ds:itemID="{0C66BDC7-24D2-4343-8D41-18F9C23F860A}">
+<ds:datastoreItem xmlns:ds="http://schemas.openxmlformats.org/officeDocument/2006/customXml" ds:itemID="{AF4BDB64-2AF8-42D4-96C8-B6B6F098993C}">
   <ds:schemaRefs>
-    <ds:schemaRef ds:uri="http://schemas.microsoft.com/sharepoint/v3/contenttype/forms"/>
+    <ds:schemaRef ds:uri="http://schemas.microsoft.com/office/2006/metadata/properties"/>
+    <ds:schemaRef ds:uri="http://schemas.microsoft.com/office/infopath/2007/PartnerControls"/>
+    <ds:schemaRef ds:uri="71af3243-3dd4-4a8d-8c0d-dd76da1f02a5"/>
   </ds:schemaRefs>
 </ds:datastoreItem>
 </file>
 
 <file path=customXml/itemProps2.xml><?xml version="1.0" encoding="utf-8"?>
-<ds:datastoreItem xmlns:ds="http://schemas.openxmlformats.org/officeDocument/2006/customXml" ds:itemID="{AF4BDB64-2AF8-42D4-96C8-B6B6F098993C}">
+<ds:datastoreItem xmlns:ds="http://schemas.openxmlformats.org/officeDocument/2006/customXml" ds:itemID="{0C66BDC7-24D2-4343-8D41-18F9C23F860A}">
   <ds:schemaRefs>
-    <ds:schemaRef ds:uri="http://schemas.microsoft.com/office/2006/metadata/properties"/>
-    <ds:schemaRef ds:uri="http://schemas.microsoft.com/office/infopath/2007/PartnerControls"/>
-    <ds:schemaRef ds:uri="71af3243-3dd4-4a8d-8c0d-dd76da1f02a5"/>
+    <ds:schemaRef ds:uri="http://schemas.microsoft.com/sharepoint/v3/contenttype/forms"/>
   </ds:schemaRefs>
 </ds:datastoreItem>
 </file>

--- a/documents/Medical Insurance Cost.pptx
+++ b/documents/Medical Insurance Cost.pptx
@@ -143,7 +143,7 @@
   <pc:docChgLst>
     <pc:chgData name="Hutula, Karina" userId="76360105-4658-44a5-a2e4-d25da711b3ec" providerId="ADAL" clId="{204D18CB-9BF0-4338-8D3A-C3F8565B3CF2}"/>
     <pc:docChg chg="undo custSel modSld">
-      <pc:chgData name="Hutula, Karina" userId="76360105-4658-44a5-a2e4-d25da711b3ec" providerId="ADAL" clId="{204D18CB-9BF0-4338-8D3A-C3F8565B3CF2}" dt="2021-11-22T03:53:11.467" v="459" actId="2085"/>
+      <pc:chgData name="Hutula, Karina" userId="76360105-4658-44a5-a2e4-d25da711b3ec" providerId="ADAL" clId="{204D18CB-9BF0-4338-8D3A-C3F8565B3CF2}" dt="2021-11-22T21:28:40.078" v="469" actId="1076"/>
       <pc:docMkLst>
         <pc:docMk/>
       </pc:docMkLst>
@@ -222,6 +222,21 @@
             <pc:docMk/>
             <pc:sldMk cId="3297823726" sldId="265"/>
             <ac:picMk id="16" creationId="{240BF8DE-7CBC-4EE6-A6C4-E07A4BF1CFD5}"/>
+          </ac:picMkLst>
+        </pc:picChg>
+      </pc:sldChg>
+      <pc:sldChg chg="addSp modSp mod">
+        <pc:chgData name="Hutula, Karina" userId="76360105-4658-44a5-a2e4-d25da711b3ec" providerId="ADAL" clId="{204D18CB-9BF0-4338-8D3A-C3F8565B3CF2}" dt="2021-11-22T21:28:40.078" v="469" actId="1076"/>
+        <pc:sldMkLst>
+          <pc:docMk/>
+          <pc:sldMk cId="2903599816" sldId="266"/>
+        </pc:sldMkLst>
+        <pc:picChg chg="add mod modCrop">
+          <ac:chgData name="Hutula, Karina" userId="76360105-4658-44a5-a2e4-d25da711b3ec" providerId="ADAL" clId="{204D18CB-9BF0-4338-8D3A-C3F8565B3CF2}" dt="2021-11-22T21:28:40.078" v="469" actId="1076"/>
+          <ac:picMkLst>
+            <pc:docMk/>
+            <pc:sldMk cId="2903599816" sldId="266"/>
+            <ac:picMk id="6" creationId="{741D8F37-DD8F-4B62-8F78-F9017584D21D}"/>
           </ac:picMkLst>
         </pc:picChg>
       </pc:sldChg>
@@ -788,7 +803,7 @@
           <a:p>
             <a:fld id="{B565716D-39C9-48C4-A3EB-B88E4515427D}" type="datetimeFigureOut">
               <a:rPr lang="en-US" smtClean="0"/>
-              <a:t>11/21/2021</a:t>
+              <a:t>11/22/2021</a:t>
             </a:fld>
             <a:endParaRPr lang="en-US" dirty="0"/>
           </a:p>
@@ -12417,6 +12432,35 @@
           </a:p>
         </p:txBody>
       </p:sp>
+      <p:pic>
+        <p:nvPicPr>
+          <p:cNvPr id="6" name="Picture 5">
+            <a:extLst>
+              <a:ext uri="{FF2B5EF4-FFF2-40B4-BE49-F238E27FC236}">
+                <a16:creationId xmlns:a16="http://schemas.microsoft.com/office/drawing/2014/main" id="{741D8F37-DD8F-4B62-8F78-F9017584D21D}"/>
+              </a:ext>
+            </a:extLst>
+          </p:cNvPr>
+          <p:cNvPicPr>
+            <a:picLocks noChangeAspect="1"/>
+          </p:cNvPicPr>
+          <p:nvPr/>
+        </p:nvPicPr>
+        <p:blipFill rotWithShape="1">
+          <a:blip r:embed="rId2"/>
+          <a:srcRect l="5320" t="1573" r="2880" b="1654"/>
+          <a:stretch/>
+        </p:blipFill>
+        <p:spPr>
+          <a:xfrm>
+            <a:off x="2178759" y="1421503"/>
+            <a:ext cx="7560000" cy="5374037"/>
+          </a:xfrm>
+          <a:prstGeom prst="rect">
+            <a:avLst/>
+          </a:prstGeom>
+        </p:spPr>
+      </p:pic>
     </p:spTree>
     <p:extLst>
       <p:ext uri="{BB962C8B-B14F-4D97-AF65-F5344CB8AC3E}">
@@ -19864,20 +19908,20 @@
 </file>
 
 <file path=customXml/item1.xml><?xml version="1.0" encoding="utf-8"?>
-<p:properties xmlns:p="http://schemas.microsoft.com/office/2006/metadata/properties" xmlns:xsi="http://www.w3.org/2001/XMLSchema-instance" xmlns:pc="http://schemas.microsoft.com/office/infopath/2007/PartnerControls">
-  <documentManagement>
-    <MediaServiceKeyPoints xmlns="71af3243-3dd4-4a8d-8c0d-dd76da1f02a5" xsi:nil="true"/>
-  </documentManagement>
-</p:properties>
-</file>
-
-<file path=customXml/item2.xml><?xml version="1.0" encoding="utf-8"?>
 <?mso-contentType ?>
 <FormTemplates xmlns="http://schemas.microsoft.com/sharepoint/v3/contenttype/forms">
   <Display>DocumentLibraryForm</Display>
   <Edit>DocumentLibraryForm</Edit>
   <New>DocumentLibraryForm</New>
 </FormTemplates>
+</file>
+
+<file path=customXml/item2.xml><?xml version="1.0" encoding="utf-8"?>
+<p:properties xmlns:p="http://schemas.microsoft.com/office/2006/metadata/properties" xmlns:xsi="http://www.w3.org/2001/XMLSchema-instance" xmlns:pc="http://schemas.microsoft.com/office/infopath/2007/PartnerControls">
+  <documentManagement>
+    <MediaServiceKeyPoints xmlns="71af3243-3dd4-4a8d-8c0d-dd76da1f02a5" xsi:nil="true"/>
+  </documentManagement>
+</p:properties>
 </file>
 
 <file path=customXml/item3.xml><?xml version="1.0" encoding="utf-8"?>
@@ -20092,19 +20136,19 @@
 </file>
 
 <file path=customXml/itemProps1.xml><?xml version="1.0" encoding="utf-8"?>
+<ds:datastoreItem xmlns:ds="http://schemas.openxmlformats.org/officeDocument/2006/customXml" ds:itemID="{0C66BDC7-24D2-4343-8D41-18F9C23F860A}">
+  <ds:schemaRefs>
+    <ds:schemaRef ds:uri="http://schemas.microsoft.com/sharepoint/v3/contenttype/forms"/>
+  </ds:schemaRefs>
+</ds:datastoreItem>
+</file>
+
+<file path=customXml/itemProps2.xml><?xml version="1.0" encoding="utf-8"?>
 <ds:datastoreItem xmlns:ds="http://schemas.openxmlformats.org/officeDocument/2006/customXml" ds:itemID="{AF4BDB64-2AF8-42D4-96C8-B6B6F098993C}">
   <ds:schemaRefs>
     <ds:schemaRef ds:uri="http://schemas.microsoft.com/office/2006/metadata/properties"/>
     <ds:schemaRef ds:uri="http://schemas.microsoft.com/office/infopath/2007/PartnerControls"/>
     <ds:schemaRef ds:uri="71af3243-3dd4-4a8d-8c0d-dd76da1f02a5"/>
-  </ds:schemaRefs>
-</ds:datastoreItem>
-</file>
-
-<file path=customXml/itemProps2.xml><?xml version="1.0" encoding="utf-8"?>
-<ds:datastoreItem xmlns:ds="http://schemas.openxmlformats.org/officeDocument/2006/customXml" ds:itemID="{0C66BDC7-24D2-4343-8D41-18F9C23F860A}">
-  <ds:schemaRefs>
-    <ds:schemaRef ds:uri="http://schemas.microsoft.com/sharepoint/v3/contenttype/forms"/>
   </ds:schemaRefs>
 </ds:datastoreItem>
 </file>

--- a/documents/Medical Insurance Cost.pptx
+++ b/documents/Medical Insurance Cost.pptx
@@ -143,18 +143,18 @@
   <pc:docChgLst>
     <pc:chgData name="Hutula, Karina" userId="76360105-4658-44a5-a2e4-d25da711b3ec" providerId="ADAL" clId="{204D18CB-9BF0-4338-8D3A-C3F8565B3CF2}"/>
     <pc:docChg chg="undo custSel modSld">
-      <pc:chgData name="Hutula, Karina" userId="76360105-4658-44a5-a2e4-d25da711b3ec" providerId="ADAL" clId="{204D18CB-9BF0-4338-8D3A-C3F8565B3CF2}" dt="2021-11-22T21:28:40.078" v="469" actId="1076"/>
+      <pc:chgData name="Hutula, Karina" userId="76360105-4658-44a5-a2e4-d25da711b3ec" providerId="ADAL" clId="{204D18CB-9BF0-4338-8D3A-C3F8565B3CF2}" dt="2021-11-22T21:34:06.661" v="473" actId="20577"/>
       <pc:docMkLst>
         <pc:docMk/>
       </pc:docMkLst>
       <pc:sldChg chg="addSp delSp modSp mod">
-        <pc:chgData name="Hutula, Karina" userId="76360105-4658-44a5-a2e4-d25da711b3ec" providerId="ADAL" clId="{204D18CB-9BF0-4338-8D3A-C3F8565B3CF2}" dt="2021-11-22T03:40:00.207" v="197" actId="14100"/>
+        <pc:chgData name="Hutula, Karina" userId="76360105-4658-44a5-a2e4-d25da711b3ec" providerId="ADAL" clId="{204D18CB-9BF0-4338-8D3A-C3F8565B3CF2}" dt="2021-11-22T21:34:06.661" v="473" actId="20577"/>
         <pc:sldMkLst>
           <pc:docMk/>
           <pc:sldMk cId="1755836296" sldId="262"/>
         </pc:sldMkLst>
         <pc:spChg chg="mod">
-          <ac:chgData name="Hutula, Karina" userId="76360105-4658-44a5-a2e4-d25da711b3ec" providerId="ADAL" clId="{204D18CB-9BF0-4338-8D3A-C3F8565B3CF2}" dt="2021-11-22T03:35:51.938" v="156" actId="20577"/>
+          <ac:chgData name="Hutula, Karina" userId="76360105-4658-44a5-a2e4-d25da711b3ec" providerId="ADAL" clId="{204D18CB-9BF0-4338-8D3A-C3F8565B3CF2}" dt="2021-11-22T21:34:06.661" v="473" actId="20577"/>
           <ac:spMkLst>
             <pc:docMk/>
             <pc:sldMk cId="1755836296" sldId="262"/>
@@ -18270,8 +18270,27 @@
                 </a:solidFill>
                 <a:latin typeface="+mj-lt"/>
               </a:rPr>
-              <a:t>Charges range as high as $50,000</a:t>
+              <a:t>Charges range as high </a:t>
             </a:r>
+            <a:r>
+              <a:rPr lang="en-US" sz="2000">
+                <a:solidFill>
+                  <a:schemeClr val="bg1">
+                    <a:lumMod val="95000"/>
+                  </a:schemeClr>
+                </a:solidFill>
+                <a:latin typeface="+mj-lt"/>
+              </a:rPr>
+              <a:t>as $65,000</a:t>
+            </a:r>
+            <a:endParaRPr lang="en-US" sz="2000" dirty="0">
+              <a:solidFill>
+                <a:schemeClr val="bg1">
+                  <a:lumMod val="95000"/>
+                </a:schemeClr>
+              </a:solidFill>
+              <a:latin typeface="+mj-lt"/>
+            </a:endParaRPr>
           </a:p>
         </p:txBody>
       </p:sp>
@@ -19908,20 +19927,20 @@
 </file>
 
 <file path=customXml/item1.xml><?xml version="1.0" encoding="utf-8"?>
+<p:properties xmlns:p="http://schemas.microsoft.com/office/2006/metadata/properties" xmlns:xsi="http://www.w3.org/2001/XMLSchema-instance" xmlns:pc="http://schemas.microsoft.com/office/infopath/2007/PartnerControls">
+  <documentManagement>
+    <MediaServiceKeyPoints xmlns="71af3243-3dd4-4a8d-8c0d-dd76da1f02a5" xsi:nil="true"/>
+  </documentManagement>
+</p:properties>
+</file>
+
+<file path=customXml/item2.xml><?xml version="1.0" encoding="utf-8"?>
 <?mso-contentType ?>
 <FormTemplates xmlns="http://schemas.microsoft.com/sharepoint/v3/contenttype/forms">
   <Display>DocumentLibraryForm</Display>
   <Edit>DocumentLibraryForm</Edit>
   <New>DocumentLibraryForm</New>
 </FormTemplates>
-</file>
-
-<file path=customXml/item2.xml><?xml version="1.0" encoding="utf-8"?>
-<p:properties xmlns:p="http://schemas.microsoft.com/office/2006/metadata/properties" xmlns:xsi="http://www.w3.org/2001/XMLSchema-instance" xmlns:pc="http://schemas.microsoft.com/office/infopath/2007/PartnerControls">
-  <documentManagement>
-    <MediaServiceKeyPoints xmlns="71af3243-3dd4-4a8d-8c0d-dd76da1f02a5" xsi:nil="true"/>
-  </documentManagement>
-</p:properties>
 </file>
 
 <file path=customXml/item3.xml><?xml version="1.0" encoding="utf-8"?>
@@ -20136,19 +20155,19 @@
 </file>
 
 <file path=customXml/itemProps1.xml><?xml version="1.0" encoding="utf-8"?>
-<ds:datastoreItem xmlns:ds="http://schemas.openxmlformats.org/officeDocument/2006/customXml" ds:itemID="{0C66BDC7-24D2-4343-8D41-18F9C23F860A}">
+<ds:datastoreItem xmlns:ds="http://schemas.openxmlformats.org/officeDocument/2006/customXml" ds:itemID="{AF4BDB64-2AF8-42D4-96C8-B6B6F098993C}">
   <ds:schemaRefs>
-    <ds:schemaRef ds:uri="http://schemas.microsoft.com/sharepoint/v3/contenttype/forms"/>
+    <ds:schemaRef ds:uri="http://schemas.microsoft.com/office/2006/metadata/properties"/>
+    <ds:schemaRef ds:uri="http://schemas.microsoft.com/office/infopath/2007/PartnerControls"/>
+    <ds:schemaRef ds:uri="71af3243-3dd4-4a8d-8c0d-dd76da1f02a5"/>
   </ds:schemaRefs>
 </ds:datastoreItem>
 </file>
 
 <file path=customXml/itemProps2.xml><?xml version="1.0" encoding="utf-8"?>
-<ds:datastoreItem xmlns:ds="http://schemas.openxmlformats.org/officeDocument/2006/customXml" ds:itemID="{AF4BDB64-2AF8-42D4-96C8-B6B6F098993C}">
+<ds:datastoreItem xmlns:ds="http://schemas.openxmlformats.org/officeDocument/2006/customXml" ds:itemID="{0C66BDC7-24D2-4343-8D41-18F9C23F860A}">
   <ds:schemaRefs>
-    <ds:schemaRef ds:uri="http://schemas.microsoft.com/office/2006/metadata/properties"/>
-    <ds:schemaRef ds:uri="http://schemas.microsoft.com/office/infopath/2007/PartnerControls"/>
-    <ds:schemaRef ds:uri="71af3243-3dd4-4a8d-8c0d-dd76da1f02a5"/>
+    <ds:schemaRef ds:uri="http://schemas.microsoft.com/sharepoint/v3/contenttype/forms"/>
   </ds:schemaRefs>
 </ds:datastoreItem>
 </file>

--- a/documents/Medical Insurance Cost.pptx
+++ b/documents/Medical Insurance Cost.pptx
@@ -133,7 +133,7 @@
 <file path=ppt/revisionInfo.xml><?xml version="1.0" encoding="utf-8"?>
 <p1510:revInfo xmlns:a="http://schemas.openxmlformats.org/drawingml/2006/main" xmlns:r="http://schemas.openxmlformats.org/officeDocument/2006/relationships" xmlns:p1510="http://schemas.microsoft.com/office/powerpoint/2015/10/main">
   <p1510:revLst>
-    <p1510:client id="{204D18CB-9BF0-4338-8D3A-C3F8565B3CF2}" v="2" dt="2021-11-22T03:34:55.494"/>
+    <p1510:client id="{204D18CB-9BF0-4338-8D3A-C3F8565B3CF2}" v="3" dt="2021-11-22T21:51:35.416"/>
   </p1510:revLst>
 </p1510:revInfo>
 </file>
@@ -143,7 +143,7 @@
   <pc:docChgLst>
     <pc:chgData name="Hutula, Karina" userId="76360105-4658-44a5-a2e4-d25da711b3ec" providerId="ADAL" clId="{204D18CB-9BF0-4338-8D3A-C3F8565B3CF2}"/>
     <pc:docChg chg="undo custSel modSld">
-      <pc:chgData name="Hutula, Karina" userId="76360105-4658-44a5-a2e4-d25da711b3ec" providerId="ADAL" clId="{204D18CB-9BF0-4338-8D3A-C3F8565B3CF2}" dt="2021-11-22T21:34:06.661" v="473" actId="20577"/>
+      <pc:chgData name="Hutula, Karina" userId="76360105-4658-44a5-a2e4-d25da711b3ec" providerId="ADAL" clId="{204D18CB-9BF0-4338-8D3A-C3F8565B3CF2}" dt="2021-11-22T21:53:12.868" v="510" actId="14100"/>
       <pc:docMkLst>
         <pc:docMk/>
       </pc:docMkLst>
@@ -411,12 +411,20 @@
           </ac:picMkLst>
         </pc:picChg>
       </pc:sldChg>
-      <pc:sldChg chg="modSp mod">
-        <pc:chgData name="Hutula, Karina" userId="76360105-4658-44a5-a2e4-d25da711b3ec" providerId="ADAL" clId="{204D18CB-9BF0-4338-8D3A-C3F8565B3CF2}" dt="2021-11-22T03:34:00.344" v="99" actId="20577"/>
+      <pc:sldChg chg="addSp delSp modSp mod">
+        <pc:chgData name="Hutula, Karina" userId="76360105-4658-44a5-a2e4-d25da711b3ec" providerId="ADAL" clId="{204D18CB-9BF0-4338-8D3A-C3F8565B3CF2}" dt="2021-11-22T21:53:12.868" v="510" actId="14100"/>
         <pc:sldMkLst>
           <pc:docMk/>
           <pc:sldMk cId="1924771865" sldId="278"/>
         </pc:sldMkLst>
+        <pc:spChg chg="del">
+          <ac:chgData name="Hutula, Karina" userId="76360105-4658-44a5-a2e4-d25da711b3ec" providerId="ADAL" clId="{204D18CB-9BF0-4338-8D3A-C3F8565B3CF2}" dt="2021-11-22T21:52:54.838" v="490" actId="478"/>
+          <ac:spMkLst>
+            <pc:docMk/>
+            <pc:sldMk cId="1924771865" sldId="278"/>
+            <ac:spMk id="2" creationId="{B0B8BA77-6106-4730-8335-251FFE7F94BB}"/>
+          </ac:spMkLst>
+        </pc:spChg>
         <pc:spChg chg="mod">
           <ac:chgData name="Hutula, Karina" userId="76360105-4658-44a5-a2e4-d25da711b3ec" providerId="ADAL" clId="{204D18CB-9BF0-4338-8D3A-C3F8565B3CF2}" dt="2021-11-22T03:34:00.344" v="99" actId="20577"/>
           <ac:spMkLst>
@@ -425,6 +433,22 @@
             <ac:spMk id="4" creationId="{5D2A4AED-7CD7-4256-AAA3-036D115833C6}"/>
           </ac:spMkLst>
         </pc:spChg>
+        <pc:picChg chg="add mod modCrop">
+          <ac:chgData name="Hutula, Karina" userId="76360105-4658-44a5-a2e4-d25da711b3ec" providerId="ADAL" clId="{204D18CB-9BF0-4338-8D3A-C3F8565B3CF2}" dt="2021-11-22T21:53:06.542" v="509" actId="14100"/>
+          <ac:picMkLst>
+            <pc:docMk/>
+            <pc:sldMk cId="1924771865" sldId="278"/>
+            <ac:picMk id="6" creationId="{05105BA7-FB94-4E88-B557-6D3113C30FA9}"/>
+          </ac:picMkLst>
+        </pc:picChg>
+        <pc:picChg chg="add mod modCrop">
+          <ac:chgData name="Hutula, Karina" userId="76360105-4658-44a5-a2e4-d25da711b3ec" providerId="ADAL" clId="{204D18CB-9BF0-4338-8D3A-C3F8565B3CF2}" dt="2021-11-22T21:53:12.868" v="510" actId="14100"/>
+          <ac:picMkLst>
+            <pc:docMk/>
+            <pc:sldMk cId="1924771865" sldId="278"/>
+            <ac:picMk id="7" creationId="{49F6EEE7-94FC-4AAF-A343-3FE75A05BD3C}"/>
+          </ac:picMkLst>
+        </pc:picChg>
       </pc:sldChg>
       <pc:sldChg chg="addSp modSp mod">
         <pc:chgData name="Hutula, Karina" userId="76360105-4658-44a5-a2e4-d25da711b3ec" providerId="ADAL" clId="{204D18CB-9BF0-4338-8D3A-C3F8565B3CF2}" dt="2021-11-22T03:33:45.435" v="89" actId="1076"/>
@@ -12748,31 +12772,6 @@
       </p:grpSpPr>
       <p:sp>
         <p:nvSpPr>
-          <p:cNvPr id="2" name="Text Placeholder 1">
-            <a:extLst>
-              <a:ext uri="{FF2B5EF4-FFF2-40B4-BE49-F238E27FC236}">
-                <a16:creationId xmlns:a16="http://schemas.microsoft.com/office/drawing/2014/main" id="{B0B8BA77-6106-4730-8335-251FFE7F94BB}"/>
-              </a:ext>
-            </a:extLst>
-          </p:cNvPr>
-          <p:cNvSpPr>
-            <a:spLocks noGrp="1"/>
-          </p:cNvSpPr>
-          <p:nvPr>
-            <p:ph type="body" sz="quarter" idx="12"/>
-          </p:nvPr>
-        </p:nvSpPr>
-        <p:spPr/>
-        <p:txBody>
-          <a:bodyPr/>
-          <a:lstStyle/>
-          <a:p>
-            <a:endParaRPr lang="en-US" dirty="0"/>
-          </a:p>
-        </p:txBody>
-      </p:sp>
-      <p:sp>
-        <p:nvSpPr>
           <p:cNvPr id="3" name="Slide Number Placeholder 2">
             <a:extLst>
               <a:ext uri="{FF2B5EF4-FFF2-40B4-BE49-F238E27FC236}">
@@ -12829,6 +12828,64 @@
           </a:p>
         </p:txBody>
       </p:sp>
+      <p:pic>
+        <p:nvPicPr>
+          <p:cNvPr id="6" name="Picture 5">
+            <a:extLst>
+              <a:ext uri="{FF2B5EF4-FFF2-40B4-BE49-F238E27FC236}">
+                <a16:creationId xmlns:a16="http://schemas.microsoft.com/office/drawing/2014/main" id="{05105BA7-FB94-4E88-B557-6D3113C30FA9}"/>
+              </a:ext>
+            </a:extLst>
+          </p:cNvPr>
+          <p:cNvPicPr>
+            <a:picLocks noChangeAspect="1"/>
+          </p:cNvPicPr>
+          <p:nvPr/>
+        </p:nvPicPr>
+        <p:blipFill rotWithShape="1">
+          <a:blip r:embed="rId2"/>
+          <a:srcRect b="48936"/>
+          <a:stretch/>
+        </p:blipFill>
+        <p:spPr>
+          <a:xfrm>
+            <a:off x="461868" y="1485235"/>
+            <a:ext cx="5556949" cy="4596097"/>
+          </a:xfrm>
+          <a:prstGeom prst="rect">
+            <a:avLst/>
+          </a:prstGeom>
+        </p:spPr>
+      </p:pic>
+      <p:pic>
+        <p:nvPicPr>
+          <p:cNvPr id="7" name="Picture 6">
+            <a:extLst>
+              <a:ext uri="{FF2B5EF4-FFF2-40B4-BE49-F238E27FC236}">
+                <a16:creationId xmlns:a16="http://schemas.microsoft.com/office/drawing/2014/main" id="{49F6EEE7-94FC-4AAF-A343-3FE75A05BD3C}"/>
+              </a:ext>
+            </a:extLst>
+          </p:cNvPr>
+          <p:cNvPicPr>
+            <a:picLocks noChangeAspect="1"/>
+          </p:cNvPicPr>
+          <p:nvPr/>
+        </p:nvPicPr>
+        <p:blipFill rotWithShape="1">
+          <a:blip r:embed="rId2"/>
+          <a:srcRect l="-230" t="50449" r="230" b="142"/>
+          <a:stretch/>
+        </p:blipFill>
+        <p:spPr>
+          <a:xfrm>
+            <a:off x="6173185" y="1485236"/>
+            <a:ext cx="5743065" cy="4596096"/>
+          </a:xfrm>
+          <a:prstGeom prst="rect">
+            <a:avLst/>
+          </a:prstGeom>
+        </p:spPr>
+      </p:pic>
     </p:spTree>
     <p:extLst>
       <p:ext uri="{BB962C8B-B14F-4D97-AF65-F5344CB8AC3E}">
@@ -19927,20 +19984,20 @@
 </file>
 
 <file path=customXml/item1.xml><?xml version="1.0" encoding="utf-8"?>
-<p:properties xmlns:p="http://schemas.microsoft.com/office/2006/metadata/properties" xmlns:xsi="http://www.w3.org/2001/XMLSchema-instance" xmlns:pc="http://schemas.microsoft.com/office/infopath/2007/PartnerControls">
-  <documentManagement>
-    <MediaServiceKeyPoints xmlns="71af3243-3dd4-4a8d-8c0d-dd76da1f02a5" xsi:nil="true"/>
-  </documentManagement>
-</p:properties>
-</file>
-
-<file path=customXml/item2.xml><?xml version="1.0" encoding="utf-8"?>
 <?mso-contentType ?>
 <FormTemplates xmlns="http://schemas.microsoft.com/sharepoint/v3/contenttype/forms">
   <Display>DocumentLibraryForm</Display>
   <Edit>DocumentLibraryForm</Edit>
   <New>DocumentLibraryForm</New>
 </FormTemplates>
+</file>
+
+<file path=customXml/item2.xml><?xml version="1.0" encoding="utf-8"?>
+<p:properties xmlns:p="http://schemas.microsoft.com/office/2006/metadata/properties" xmlns:xsi="http://www.w3.org/2001/XMLSchema-instance" xmlns:pc="http://schemas.microsoft.com/office/infopath/2007/PartnerControls">
+  <documentManagement>
+    <MediaServiceKeyPoints xmlns="71af3243-3dd4-4a8d-8c0d-dd76da1f02a5" xsi:nil="true"/>
+  </documentManagement>
+</p:properties>
 </file>
 
 <file path=customXml/item3.xml><?xml version="1.0" encoding="utf-8"?>
@@ -20155,19 +20212,19 @@
 </file>
 
 <file path=customXml/itemProps1.xml><?xml version="1.0" encoding="utf-8"?>
+<ds:datastoreItem xmlns:ds="http://schemas.openxmlformats.org/officeDocument/2006/customXml" ds:itemID="{0C66BDC7-24D2-4343-8D41-18F9C23F860A}">
+  <ds:schemaRefs>
+    <ds:schemaRef ds:uri="http://schemas.microsoft.com/sharepoint/v3/contenttype/forms"/>
+  </ds:schemaRefs>
+</ds:datastoreItem>
+</file>
+
+<file path=customXml/itemProps2.xml><?xml version="1.0" encoding="utf-8"?>
 <ds:datastoreItem xmlns:ds="http://schemas.openxmlformats.org/officeDocument/2006/customXml" ds:itemID="{AF4BDB64-2AF8-42D4-96C8-B6B6F098993C}">
   <ds:schemaRefs>
     <ds:schemaRef ds:uri="http://schemas.microsoft.com/office/2006/metadata/properties"/>
     <ds:schemaRef ds:uri="http://schemas.microsoft.com/office/infopath/2007/PartnerControls"/>
     <ds:schemaRef ds:uri="71af3243-3dd4-4a8d-8c0d-dd76da1f02a5"/>
-  </ds:schemaRefs>
-</ds:datastoreItem>
-</file>
-
-<file path=customXml/itemProps2.xml><?xml version="1.0" encoding="utf-8"?>
-<ds:datastoreItem xmlns:ds="http://schemas.openxmlformats.org/officeDocument/2006/customXml" ds:itemID="{0C66BDC7-24D2-4343-8D41-18F9C23F860A}">
-  <ds:schemaRefs>
-    <ds:schemaRef ds:uri="http://schemas.microsoft.com/sharepoint/v3/contenttype/forms"/>
   </ds:schemaRefs>
 </ds:datastoreItem>
 </file>

--- a/documents/Medical Insurance Cost.pptx
+++ b/documents/Medical Insurance Cost.pptx
@@ -143,7 +143,7 @@
   <pc:docChgLst>
     <pc:chgData name="Hutula, Karina" userId="76360105-4658-44a5-a2e4-d25da711b3ec" providerId="ADAL" clId="{204D18CB-9BF0-4338-8D3A-C3F8565B3CF2}"/>
     <pc:docChg chg="undo custSel modSld">
-      <pc:chgData name="Hutula, Karina" userId="76360105-4658-44a5-a2e4-d25da711b3ec" providerId="ADAL" clId="{204D18CB-9BF0-4338-8D3A-C3F8565B3CF2}" dt="2021-11-22T21:53:12.868" v="510" actId="14100"/>
+      <pc:chgData name="Hutula, Karina" userId="76360105-4658-44a5-a2e4-d25da711b3ec" providerId="ADAL" clId="{204D18CB-9BF0-4338-8D3A-C3F8565B3CF2}" dt="2021-11-22T23:31:58.231" v="709" actId="1582"/>
       <pc:docMkLst>
         <pc:docMk/>
       </pc:docMkLst>
@@ -195,11 +195,19 @@
         </pc:picChg>
       </pc:sldChg>
       <pc:sldChg chg="addSp delSp modSp mod">
-        <pc:chgData name="Hutula, Karina" userId="76360105-4658-44a5-a2e4-d25da711b3ec" providerId="ADAL" clId="{204D18CB-9BF0-4338-8D3A-C3F8565B3CF2}" dt="2021-11-22T03:48:21.815" v="417" actId="1076"/>
+        <pc:chgData name="Hutula, Karina" userId="76360105-4658-44a5-a2e4-d25da711b3ec" providerId="ADAL" clId="{204D18CB-9BF0-4338-8D3A-C3F8565B3CF2}" dt="2021-11-22T23:31:58.231" v="709" actId="1582"/>
         <pc:sldMkLst>
           <pc:docMk/>
           <pc:sldMk cId="3297823726" sldId="265"/>
         </pc:sldMkLst>
+        <pc:spChg chg="add mod">
+          <ac:chgData name="Hutula, Karina" userId="76360105-4658-44a5-a2e4-d25da711b3ec" providerId="ADAL" clId="{204D18CB-9BF0-4338-8D3A-C3F8565B3CF2}" dt="2021-11-22T23:31:58.231" v="709" actId="1582"/>
+          <ac:spMkLst>
+            <pc:docMk/>
+            <pc:sldMk cId="3297823726" sldId="265"/>
+            <ac:spMk id="2" creationId="{A6AA8FD5-5903-4EF3-8EA3-FED0E703A39C}"/>
+          </ac:spMkLst>
+        </pc:spChg>
         <pc:picChg chg="mod modCrop">
           <ac:chgData name="Hutula, Karina" userId="76360105-4658-44a5-a2e4-d25da711b3ec" providerId="ADAL" clId="{204D18CB-9BF0-4338-8D3A-C3F8565B3CF2}" dt="2021-11-22T03:48:21.815" v="417" actId="1076"/>
           <ac:picMkLst>
@@ -256,7 +264,7 @@
         </pc:spChg>
       </pc:sldChg>
       <pc:sldChg chg="modSp mod">
-        <pc:chgData name="Hutula, Karina" userId="76360105-4658-44a5-a2e4-d25da711b3ec" providerId="ADAL" clId="{204D18CB-9BF0-4338-8D3A-C3F8565B3CF2}" dt="2021-11-22T03:49:38.757" v="451" actId="5793"/>
+        <pc:chgData name="Hutula, Karina" userId="76360105-4658-44a5-a2e4-d25da711b3ec" providerId="ADAL" clId="{204D18CB-9BF0-4338-8D3A-C3F8565B3CF2}" dt="2021-11-22T23:29:57.616" v="696" actId="20577"/>
         <pc:sldMkLst>
           <pc:docMk/>
           <pc:sldMk cId="71375660" sldId="273"/>
@@ -270,7 +278,7 @@
           </ac:spMkLst>
         </pc:spChg>
         <pc:spChg chg="mod">
-          <ac:chgData name="Hutula, Karina" userId="76360105-4658-44a5-a2e4-d25da711b3ec" providerId="ADAL" clId="{204D18CB-9BF0-4338-8D3A-C3F8565B3CF2}" dt="2021-11-22T03:49:38.757" v="451" actId="5793"/>
+          <ac:chgData name="Hutula, Karina" userId="76360105-4658-44a5-a2e4-d25da711b3ec" providerId="ADAL" clId="{204D18CB-9BF0-4338-8D3A-C3F8565B3CF2}" dt="2021-11-22T23:29:57.616" v="696" actId="20577"/>
           <ac:spMkLst>
             <pc:docMk/>
             <pc:sldMk cId="71375660" sldId="273"/>
@@ -340,12 +348,28 @@
           </ac:spMkLst>
         </pc:spChg>
       </pc:sldChg>
-      <pc:sldChg chg="modSp mod">
-        <pc:chgData name="Hutula, Karina" userId="76360105-4658-44a5-a2e4-d25da711b3ec" providerId="ADAL" clId="{204D18CB-9BF0-4338-8D3A-C3F8565B3CF2}" dt="2021-11-22T03:46:48.377" v="406" actId="1038"/>
+      <pc:sldChg chg="addSp delSp modSp mod">
+        <pc:chgData name="Hutula, Karina" userId="76360105-4658-44a5-a2e4-d25da711b3ec" providerId="ADAL" clId="{204D18CB-9BF0-4338-8D3A-C3F8565B3CF2}" dt="2021-11-22T23:31:08.753" v="705" actId="1582"/>
         <pc:sldMkLst>
           <pc:docMk/>
           <pc:sldMk cId="933112001" sldId="277"/>
         </pc:sldMkLst>
+        <pc:spChg chg="add del mod">
+          <ac:chgData name="Hutula, Karina" userId="76360105-4658-44a5-a2e4-d25da711b3ec" providerId="ADAL" clId="{204D18CB-9BF0-4338-8D3A-C3F8565B3CF2}" dt="2021-11-22T23:30:44.775" v="701" actId="478"/>
+          <ac:spMkLst>
+            <pc:docMk/>
+            <pc:sldMk cId="933112001" sldId="277"/>
+            <ac:spMk id="2" creationId="{2AF07757-A5AD-4C81-9956-B62968D17EE6}"/>
+          </ac:spMkLst>
+        </pc:spChg>
+        <pc:spChg chg="add mod">
+          <ac:chgData name="Hutula, Karina" userId="76360105-4658-44a5-a2e4-d25da711b3ec" providerId="ADAL" clId="{204D18CB-9BF0-4338-8D3A-C3F8565B3CF2}" dt="2021-11-22T23:31:08.753" v="705" actId="1582"/>
+          <ac:spMkLst>
+            <pc:docMk/>
+            <pc:sldMk cId="933112001" sldId="277"/>
+            <ac:spMk id="3" creationId="{A85BA8B7-C008-4CB0-99C3-D218FADC7305}"/>
+          </ac:spMkLst>
+        </pc:spChg>
         <pc:spChg chg="mod">
           <ac:chgData name="Hutula, Karina" userId="76360105-4658-44a5-a2e4-d25da711b3ec" providerId="ADAL" clId="{204D18CB-9BF0-4338-8D3A-C3F8565B3CF2}" dt="2021-11-22T03:45:15.850" v="366" actId="1076"/>
           <ac:spMkLst>
@@ -12287,6 +12311,58 @@
           </a:prstGeom>
         </p:spPr>
       </p:pic>
+      <p:sp>
+        <p:nvSpPr>
+          <p:cNvPr id="2" name="Rectangle 1">
+            <a:extLst>
+              <a:ext uri="{FF2B5EF4-FFF2-40B4-BE49-F238E27FC236}">
+                <a16:creationId xmlns:a16="http://schemas.microsoft.com/office/drawing/2014/main" id="{A6AA8FD5-5903-4EF3-8EA3-FED0E703A39C}"/>
+              </a:ext>
+            </a:extLst>
+          </p:cNvPr>
+          <p:cNvSpPr/>
+          <p:nvPr/>
+        </p:nvSpPr>
+        <p:spPr>
+          <a:xfrm>
+            <a:off x="1199626" y="1820411"/>
+            <a:ext cx="1828800" cy="4160939"/>
+          </a:xfrm>
+          <a:prstGeom prst="rect">
+            <a:avLst/>
+          </a:prstGeom>
+          <a:noFill/>
+          <a:ln w="38100">
+            <a:solidFill>
+              <a:srgbClr val="FF0000"/>
+            </a:solidFill>
+          </a:ln>
+        </p:spPr>
+        <p:style>
+          <a:lnRef idx="2">
+            <a:schemeClr val="accent1">
+              <a:shade val="50000"/>
+            </a:schemeClr>
+          </a:lnRef>
+          <a:fillRef idx="1">
+            <a:schemeClr val="accent1"/>
+          </a:fillRef>
+          <a:effectRef idx="0">
+            <a:schemeClr val="accent1"/>
+          </a:effectRef>
+          <a:fontRef idx="minor">
+            <a:schemeClr val="lt1"/>
+          </a:fontRef>
+        </p:style>
+        <p:txBody>
+          <a:bodyPr rtlCol="0" anchor="ctr"/>
+          <a:lstStyle/>
+          <a:p>
+            <a:pPr algn="ctr"/>
+            <a:endParaRPr lang="en-US"/>
+          </a:p>
+        </p:txBody>
+      </p:sp>
     </p:spTree>
     <p:extLst>
       <p:ext uri="{BB962C8B-B14F-4D97-AF65-F5344CB8AC3E}">
@@ -13313,7 +13389,7 @@
                   <a:schemeClr val="bg1"/>
                 </a:solidFill>
               </a:rPr>
-              <a:t>Not based on population</a:t>
+              <a:t>Small size of data (sample size rather than full population)</a:t>
             </a:r>
           </a:p>
           <a:p>
@@ -13327,7 +13403,7 @@
                   <a:schemeClr val="bg1"/>
                 </a:solidFill>
               </a:rPr>
-              <a:t>Issue with BMI indication</a:t>
+              <a:t>Data not recently collected and not maintained</a:t>
             </a:r>
           </a:p>
           <a:p>
@@ -13341,21 +13417,7 @@
                   <a:schemeClr val="bg1"/>
                 </a:solidFill>
               </a:rPr>
-              <a:t>Small size of data</a:t>
-            </a:r>
-          </a:p>
-          <a:p>
-            <a:pPr marL="1200150" lvl="2" indent="-285750">
-              <a:buFont typeface="Wingdings" panose="05000000000000000000" pitchFamily="2" charset="2"/>
-              <a:buChar char="q"/>
-            </a:pPr>
-            <a:r>
-              <a:rPr lang="en-US" dirty="0">
-                <a:solidFill>
-                  <a:schemeClr val="bg1"/>
-                </a:solidFill>
-              </a:rPr>
-              <a:t>Data not recently collected and not maintained</a:t>
+              <a:t>Costs are changing by over 5% year over year, so the model would need to be maintained to address this</a:t>
             </a:r>
           </a:p>
           <a:p>
@@ -19433,6 +19495,58 @@
           </a:prstGeom>
         </p:spPr>
       </p:pic>
+      <p:sp>
+        <p:nvSpPr>
+          <p:cNvPr id="3" name="Rectangle 2">
+            <a:extLst>
+              <a:ext uri="{FF2B5EF4-FFF2-40B4-BE49-F238E27FC236}">
+                <a16:creationId xmlns:a16="http://schemas.microsoft.com/office/drawing/2014/main" id="{A85BA8B7-C008-4CB0-99C3-D218FADC7305}"/>
+              </a:ext>
+            </a:extLst>
+          </p:cNvPr>
+          <p:cNvSpPr/>
+          <p:nvPr/>
+        </p:nvSpPr>
+        <p:spPr>
+          <a:xfrm>
+            <a:off x="6249798" y="4773905"/>
+            <a:ext cx="5325966" cy="1962455"/>
+          </a:xfrm>
+          <a:prstGeom prst="rect">
+            <a:avLst/>
+          </a:prstGeom>
+          <a:noFill/>
+          <a:ln w="38100">
+            <a:solidFill>
+              <a:srgbClr val="FF0000"/>
+            </a:solidFill>
+          </a:ln>
+        </p:spPr>
+        <p:style>
+          <a:lnRef idx="2">
+            <a:schemeClr val="accent1">
+              <a:shade val="50000"/>
+            </a:schemeClr>
+          </a:lnRef>
+          <a:fillRef idx="1">
+            <a:schemeClr val="accent1"/>
+          </a:fillRef>
+          <a:effectRef idx="0">
+            <a:schemeClr val="accent1"/>
+          </a:effectRef>
+          <a:fontRef idx="minor">
+            <a:schemeClr val="lt1"/>
+          </a:fontRef>
+        </p:style>
+        <p:txBody>
+          <a:bodyPr rtlCol="0" anchor="ctr"/>
+          <a:lstStyle/>
+          <a:p>
+            <a:pPr algn="ctr"/>
+            <a:endParaRPr lang="en-US"/>
+          </a:p>
+        </p:txBody>
+      </p:sp>
     </p:spTree>
     <p:extLst>
       <p:ext uri="{BB962C8B-B14F-4D97-AF65-F5344CB8AC3E}">
@@ -19984,20 +20098,20 @@
 </file>
 
 <file path=customXml/item1.xml><?xml version="1.0" encoding="utf-8"?>
+<p:properties xmlns:p="http://schemas.microsoft.com/office/2006/metadata/properties" xmlns:xsi="http://www.w3.org/2001/XMLSchema-instance" xmlns:pc="http://schemas.microsoft.com/office/infopath/2007/PartnerControls">
+  <documentManagement>
+    <MediaServiceKeyPoints xmlns="71af3243-3dd4-4a8d-8c0d-dd76da1f02a5" xsi:nil="true"/>
+  </documentManagement>
+</p:properties>
+</file>
+
+<file path=customXml/item2.xml><?xml version="1.0" encoding="utf-8"?>
 <?mso-contentType ?>
 <FormTemplates xmlns="http://schemas.microsoft.com/sharepoint/v3/contenttype/forms">
   <Display>DocumentLibraryForm</Display>
   <Edit>DocumentLibraryForm</Edit>
   <New>DocumentLibraryForm</New>
 </FormTemplates>
-</file>
-
-<file path=customXml/item2.xml><?xml version="1.0" encoding="utf-8"?>
-<p:properties xmlns:p="http://schemas.microsoft.com/office/2006/metadata/properties" xmlns:xsi="http://www.w3.org/2001/XMLSchema-instance" xmlns:pc="http://schemas.microsoft.com/office/infopath/2007/PartnerControls">
-  <documentManagement>
-    <MediaServiceKeyPoints xmlns="71af3243-3dd4-4a8d-8c0d-dd76da1f02a5" xsi:nil="true"/>
-  </documentManagement>
-</p:properties>
 </file>
 
 <file path=customXml/item3.xml><?xml version="1.0" encoding="utf-8"?>
@@ -20212,19 +20326,19 @@
 </file>
 
 <file path=customXml/itemProps1.xml><?xml version="1.0" encoding="utf-8"?>
-<ds:datastoreItem xmlns:ds="http://schemas.openxmlformats.org/officeDocument/2006/customXml" ds:itemID="{0C66BDC7-24D2-4343-8D41-18F9C23F860A}">
+<ds:datastoreItem xmlns:ds="http://schemas.openxmlformats.org/officeDocument/2006/customXml" ds:itemID="{AF4BDB64-2AF8-42D4-96C8-B6B6F098993C}">
   <ds:schemaRefs>
-    <ds:schemaRef ds:uri="http://schemas.microsoft.com/sharepoint/v3/contenttype/forms"/>
+    <ds:schemaRef ds:uri="http://schemas.microsoft.com/office/2006/metadata/properties"/>
+    <ds:schemaRef ds:uri="http://schemas.microsoft.com/office/infopath/2007/PartnerControls"/>
+    <ds:schemaRef ds:uri="71af3243-3dd4-4a8d-8c0d-dd76da1f02a5"/>
   </ds:schemaRefs>
 </ds:datastoreItem>
 </file>
 
 <file path=customXml/itemProps2.xml><?xml version="1.0" encoding="utf-8"?>
-<ds:datastoreItem xmlns:ds="http://schemas.openxmlformats.org/officeDocument/2006/customXml" ds:itemID="{AF4BDB64-2AF8-42D4-96C8-B6B6F098993C}">
+<ds:datastoreItem xmlns:ds="http://schemas.openxmlformats.org/officeDocument/2006/customXml" ds:itemID="{0C66BDC7-24D2-4343-8D41-18F9C23F860A}">
   <ds:schemaRefs>
-    <ds:schemaRef ds:uri="http://schemas.microsoft.com/office/2006/metadata/properties"/>
-    <ds:schemaRef ds:uri="http://schemas.microsoft.com/office/infopath/2007/PartnerControls"/>
-    <ds:schemaRef ds:uri="71af3243-3dd4-4a8d-8c0d-dd76da1f02a5"/>
+    <ds:schemaRef ds:uri="http://schemas.microsoft.com/sharepoint/v3/contenttype/forms"/>
   </ds:schemaRefs>
 </ds:datastoreItem>
 </file>

--- a/documents/Medical Insurance Cost.pptx
+++ b/documents/Medical Insurance Cost.pptx
@@ -140,6 +140,234 @@
 
 <file path=ppt/changesInfos/changesInfo1.xml><?xml version="1.0" encoding="utf-8"?>
 <pc:chgInfo xmlns:a="http://schemas.openxmlformats.org/drawingml/2006/main" xmlns:r="http://schemas.openxmlformats.org/officeDocument/2006/relationships" xmlns:ac="http://schemas.microsoft.com/office/drawing/2013/main/command" xmlns:pc="http://schemas.microsoft.com/office/powerpoint/2013/main/command">
+  <pc:docChgLst>
+    <pc:chgData name="dawn.washington25@yahoo.com" userId="2c230471c863ab63" providerId="LiveId" clId="{265D2877-9712-4202-B8F5-F4A1D90BE603}"/>
+    <pc:docChg chg="custSel addSld delSld modSld sldOrd">
+      <pc:chgData name="dawn.washington25@yahoo.com" userId="2c230471c863ab63" providerId="LiveId" clId="{265D2877-9712-4202-B8F5-F4A1D90BE603}" dt="2021-11-17T04:47:54.132" v="335" actId="255"/>
+      <pc:docMkLst>
+        <pc:docMk/>
+      </pc:docMkLst>
+      <pc:sldChg chg="modSp mod">
+        <pc:chgData name="dawn.washington25@yahoo.com" userId="2c230471c863ab63" providerId="LiveId" clId="{265D2877-9712-4202-B8F5-F4A1D90BE603}" dt="2021-11-17T04:47:54.132" v="335" actId="255"/>
+        <pc:sldMkLst>
+          <pc:docMk/>
+          <pc:sldMk cId="3697691616" sldId="260"/>
+        </pc:sldMkLst>
+        <pc:spChg chg="mod">
+          <ac:chgData name="dawn.washington25@yahoo.com" userId="2c230471c863ab63" providerId="LiveId" clId="{265D2877-9712-4202-B8F5-F4A1D90BE603}" dt="2021-11-17T04:41:52.248" v="164" actId="20577"/>
+          <ac:spMkLst>
+            <pc:docMk/>
+            <pc:sldMk cId="3697691616" sldId="260"/>
+            <ac:spMk id="9" creationId="{F405F6BC-5682-4AA1-9F61-DDF021E685B0}"/>
+          </ac:spMkLst>
+        </pc:spChg>
+        <pc:spChg chg="mod">
+          <ac:chgData name="dawn.washington25@yahoo.com" userId="2c230471c863ab63" providerId="LiveId" clId="{265D2877-9712-4202-B8F5-F4A1D90BE603}" dt="2021-11-17T04:43:21.990" v="242" actId="20577"/>
+          <ac:spMkLst>
+            <pc:docMk/>
+            <pc:sldMk cId="3697691616" sldId="260"/>
+            <ac:spMk id="10" creationId="{37BC20BC-85E6-48CD-B755-5D4149953C3B}"/>
+          </ac:spMkLst>
+        </pc:spChg>
+        <pc:spChg chg="mod">
+          <ac:chgData name="dawn.washington25@yahoo.com" userId="2c230471c863ab63" providerId="LiveId" clId="{265D2877-9712-4202-B8F5-F4A1D90BE603}" dt="2021-11-17T04:46:50.054" v="263" actId="20577"/>
+          <ac:spMkLst>
+            <pc:docMk/>
+            <pc:sldMk cId="3697691616" sldId="260"/>
+            <ac:spMk id="11" creationId="{DDFBC7A3-AAE6-4502-9D44-F253ED1E8F97}"/>
+          </ac:spMkLst>
+        </pc:spChg>
+        <pc:spChg chg="mod">
+          <ac:chgData name="dawn.washington25@yahoo.com" userId="2c230471c863ab63" providerId="LiveId" clId="{265D2877-9712-4202-B8F5-F4A1D90BE603}" dt="2021-11-17T04:47:43.216" v="334" actId="20577"/>
+          <ac:spMkLst>
+            <pc:docMk/>
+            <pc:sldMk cId="3697691616" sldId="260"/>
+            <ac:spMk id="12" creationId="{DC6EAD81-841A-483E-9B44-512A1470E471}"/>
+          </ac:spMkLst>
+        </pc:spChg>
+        <pc:spChg chg="mod">
+          <ac:chgData name="dawn.washington25@yahoo.com" userId="2c230471c863ab63" providerId="LiveId" clId="{265D2877-9712-4202-B8F5-F4A1D90BE603}" dt="2021-11-17T03:38:12.068" v="13" actId="20577"/>
+          <ac:spMkLst>
+            <pc:docMk/>
+            <pc:sldMk cId="3697691616" sldId="260"/>
+            <ac:spMk id="13" creationId="{E10C0A43-6ED0-45F1-9DF9-5F2F32278B15}"/>
+          </ac:spMkLst>
+        </pc:spChg>
+        <pc:spChg chg="mod">
+          <ac:chgData name="dawn.washington25@yahoo.com" userId="2c230471c863ab63" providerId="LiveId" clId="{265D2877-9712-4202-B8F5-F4A1D90BE603}" dt="2021-11-17T04:47:54.132" v="335" actId="255"/>
+          <ac:spMkLst>
+            <pc:docMk/>
+            <pc:sldMk cId="3697691616" sldId="260"/>
+            <ac:spMk id="14" creationId="{978028AA-13B5-4B26-947A-231084A75CD1}"/>
+          </ac:spMkLst>
+        </pc:spChg>
+        <pc:spChg chg="mod">
+          <ac:chgData name="dawn.washington25@yahoo.com" userId="2c230471c863ab63" providerId="LiveId" clId="{265D2877-9712-4202-B8F5-F4A1D90BE603}" dt="2021-11-17T03:40:56.571" v="75" actId="20577"/>
+          <ac:spMkLst>
+            <pc:docMk/>
+            <pc:sldMk cId="3697691616" sldId="260"/>
+            <ac:spMk id="20" creationId="{B898379A-942F-47A5-80B4-B1C6F09FCB41}"/>
+          </ac:spMkLst>
+        </pc:spChg>
+      </pc:sldChg>
+      <pc:sldChg chg="delSp del mod">
+        <pc:chgData name="dawn.washington25@yahoo.com" userId="2c230471c863ab63" providerId="LiveId" clId="{265D2877-9712-4202-B8F5-F4A1D90BE603}" dt="2021-11-17T03:42:37.308" v="80" actId="2696"/>
+        <pc:sldMkLst>
+          <pc:docMk/>
+          <pc:sldMk cId="3340796283" sldId="261"/>
+        </pc:sldMkLst>
+        <pc:graphicFrameChg chg="del">
+          <ac:chgData name="dawn.washington25@yahoo.com" userId="2c230471c863ab63" providerId="LiveId" clId="{265D2877-9712-4202-B8F5-F4A1D90BE603}" dt="2021-11-17T03:41:30.710" v="76" actId="21"/>
+          <ac:graphicFrameMkLst>
+            <pc:docMk/>
+            <pc:sldMk cId="3340796283" sldId="261"/>
+            <ac:graphicFrameMk id="14" creationId="{2E280A34-4B36-4F7F-A9B3-3D139F10E3F2}"/>
+          </ac:graphicFrameMkLst>
+        </pc:graphicFrameChg>
+      </pc:sldChg>
+      <pc:sldChg chg="ord">
+        <pc:chgData name="dawn.washington25@yahoo.com" userId="2c230471c863ab63" providerId="LiveId" clId="{265D2877-9712-4202-B8F5-F4A1D90BE603}" dt="2021-11-17T03:39:14.517" v="37"/>
+        <pc:sldMkLst>
+          <pc:docMk/>
+          <pc:sldMk cId="786406106" sldId="267"/>
+        </pc:sldMkLst>
+      </pc:sldChg>
+      <pc:sldChg chg="addSp delSp modSp mod">
+        <pc:chgData name="dawn.washington25@yahoo.com" userId="2c230471c863ab63" providerId="LiveId" clId="{265D2877-9712-4202-B8F5-F4A1D90BE603}" dt="2021-11-17T03:37:25.621" v="11" actId="21"/>
+        <pc:sldMkLst>
+          <pc:docMk/>
+          <pc:sldMk cId="3476954114" sldId="274"/>
+        </pc:sldMkLst>
+        <pc:spChg chg="mod">
+          <ac:chgData name="dawn.washington25@yahoo.com" userId="2c230471c863ab63" providerId="LiveId" clId="{265D2877-9712-4202-B8F5-F4A1D90BE603}" dt="2021-11-17T03:36:56.556" v="4" actId="1076"/>
+          <ac:spMkLst>
+            <pc:docMk/>
+            <pc:sldMk cId="3476954114" sldId="274"/>
+            <ac:spMk id="3" creationId="{C17F5BF1-88DB-42F2-98A6-4C7FBFC311C4}"/>
+          </ac:spMkLst>
+        </pc:spChg>
+        <pc:spChg chg="del mod">
+          <ac:chgData name="dawn.washington25@yahoo.com" userId="2c230471c863ab63" providerId="LiveId" clId="{265D2877-9712-4202-B8F5-F4A1D90BE603}" dt="2021-11-17T03:36:48.381" v="2" actId="21"/>
+          <ac:spMkLst>
+            <pc:docMk/>
+            <pc:sldMk cId="3476954114" sldId="274"/>
+            <ac:spMk id="4" creationId="{7E7E363B-55F5-4528-8A9D-A5D90055CD92}"/>
+          </ac:spMkLst>
+        </pc:spChg>
+        <pc:spChg chg="del">
+          <ac:chgData name="dawn.washington25@yahoo.com" userId="2c230471c863ab63" providerId="LiveId" clId="{265D2877-9712-4202-B8F5-F4A1D90BE603}" dt="2021-11-17T03:37:13.740" v="8" actId="21"/>
+          <ac:spMkLst>
+            <pc:docMk/>
+            <pc:sldMk cId="3476954114" sldId="274"/>
+            <ac:spMk id="5" creationId="{045FEE4F-333C-40EF-B46D-8D25C79C05D2}"/>
+          </ac:spMkLst>
+        </pc:spChg>
+        <pc:spChg chg="del">
+          <ac:chgData name="dawn.washington25@yahoo.com" userId="2c230471c863ab63" providerId="LiveId" clId="{265D2877-9712-4202-B8F5-F4A1D90BE603}" dt="2021-11-17T03:37:22.144" v="10" actId="21"/>
+          <ac:spMkLst>
+            <pc:docMk/>
+            <pc:sldMk cId="3476954114" sldId="274"/>
+            <ac:spMk id="6" creationId="{05F44DEB-FABF-4ADE-B7EB-29DFAFA3DFF6}"/>
+          </ac:spMkLst>
+        </pc:spChg>
+        <pc:spChg chg="del">
+          <ac:chgData name="dawn.washington25@yahoo.com" userId="2c230471c863ab63" providerId="LiveId" clId="{265D2877-9712-4202-B8F5-F4A1D90BE603}" dt="2021-11-17T03:36:55.351" v="3" actId="21"/>
+          <ac:spMkLst>
+            <pc:docMk/>
+            <pc:sldMk cId="3476954114" sldId="274"/>
+            <ac:spMk id="7" creationId="{CF795760-75DB-4415-BB10-2C6299BBF11C}"/>
+          </ac:spMkLst>
+        </pc:spChg>
+        <pc:spChg chg="add del mod">
+          <ac:chgData name="dawn.washington25@yahoo.com" userId="2c230471c863ab63" providerId="LiveId" clId="{265D2877-9712-4202-B8F5-F4A1D90BE603}" dt="2021-11-17T03:37:02.723" v="5" actId="21"/>
+          <ac:spMkLst>
+            <pc:docMk/>
+            <pc:sldMk cId="3476954114" sldId="274"/>
+            <ac:spMk id="8" creationId="{9BB07985-BF22-45F2-B204-BDD129036B41}"/>
+          </ac:spMkLst>
+        </pc:spChg>
+        <pc:spChg chg="add del mod">
+          <ac:chgData name="dawn.washington25@yahoo.com" userId="2c230471c863ab63" providerId="LiveId" clId="{265D2877-9712-4202-B8F5-F4A1D90BE603}" dt="2021-11-17T03:37:17.811" v="9" actId="21"/>
+          <ac:spMkLst>
+            <pc:docMk/>
+            <pc:sldMk cId="3476954114" sldId="274"/>
+            <ac:spMk id="10" creationId="{F617FB95-6A71-4980-AC44-E1472CA6E819}"/>
+          </ac:spMkLst>
+        </pc:spChg>
+        <pc:spChg chg="add del mod">
+          <ac:chgData name="dawn.washington25@yahoo.com" userId="2c230471c863ab63" providerId="LiveId" clId="{265D2877-9712-4202-B8F5-F4A1D90BE603}" dt="2021-11-17T03:37:25.621" v="11" actId="21"/>
+          <ac:spMkLst>
+            <pc:docMk/>
+            <pc:sldMk cId="3476954114" sldId="274"/>
+            <ac:spMk id="12" creationId="{11EC65E6-0F88-4BC8-BBC6-2155C498A2F3}"/>
+          </ac:spMkLst>
+        </pc:spChg>
+        <pc:grpChg chg="del">
+          <ac:chgData name="dawn.washington25@yahoo.com" userId="2c230471c863ab63" providerId="LiveId" clId="{265D2877-9712-4202-B8F5-F4A1D90BE603}" dt="2021-11-17T03:37:09.121" v="7" actId="21"/>
+          <ac:grpSpMkLst>
+            <pc:docMk/>
+            <pc:sldMk cId="3476954114" sldId="274"/>
+            <ac:grpSpMk id="46" creationId="{4BB2D73A-DB1F-47D9-9BDA-D6F01A0EDC06}"/>
+          </ac:grpSpMkLst>
+        </pc:grpChg>
+        <pc:grpChg chg="del">
+          <ac:chgData name="dawn.washington25@yahoo.com" userId="2c230471c863ab63" providerId="LiveId" clId="{265D2877-9712-4202-B8F5-F4A1D90BE603}" dt="2021-11-17T03:37:06.217" v="6" actId="21"/>
+          <ac:grpSpMkLst>
+            <pc:docMk/>
+            <pc:sldMk cId="3476954114" sldId="274"/>
+            <ac:grpSpMk id="50" creationId="{F7F47E31-EB9A-4529-BE0F-A1213B79FE07}"/>
+          </ac:grpSpMkLst>
+        </pc:grpChg>
+        <pc:grpChg chg="del">
+          <ac:chgData name="dawn.washington25@yahoo.com" userId="2c230471c863ab63" providerId="LiveId" clId="{265D2877-9712-4202-B8F5-F4A1D90BE603}" dt="2021-11-17T03:36:42.796" v="1" actId="21"/>
+          <ac:grpSpMkLst>
+            <pc:docMk/>
+            <pc:sldMk cId="3476954114" sldId="274"/>
+            <ac:grpSpMk id="55" creationId="{9E1A2D9D-4A3F-4720-9A14-FFD74FC5C7A2}"/>
+          </ac:grpSpMkLst>
+        </pc:grpChg>
+      </pc:sldChg>
+      <pc:sldChg chg="addSp delSp modSp new mod">
+        <pc:chgData name="dawn.washington25@yahoo.com" userId="2c230471c863ab63" providerId="LiveId" clId="{265D2877-9712-4202-B8F5-F4A1D90BE603}" dt="2021-11-17T03:44:59.175" v="157"/>
+        <pc:sldMkLst>
+          <pc:docMk/>
+          <pc:sldMk cId="1258591405" sldId="275"/>
+        </pc:sldMkLst>
+        <pc:spChg chg="del">
+          <ac:chgData name="dawn.washington25@yahoo.com" userId="2c230471c863ab63" providerId="LiveId" clId="{265D2877-9712-4202-B8F5-F4A1D90BE603}" dt="2021-11-17T03:42:11.660" v="78"/>
+          <ac:spMkLst>
+            <pc:docMk/>
+            <pc:sldMk cId="1258591405" sldId="275"/>
+            <ac:spMk id="2" creationId="{24366DE5-4341-4728-A0A5-B987063B5D74}"/>
+          </ac:spMkLst>
+        </pc:spChg>
+        <pc:spChg chg="mod">
+          <ac:chgData name="dawn.washington25@yahoo.com" userId="2c230471c863ab63" providerId="LiveId" clId="{265D2877-9712-4202-B8F5-F4A1D90BE603}" dt="2021-11-17T03:44:59.175" v="157"/>
+          <ac:spMkLst>
+            <pc:docMk/>
+            <pc:sldMk cId="1258591405" sldId="275"/>
+            <ac:spMk id="4" creationId="{F1F165ED-F0D6-41D1-8FCF-2800606AE2BF}"/>
+          </ac:spMkLst>
+        </pc:spChg>
+        <pc:spChg chg="add mod">
+          <ac:chgData name="dawn.washington25@yahoo.com" userId="2c230471c863ab63" providerId="LiveId" clId="{265D2877-9712-4202-B8F5-F4A1D90BE603}" dt="2021-11-17T03:42:11.660" v="78"/>
+          <ac:spMkLst>
+            <pc:docMk/>
+            <pc:sldMk cId="1258591405" sldId="275"/>
+            <ac:spMk id="5" creationId="{8BA68774-5626-4220-BB40-D8E33A79CD8E}"/>
+          </ac:spMkLst>
+        </pc:spChg>
+        <pc:spChg chg="add mod">
+          <ac:chgData name="dawn.washington25@yahoo.com" userId="2c230471c863ab63" providerId="LiveId" clId="{265D2877-9712-4202-B8F5-F4A1D90BE603}" dt="2021-11-17T03:42:25.639" v="79"/>
+          <ac:spMkLst>
+            <pc:docMk/>
+            <pc:sldMk cId="1258591405" sldId="275"/>
+            <ac:spMk id="6" creationId="{28D273C5-DB76-4933-9721-4D7B910B29F5}"/>
+          </ac:spMkLst>
+        </pc:spChg>
+      </pc:sldChg>
+    </pc:docChg>
+  </pc:docChgLst>
   <pc:docChgLst>
     <pc:chgData name="Hutula, Karina" userId="76360105-4658-44a5-a2e4-d25da711b3ec" providerId="ADAL" clId="{204D18CB-9BF0-4338-8D3A-C3F8565B3CF2}"/>
     <pc:docChg chg="undo custSel modSld">
@@ -538,234 +766,6 @@
       </pc:sldChg>
     </pc:docChg>
   </pc:docChgLst>
-  <pc:docChgLst>
-    <pc:chgData name="dawn.washington25@yahoo.com" userId="2c230471c863ab63" providerId="LiveId" clId="{265D2877-9712-4202-B8F5-F4A1D90BE603}"/>
-    <pc:docChg chg="custSel addSld delSld modSld sldOrd">
-      <pc:chgData name="dawn.washington25@yahoo.com" userId="2c230471c863ab63" providerId="LiveId" clId="{265D2877-9712-4202-B8F5-F4A1D90BE603}" dt="2021-11-17T04:47:54.132" v="335" actId="255"/>
-      <pc:docMkLst>
-        <pc:docMk/>
-      </pc:docMkLst>
-      <pc:sldChg chg="modSp mod">
-        <pc:chgData name="dawn.washington25@yahoo.com" userId="2c230471c863ab63" providerId="LiveId" clId="{265D2877-9712-4202-B8F5-F4A1D90BE603}" dt="2021-11-17T04:47:54.132" v="335" actId="255"/>
-        <pc:sldMkLst>
-          <pc:docMk/>
-          <pc:sldMk cId="3697691616" sldId="260"/>
-        </pc:sldMkLst>
-        <pc:spChg chg="mod">
-          <ac:chgData name="dawn.washington25@yahoo.com" userId="2c230471c863ab63" providerId="LiveId" clId="{265D2877-9712-4202-B8F5-F4A1D90BE603}" dt="2021-11-17T04:41:52.248" v="164" actId="20577"/>
-          <ac:spMkLst>
-            <pc:docMk/>
-            <pc:sldMk cId="3697691616" sldId="260"/>
-            <ac:spMk id="9" creationId="{F405F6BC-5682-4AA1-9F61-DDF021E685B0}"/>
-          </ac:spMkLst>
-        </pc:spChg>
-        <pc:spChg chg="mod">
-          <ac:chgData name="dawn.washington25@yahoo.com" userId="2c230471c863ab63" providerId="LiveId" clId="{265D2877-9712-4202-B8F5-F4A1D90BE603}" dt="2021-11-17T04:43:21.990" v="242" actId="20577"/>
-          <ac:spMkLst>
-            <pc:docMk/>
-            <pc:sldMk cId="3697691616" sldId="260"/>
-            <ac:spMk id="10" creationId="{37BC20BC-85E6-48CD-B755-5D4149953C3B}"/>
-          </ac:spMkLst>
-        </pc:spChg>
-        <pc:spChg chg="mod">
-          <ac:chgData name="dawn.washington25@yahoo.com" userId="2c230471c863ab63" providerId="LiveId" clId="{265D2877-9712-4202-B8F5-F4A1D90BE603}" dt="2021-11-17T04:46:50.054" v="263" actId="20577"/>
-          <ac:spMkLst>
-            <pc:docMk/>
-            <pc:sldMk cId="3697691616" sldId="260"/>
-            <ac:spMk id="11" creationId="{DDFBC7A3-AAE6-4502-9D44-F253ED1E8F97}"/>
-          </ac:spMkLst>
-        </pc:spChg>
-        <pc:spChg chg="mod">
-          <ac:chgData name="dawn.washington25@yahoo.com" userId="2c230471c863ab63" providerId="LiveId" clId="{265D2877-9712-4202-B8F5-F4A1D90BE603}" dt="2021-11-17T04:47:43.216" v="334" actId="20577"/>
-          <ac:spMkLst>
-            <pc:docMk/>
-            <pc:sldMk cId="3697691616" sldId="260"/>
-            <ac:spMk id="12" creationId="{DC6EAD81-841A-483E-9B44-512A1470E471}"/>
-          </ac:spMkLst>
-        </pc:spChg>
-        <pc:spChg chg="mod">
-          <ac:chgData name="dawn.washington25@yahoo.com" userId="2c230471c863ab63" providerId="LiveId" clId="{265D2877-9712-4202-B8F5-F4A1D90BE603}" dt="2021-11-17T03:38:12.068" v="13" actId="20577"/>
-          <ac:spMkLst>
-            <pc:docMk/>
-            <pc:sldMk cId="3697691616" sldId="260"/>
-            <ac:spMk id="13" creationId="{E10C0A43-6ED0-45F1-9DF9-5F2F32278B15}"/>
-          </ac:spMkLst>
-        </pc:spChg>
-        <pc:spChg chg="mod">
-          <ac:chgData name="dawn.washington25@yahoo.com" userId="2c230471c863ab63" providerId="LiveId" clId="{265D2877-9712-4202-B8F5-F4A1D90BE603}" dt="2021-11-17T04:47:54.132" v="335" actId="255"/>
-          <ac:spMkLst>
-            <pc:docMk/>
-            <pc:sldMk cId="3697691616" sldId="260"/>
-            <ac:spMk id="14" creationId="{978028AA-13B5-4B26-947A-231084A75CD1}"/>
-          </ac:spMkLst>
-        </pc:spChg>
-        <pc:spChg chg="mod">
-          <ac:chgData name="dawn.washington25@yahoo.com" userId="2c230471c863ab63" providerId="LiveId" clId="{265D2877-9712-4202-B8F5-F4A1D90BE603}" dt="2021-11-17T03:40:56.571" v="75" actId="20577"/>
-          <ac:spMkLst>
-            <pc:docMk/>
-            <pc:sldMk cId="3697691616" sldId="260"/>
-            <ac:spMk id="20" creationId="{B898379A-942F-47A5-80B4-B1C6F09FCB41}"/>
-          </ac:spMkLst>
-        </pc:spChg>
-      </pc:sldChg>
-      <pc:sldChg chg="delSp del mod">
-        <pc:chgData name="dawn.washington25@yahoo.com" userId="2c230471c863ab63" providerId="LiveId" clId="{265D2877-9712-4202-B8F5-F4A1D90BE603}" dt="2021-11-17T03:42:37.308" v="80" actId="2696"/>
-        <pc:sldMkLst>
-          <pc:docMk/>
-          <pc:sldMk cId="3340796283" sldId="261"/>
-        </pc:sldMkLst>
-        <pc:graphicFrameChg chg="del">
-          <ac:chgData name="dawn.washington25@yahoo.com" userId="2c230471c863ab63" providerId="LiveId" clId="{265D2877-9712-4202-B8F5-F4A1D90BE603}" dt="2021-11-17T03:41:30.710" v="76" actId="21"/>
-          <ac:graphicFrameMkLst>
-            <pc:docMk/>
-            <pc:sldMk cId="3340796283" sldId="261"/>
-            <ac:graphicFrameMk id="14" creationId="{2E280A34-4B36-4F7F-A9B3-3D139F10E3F2}"/>
-          </ac:graphicFrameMkLst>
-        </pc:graphicFrameChg>
-      </pc:sldChg>
-      <pc:sldChg chg="ord">
-        <pc:chgData name="dawn.washington25@yahoo.com" userId="2c230471c863ab63" providerId="LiveId" clId="{265D2877-9712-4202-B8F5-F4A1D90BE603}" dt="2021-11-17T03:39:14.517" v="37"/>
-        <pc:sldMkLst>
-          <pc:docMk/>
-          <pc:sldMk cId="786406106" sldId="267"/>
-        </pc:sldMkLst>
-      </pc:sldChg>
-      <pc:sldChg chg="addSp delSp modSp mod">
-        <pc:chgData name="dawn.washington25@yahoo.com" userId="2c230471c863ab63" providerId="LiveId" clId="{265D2877-9712-4202-B8F5-F4A1D90BE603}" dt="2021-11-17T03:37:25.621" v="11" actId="21"/>
-        <pc:sldMkLst>
-          <pc:docMk/>
-          <pc:sldMk cId="3476954114" sldId="274"/>
-        </pc:sldMkLst>
-        <pc:spChg chg="mod">
-          <ac:chgData name="dawn.washington25@yahoo.com" userId="2c230471c863ab63" providerId="LiveId" clId="{265D2877-9712-4202-B8F5-F4A1D90BE603}" dt="2021-11-17T03:36:56.556" v="4" actId="1076"/>
-          <ac:spMkLst>
-            <pc:docMk/>
-            <pc:sldMk cId="3476954114" sldId="274"/>
-            <ac:spMk id="3" creationId="{C17F5BF1-88DB-42F2-98A6-4C7FBFC311C4}"/>
-          </ac:spMkLst>
-        </pc:spChg>
-        <pc:spChg chg="del mod">
-          <ac:chgData name="dawn.washington25@yahoo.com" userId="2c230471c863ab63" providerId="LiveId" clId="{265D2877-9712-4202-B8F5-F4A1D90BE603}" dt="2021-11-17T03:36:48.381" v="2" actId="21"/>
-          <ac:spMkLst>
-            <pc:docMk/>
-            <pc:sldMk cId="3476954114" sldId="274"/>
-            <ac:spMk id="4" creationId="{7E7E363B-55F5-4528-8A9D-A5D90055CD92}"/>
-          </ac:spMkLst>
-        </pc:spChg>
-        <pc:spChg chg="del">
-          <ac:chgData name="dawn.washington25@yahoo.com" userId="2c230471c863ab63" providerId="LiveId" clId="{265D2877-9712-4202-B8F5-F4A1D90BE603}" dt="2021-11-17T03:37:13.740" v="8" actId="21"/>
-          <ac:spMkLst>
-            <pc:docMk/>
-            <pc:sldMk cId="3476954114" sldId="274"/>
-            <ac:spMk id="5" creationId="{045FEE4F-333C-40EF-B46D-8D25C79C05D2}"/>
-          </ac:spMkLst>
-        </pc:spChg>
-        <pc:spChg chg="del">
-          <ac:chgData name="dawn.washington25@yahoo.com" userId="2c230471c863ab63" providerId="LiveId" clId="{265D2877-9712-4202-B8F5-F4A1D90BE603}" dt="2021-11-17T03:37:22.144" v="10" actId="21"/>
-          <ac:spMkLst>
-            <pc:docMk/>
-            <pc:sldMk cId="3476954114" sldId="274"/>
-            <ac:spMk id="6" creationId="{05F44DEB-FABF-4ADE-B7EB-29DFAFA3DFF6}"/>
-          </ac:spMkLst>
-        </pc:spChg>
-        <pc:spChg chg="del">
-          <ac:chgData name="dawn.washington25@yahoo.com" userId="2c230471c863ab63" providerId="LiveId" clId="{265D2877-9712-4202-B8F5-F4A1D90BE603}" dt="2021-11-17T03:36:55.351" v="3" actId="21"/>
-          <ac:spMkLst>
-            <pc:docMk/>
-            <pc:sldMk cId="3476954114" sldId="274"/>
-            <ac:spMk id="7" creationId="{CF795760-75DB-4415-BB10-2C6299BBF11C}"/>
-          </ac:spMkLst>
-        </pc:spChg>
-        <pc:spChg chg="add del mod">
-          <ac:chgData name="dawn.washington25@yahoo.com" userId="2c230471c863ab63" providerId="LiveId" clId="{265D2877-9712-4202-B8F5-F4A1D90BE603}" dt="2021-11-17T03:37:02.723" v="5" actId="21"/>
-          <ac:spMkLst>
-            <pc:docMk/>
-            <pc:sldMk cId="3476954114" sldId="274"/>
-            <ac:spMk id="8" creationId="{9BB07985-BF22-45F2-B204-BDD129036B41}"/>
-          </ac:spMkLst>
-        </pc:spChg>
-        <pc:spChg chg="add del mod">
-          <ac:chgData name="dawn.washington25@yahoo.com" userId="2c230471c863ab63" providerId="LiveId" clId="{265D2877-9712-4202-B8F5-F4A1D90BE603}" dt="2021-11-17T03:37:17.811" v="9" actId="21"/>
-          <ac:spMkLst>
-            <pc:docMk/>
-            <pc:sldMk cId="3476954114" sldId="274"/>
-            <ac:spMk id="10" creationId="{F617FB95-6A71-4980-AC44-E1472CA6E819}"/>
-          </ac:spMkLst>
-        </pc:spChg>
-        <pc:spChg chg="add del mod">
-          <ac:chgData name="dawn.washington25@yahoo.com" userId="2c230471c863ab63" providerId="LiveId" clId="{265D2877-9712-4202-B8F5-F4A1D90BE603}" dt="2021-11-17T03:37:25.621" v="11" actId="21"/>
-          <ac:spMkLst>
-            <pc:docMk/>
-            <pc:sldMk cId="3476954114" sldId="274"/>
-            <ac:spMk id="12" creationId="{11EC65E6-0F88-4BC8-BBC6-2155C498A2F3}"/>
-          </ac:spMkLst>
-        </pc:spChg>
-        <pc:grpChg chg="del">
-          <ac:chgData name="dawn.washington25@yahoo.com" userId="2c230471c863ab63" providerId="LiveId" clId="{265D2877-9712-4202-B8F5-F4A1D90BE603}" dt="2021-11-17T03:37:09.121" v="7" actId="21"/>
-          <ac:grpSpMkLst>
-            <pc:docMk/>
-            <pc:sldMk cId="3476954114" sldId="274"/>
-            <ac:grpSpMk id="46" creationId="{4BB2D73A-DB1F-47D9-9BDA-D6F01A0EDC06}"/>
-          </ac:grpSpMkLst>
-        </pc:grpChg>
-        <pc:grpChg chg="del">
-          <ac:chgData name="dawn.washington25@yahoo.com" userId="2c230471c863ab63" providerId="LiveId" clId="{265D2877-9712-4202-B8F5-F4A1D90BE603}" dt="2021-11-17T03:37:06.217" v="6" actId="21"/>
-          <ac:grpSpMkLst>
-            <pc:docMk/>
-            <pc:sldMk cId="3476954114" sldId="274"/>
-            <ac:grpSpMk id="50" creationId="{F7F47E31-EB9A-4529-BE0F-A1213B79FE07}"/>
-          </ac:grpSpMkLst>
-        </pc:grpChg>
-        <pc:grpChg chg="del">
-          <ac:chgData name="dawn.washington25@yahoo.com" userId="2c230471c863ab63" providerId="LiveId" clId="{265D2877-9712-4202-B8F5-F4A1D90BE603}" dt="2021-11-17T03:36:42.796" v="1" actId="21"/>
-          <ac:grpSpMkLst>
-            <pc:docMk/>
-            <pc:sldMk cId="3476954114" sldId="274"/>
-            <ac:grpSpMk id="55" creationId="{9E1A2D9D-4A3F-4720-9A14-FFD74FC5C7A2}"/>
-          </ac:grpSpMkLst>
-        </pc:grpChg>
-      </pc:sldChg>
-      <pc:sldChg chg="addSp delSp modSp new mod">
-        <pc:chgData name="dawn.washington25@yahoo.com" userId="2c230471c863ab63" providerId="LiveId" clId="{265D2877-9712-4202-B8F5-F4A1D90BE603}" dt="2021-11-17T03:44:59.175" v="157"/>
-        <pc:sldMkLst>
-          <pc:docMk/>
-          <pc:sldMk cId="1258591405" sldId="275"/>
-        </pc:sldMkLst>
-        <pc:spChg chg="del">
-          <ac:chgData name="dawn.washington25@yahoo.com" userId="2c230471c863ab63" providerId="LiveId" clId="{265D2877-9712-4202-B8F5-F4A1D90BE603}" dt="2021-11-17T03:42:11.660" v="78"/>
-          <ac:spMkLst>
-            <pc:docMk/>
-            <pc:sldMk cId="1258591405" sldId="275"/>
-            <ac:spMk id="2" creationId="{24366DE5-4341-4728-A0A5-B987063B5D74}"/>
-          </ac:spMkLst>
-        </pc:spChg>
-        <pc:spChg chg="mod">
-          <ac:chgData name="dawn.washington25@yahoo.com" userId="2c230471c863ab63" providerId="LiveId" clId="{265D2877-9712-4202-B8F5-F4A1D90BE603}" dt="2021-11-17T03:44:59.175" v="157"/>
-          <ac:spMkLst>
-            <pc:docMk/>
-            <pc:sldMk cId="1258591405" sldId="275"/>
-            <ac:spMk id="4" creationId="{F1F165ED-F0D6-41D1-8FCF-2800606AE2BF}"/>
-          </ac:spMkLst>
-        </pc:spChg>
-        <pc:spChg chg="add mod">
-          <ac:chgData name="dawn.washington25@yahoo.com" userId="2c230471c863ab63" providerId="LiveId" clId="{265D2877-9712-4202-B8F5-F4A1D90BE603}" dt="2021-11-17T03:42:11.660" v="78"/>
-          <ac:spMkLst>
-            <pc:docMk/>
-            <pc:sldMk cId="1258591405" sldId="275"/>
-            <ac:spMk id="5" creationId="{8BA68774-5626-4220-BB40-D8E33A79CD8E}"/>
-          </ac:spMkLst>
-        </pc:spChg>
-        <pc:spChg chg="add mod">
-          <ac:chgData name="dawn.washington25@yahoo.com" userId="2c230471c863ab63" providerId="LiveId" clId="{265D2877-9712-4202-B8F5-F4A1D90BE603}" dt="2021-11-17T03:42:25.639" v="79"/>
-          <ac:spMkLst>
-            <pc:docMk/>
-            <pc:sldMk cId="1258591405" sldId="275"/>
-            <ac:spMk id="6" creationId="{28D273C5-DB76-4933-9721-4D7B910B29F5}"/>
-          </ac:spMkLst>
-        </pc:spChg>
-      </pc:sldChg>
-    </pc:docChg>
-  </pc:docChgLst>
 </pc:chgInfo>
 </file>
 
@@ -851,7 +851,7 @@
           <a:p>
             <a:fld id="{B565716D-39C9-48C4-A3EB-B88E4515427D}" type="datetimeFigureOut">
               <a:rPr lang="en-US" smtClean="0"/>
-              <a:t>11/22/2021</a:t>
+              <a:t>11/22/21</a:t>
             </a:fld>
             <a:endParaRPr lang="en-US" dirty="0"/>
           </a:p>
@@ -18389,27 +18389,8 @@
                 </a:solidFill>
                 <a:latin typeface="+mj-lt"/>
               </a:rPr>
-              <a:t>Charges range as high </a:t>
+              <a:t>Charges range as high as $65,000</a:t>
             </a:r>
-            <a:r>
-              <a:rPr lang="en-US" sz="2000">
-                <a:solidFill>
-                  <a:schemeClr val="bg1">
-                    <a:lumMod val="95000"/>
-                  </a:schemeClr>
-                </a:solidFill>
-                <a:latin typeface="+mj-lt"/>
-              </a:rPr>
-              <a:t>as $65,000</a:t>
-            </a:r>
-            <a:endParaRPr lang="en-US" sz="2000" dirty="0">
-              <a:solidFill>
-                <a:schemeClr val="bg1">
-                  <a:lumMod val="95000"/>
-                </a:schemeClr>
-              </a:solidFill>
-              <a:latin typeface="+mj-lt"/>
-            </a:endParaRPr>
           </a:p>
         </p:txBody>
       </p:sp>
@@ -18458,7 +18439,7 @@
         <p:spPr>
           <a:xfrm>
             <a:off x="6222839" y="4907280"/>
-            <a:ext cx="5352925" cy="1631216"/>
+            <a:ext cx="5352925" cy="1015663"/>
           </a:xfrm>
           <a:prstGeom prst="rect">
             <a:avLst/>
@@ -18497,7 +18478,7 @@
                 </a:solidFill>
                 <a:latin typeface="+mj-lt"/>
               </a:rPr>
-              <a:t>The number of children is more closely correlated to charges then age, but not by a significant margin</a:t>
+              <a:t>Age and BMI have the next highest correlations  </a:t>
             </a:r>
           </a:p>
         </p:txBody>
@@ -18879,7 +18860,7 @@
         <p:spPr>
           <a:xfrm>
             <a:off x="251524" y="3436070"/>
-            <a:ext cx="5992295" cy="1631216"/>
+            <a:ext cx="5992295" cy="1323439"/>
           </a:xfrm>
           <a:prstGeom prst="rect">
             <a:avLst/>
@@ -18918,7 +18899,7 @@
                 </a:solidFill>
                 <a:latin typeface="+mj-lt"/>
               </a:rPr>
-              <a:t>Charges for smokers in the Southeast and Southwest are slightly higher than smokers in the other regions.</a:t>
+              <a:t>Charges for smokers average over #30,000.</a:t>
             </a:r>
           </a:p>
           <a:p>
@@ -20098,20 +20079,20 @@
 </file>
 
 <file path=customXml/item1.xml><?xml version="1.0" encoding="utf-8"?>
-<p:properties xmlns:p="http://schemas.microsoft.com/office/2006/metadata/properties" xmlns:xsi="http://www.w3.org/2001/XMLSchema-instance" xmlns:pc="http://schemas.microsoft.com/office/infopath/2007/PartnerControls">
-  <documentManagement>
-    <MediaServiceKeyPoints xmlns="71af3243-3dd4-4a8d-8c0d-dd76da1f02a5" xsi:nil="true"/>
-  </documentManagement>
-</p:properties>
-</file>
-
-<file path=customXml/item2.xml><?xml version="1.0" encoding="utf-8"?>
 <?mso-contentType ?>
 <FormTemplates xmlns="http://schemas.microsoft.com/sharepoint/v3/contenttype/forms">
   <Display>DocumentLibraryForm</Display>
   <Edit>DocumentLibraryForm</Edit>
   <New>DocumentLibraryForm</New>
 </FormTemplates>
+</file>
+
+<file path=customXml/item2.xml><?xml version="1.0" encoding="utf-8"?>
+<p:properties xmlns:p="http://schemas.microsoft.com/office/2006/metadata/properties" xmlns:xsi="http://www.w3.org/2001/XMLSchema-instance" xmlns:pc="http://schemas.microsoft.com/office/infopath/2007/PartnerControls">
+  <documentManagement>
+    <MediaServiceKeyPoints xmlns="71af3243-3dd4-4a8d-8c0d-dd76da1f02a5" xsi:nil="true"/>
+  </documentManagement>
+</p:properties>
 </file>
 
 <file path=customXml/item3.xml><?xml version="1.0" encoding="utf-8"?>
@@ -20326,19 +20307,19 @@
 </file>
 
 <file path=customXml/itemProps1.xml><?xml version="1.0" encoding="utf-8"?>
+<ds:datastoreItem xmlns:ds="http://schemas.openxmlformats.org/officeDocument/2006/customXml" ds:itemID="{0C66BDC7-24D2-4343-8D41-18F9C23F860A}">
+  <ds:schemaRefs>
+    <ds:schemaRef ds:uri="http://schemas.microsoft.com/sharepoint/v3/contenttype/forms"/>
+  </ds:schemaRefs>
+</ds:datastoreItem>
+</file>
+
+<file path=customXml/itemProps2.xml><?xml version="1.0" encoding="utf-8"?>
 <ds:datastoreItem xmlns:ds="http://schemas.openxmlformats.org/officeDocument/2006/customXml" ds:itemID="{AF4BDB64-2AF8-42D4-96C8-B6B6F098993C}">
   <ds:schemaRefs>
     <ds:schemaRef ds:uri="http://schemas.microsoft.com/office/2006/metadata/properties"/>
     <ds:schemaRef ds:uri="http://schemas.microsoft.com/office/infopath/2007/PartnerControls"/>
     <ds:schemaRef ds:uri="71af3243-3dd4-4a8d-8c0d-dd76da1f02a5"/>
-  </ds:schemaRefs>
-</ds:datastoreItem>
-</file>
-
-<file path=customXml/itemProps2.xml><?xml version="1.0" encoding="utf-8"?>
-<ds:datastoreItem xmlns:ds="http://schemas.openxmlformats.org/officeDocument/2006/customXml" ds:itemID="{0C66BDC7-24D2-4343-8D41-18F9C23F860A}">
-  <ds:schemaRefs>
-    <ds:schemaRef ds:uri="http://schemas.microsoft.com/sharepoint/v3/contenttype/forms"/>
   </ds:schemaRefs>
 </ds:datastoreItem>
 </file>

--- a/documents/Medical Insurance Cost.pptx
+++ b/documents/Medical Insurance Cost.pptx
@@ -140,6 +140,404 @@
 
 <file path=ppt/changesInfos/changesInfo1.xml><?xml version="1.0" encoding="utf-8"?>
 <pc:chgInfo xmlns:a="http://schemas.openxmlformats.org/drawingml/2006/main" xmlns:r="http://schemas.openxmlformats.org/officeDocument/2006/relationships" xmlns:ac="http://schemas.microsoft.com/office/drawing/2013/main/command" xmlns:pc="http://schemas.microsoft.com/office/powerpoint/2013/main/command">
+  <pc:docChgLst>
+    <pc:chgData name="Hutula, Karina" userId="76360105-4658-44a5-a2e4-d25da711b3ec" providerId="ADAL" clId="{204D18CB-9BF0-4338-8D3A-C3F8565B3CF2}"/>
+    <pc:docChg chg="undo custSel modSld">
+      <pc:chgData name="Hutula, Karina" userId="76360105-4658-44a5-a2e4-d25da711b3ec" providerId="ADAL" clId="{204D18CB-9BF0-4338-8D3A-C3F8565B3CF2}" dt="2021-11-23T19:13:30.226" v="744" actId="20577"/>
+      <pc:docMkLst>
+        <pc:docMk/>
+      </pc:docMkLst>
+      <pc:sldChg chg="addSp delSp modSp mod">
+        <pc:chgData name="Hutula, Karina" userId="76360105-4658-44a5-a2e4-d25da711b3ec" providerId="ADAL" clId="{204D18CB-9BF0-4338-8D3A-C3F8565B3CF2}" dt="2021-11-23T19:12:43.362" v="711" actId="1076"/>
+        <pc:sldMkLst>
+          <pc:docMk/>
+          <pc:sldMk cId="1755836296" sldId="262"/>
+        </pc:sldMkLst>
+        <pc:spChg chg="mod">
+          <ac:chgData name="Hutula, Karina" userId="76360105-4658-44a5-a2e4-d25da711b3ec" providerId="ADAL" clId="{204D18CB-9BF0-4338-8D3A-C3F8565B3CF2}" dt="2021-11-22T21:34:06.661" v="473" actId="20577"/>
+          <ac:spMkLst>
+            <pc:docMk/>
+            <pc:sldMk cId="1755836296" sldId="262"/>
+            <ac:spMk id="2" creationId="{084A7E88-BE23-4685-A171-6AE71A16EC51}"/>
+          </ac:spMkLst>
+        </pc:spChg>
+        <pc:spChg chg="mod">
+          <ac:chgData name="Hutula, Karina" userId="76360105-4658-44a5-a2e4-d25da711b3ec" providerId="ADAL" clId="{204D18CB-9BF0-4338-8D3A-C3F8565B3CF2}" dt="2021-11-23T19:12:43.362" v="711" actId="1076"/>
+          <ac:spMkLst>
+            <pc:docMk/>
+            <pc:sldMk cId="1755836296" sldId="262"/>
+            <ac:spMk id="7" creationId="{39A47610-A6F4-4B8B-90D1-5DEB67C0F9E6}"/>
+          </ac:spMkLst>
+        </pc:spChg>
+        <pc:picChg chg="mod">
+          <ac:chgData name="Hutula, Karina" userId="76360105-4658-44a5-a2e4-d25da711b3ec" providerId="ADAL" clId="{204D18CB-9BF0-4338-8D3A-C3F8565B3CF2}" dt="2021-11-22T03:40:00.207" v="197" actId="14100"/>
+          <ac:picMkLst>
+            <pc:docMk/>
+            <pc:sldMk cId="1755836296" sldId="262"/>
+            <ac:picMk id="5" creationId="{15C55B3A-8A73-4C31-9BC4-2D26EE292C1E}"/>
+          </ac:picMkLst>
+        </pc:picChg>
+        <pc:picChg chg="del">
+          <ac:chgData name="Hutula, Karina" userId="76360105-4658-44a5-a2e4-d25da711b3ec" providerId="ADAL" clId="{204D18CB-9BF0-4338-8D3A-C3F8565B3CF2}" dt="2021-11-22T03:39:35.998" v="190" actId="478"/>
+          <ac:picMkLst>
+            <pc:docMk/>
+            <pc:sldMk cId="1755836296" sldId="262"/>
+            <ac:picMk id="6" creationId="{4911F5FD-A846-44DB-9591-92A53A3D99A6}"/>
+          </ac:picMkLst>
+        </pc:picChg>
+        <pc:picChg chg="add mod">
+          <ac:chgData name="Hutula, Karina" userId="76360105-4658-44a5-a2e4-d25da711b3ec" providerId="ADAL" clId="{204D18CB-9BF0-4338-8D3A-C3F8565B3CF2}" dt="2021-11-22T03:39:57.240" v="196" actId="1076"/>
+          <ac:picMkLst>
+            <pc:docMk/>
+            <pc:sldMk cId="1755836296" sldId="262"/>
+            <ac:picMk id="9" creationId="{3EC3022B-1C43-4EAB-9D71-5116DFDEF9D4}"/>
+          </ac:picMkLst>
+        </pc:picChg>
+      </pc:sldChg>
+      <pc:sldChg chg="addSp delSp modSp mod">
+        <pc:chgData name="Hutula, Karina" userId="76360105-4658-44a5-a2e4-d25da711b3ec" providerId="ADAL" clId="{204D18CB-9BF0-4338-8D3A-C3F8565B3CF2}" dt="2021-11-22T23:31:58.231" v="709" actId="1582"/>
+        <pc:sldMkLst>
+          <pc:docMk/>
+          <pc:sldMk cId="3297823726" sldId="265"/>
+        </pc:sldMkLst>
+        <pc:spChg chg="add mod">
+          <ac:chgData name="Hutula, Karina" userId="76360105-4658-44a5-a2e4-d25da711b3ec" providerId="ADAL" clId="{204D18CB-9BF0-4338-8D3A-C3F8565B3CF2}" dt="2021-11-22T23:31:58.231" v="709" actId="1582"/>
+          <ac:spMkLst>
+            <pc:docMk/>
+            <pc:sldMk cId="3297823726" sldId="265"/>
+            <ac:spMk id="2" creationId="{A6AA8FD5-5903-4EF3-8EA3-FED0E703A39C}"/>
+          </ac:spMkLst>
+        </pc:spChg>
+        <pc:picChg chg="mod modCrop">
+          <ac:chgData name="Hutula, Karina" userId="76360105-4658-44a5-a2e4-d25da711b3ec" providerId="ADAL" clId="{204D18CB-9BF0-4338-8D3A-C3F8565B3CF2}" dt="2021-11-22T03:48:21.815" v="417" actId="1076"/>
+          <ac:picMkLst>
+            <pc:docMk/>
+            <pc:sldMk cId="3297823726" sldId="265"/>
+            <ac:picMk id="5" creationId="{E213EBC9-C995-46B5-976A-C45050097C87}"/>
+          </ac:picMkLst>
+        </pc:picChg>
+        <pc:picChg chg="add mod">
+          <ac:chgData name="Hutula, Karina" userId="76360105-4658-44a5-a2e4-d25da711b3ec" providerId="ADAL" clId="{204D18CB-9BF0-4338-8D3A-C3F8565B3CF2}" dt="2021-11-22T03:47:54.444" v="411" actId="1076"/>
+          <ac:picMkLst>
+            <pc:docMk/>
+            <pc:sldMk cId="3297823726" sldId="265"/>
+            <ac:picMk id="6" creationId="{9EBF60E1-E173-4817-93CC-652E3E8B0538}"/>
+          </ac:picMkLst>
+        </pc:picChg>
+        <pc:picChg chg="del">
+          <ac:chgData name="Hutula, Karina" userId="76360105-4658-44a5-a2e4-d25da711b3ec" providerId="ADAL" clId="{204D18CB-9BF0-4338-8D3A-C3F8565B3CF2}" dt="2021-11-22T03:47:48.412" v="410" actId="478"/>
+          <ac:picMkLst>
+            <pc:docMk/>
+            <pc:sldMk cId="3297823726" sldId="265"/>
+            <ac:picMk id="16" creationId="{240BF8DE-7CBC-4EE6-A6C4-E07A4BF1CFD5}"/>
+          </ac:picMkLst>
+        </pc:picChg>
+      </pc:sldChg>
+      <pc:sldChg chg="addSp modSp mod">
+        <pc:chgData name="Hutula, Karina" userId="76360105-4658-44a5-a2e4-d25da711b3ec" providerId="ADAL" clId="{204D18CB-9BF0-4338-8D3A-C3F8565B3CF2}" dt="2021-11-22T21:28:40.078" v="469" actId="1076"/>
+        <pc:sldMkLst>
+          <pc:docMk/>
+          <pc:sldMk cId="2903599816" sldId="266"/>
+        </pc:sldMkLst>
+        <pc:picChg chg="add mod modCrop">
+          <ac:chgData name="Hutula, Karina" userId="76360105-4658-44a5-a2e4-d25da711b3ec" providerId="ADAL" clId="{204D18CB-9BF0-4338-8D3A-C3F8565B3CF2}" dt="2021-11-22T21:28:40.078" v="469" actId="1076"/>
+          <ac:picMkLst>
+            <pc:docMk/>
+            <pc:sldMk cId="2903599816" sldId="266"/>
+            <ac:picMk id="6" creationId="{741D8F37-DD8F-4B62-8F78-F9017584D21D}"/>
+          </ac:picMkLst>
+        </pc:picChg>
+      </pc:sldChg>
+      <pc:sldChg chg="modSp mod">
+        <pc:chgData name="Hutula, Karina" userId="76360105-4658-44a5-a2e4-d25da711b3ec" providerId="ADAL" clId="{204D18CB-9BF0-4338-8D3A-C3F8565B3CF2}" dt="2021-11-22T03:53:11.467" v="459" actId="2085"/>
+        <pc:sldMkLst>
+          <pc:docMk/>
+          <pc:sldMk cId="786406106" sldId="267"/>
+        </pc:sldMkLst>
+        <pc:spChg chg="mod">
+          <ac:chgData name="Hutula, Karina" userId="76360105-4658-44a5-a2e4-d25da711b3ec" providerId="ADAL" clId="{204D18CB-9BF0-4338-8D3A-C3F8565B3CF2}" dt="2021-11-22T03:53:11.467" v="459" actId="2085"/>
+          <ac:spMkLst>
+            <pc:docMk/>
+            <pc:sldMk cId="786406106" sldId="267"/>
+            <ac:spMk id="55" creationId="{5C84B00A-2062-4E70-8AD4-A114464A66DC}"/>
+          </ac:spMkLst>
+        </pc:spChg>
+      </pc:sldChg>
+      <pc:sldChg chg="modSp mod">
+        <pc:chgData name="Hutula, Karina" userId="76360105-4658-44a5-a2e4-d25da711b3ec" providerId="ADAL" clId="{204D18CB-9BF0-4338-8D3A-C3F8565B3CF2}" dt="2021-11-23T19:13:30.226" v="744" actId="20577"/>
+        <pc:sldMkLst>
+          <pc:docMk/>
+          <pc:sldMk cId="71375660" sldId="273"/>
+        </pc:sldMkLst>
+        <pc:spChg chg="mod">
+          <ac:chgData name="Hutula, Karina" userId="76360105-4658-44a5-a2e4-d25da711b3ec" providerId="ADAL" clId="{204D18CB-9BF0-4338-8D3A-C3F8565B3CF2}" dt="2021-11-22T03:48:51.772" v="432" actId="20577"/>
+          <ac:spMkLst>
+            <pc:docMk/>
+            <pc:sldMk cId="71375660" sldId="273"/>
+            <ac:spMk id="2" creationId="{2384CEA7-D60A-47AE-A867-C557D000559F}"/>
+          </ac:spMkLst>
+        </pc:spChg>
+        <pc:spChg chg="mod">
+          <ac:chgData name="Hutula, Karina" userId="76360105-4658-44a5-a2e4-d25da711b3ec" providerId="ADAL" clId="{204D18CB-9BF0-4338-8D3A-C3F8565B3CF2}" dt="2021-11-23T19:13:30.226" v="744" actId="20577"/>
+          <ac:spMkLst>
+            <pc:docMk/>
+            <pc:sldMk cId="71375660" sldId="273"/>
+            <ac:spMk id="6" creationId="{5C4E7F48-C788-4055-883C-9ABA02A26FA7}"/>
+          </ac:spMkLst>
+        </pc:spChg>
+      </pc:sldChg>
+      <pc:sldChg chg="modSp mod">
+        <pc:chgData name="Hutula, Karina" userId="76360105-4658-44a5-a2e4-d25da711b3ec" providerId="ADAL" clId="{204D18CB-9BF0-4338-8D3A-C3F8565B3CF2}" dt="2021-11-22T03:51:11.850" v="458" actId="20577"/>
+        <pc:sldMkLst>
+          <pc:docMk/>
+          <pc:sldMk cId="1258591405" sldId="275"/>
+        </pc:sldMkLst>
+        <pc:spChg chg="mod">
+          <ac:chgData name="Hutula, Karina" userId="76360105-4658-44a5-a2e4-d25da711b3ec" providerId="ADAL" clId="{204D18CB-9BF0-4338-8D3A-C3F8565B3CF2}" dt="2021-11-22T03:51:11.850" v="458" actId="20577"/>
+          <ac:spMkLst>
+            <pc:docMk/>
+            <pc:sldMk cId="1258591405" sldId="275"/>
+            <ac:spMk id="12" creationId="{B61632C1-4C78-4EC9-B278-37D00EDA33CF}"/>
+          </ac:spMkLst>
+        </pc:spChg>
+        <pc:picChg chg="mod">
+          <ac:chgData name="Hutula, Karina" userId="76360105-4658-44a5-a2e4-d25da711b3ec" providerId="ADAL" clId="{204D18CB-9BF0-4338-8D3A-C3F8565B3CF2}" dt="2021-11-22T03:34:55.492" v="127" actId="1076"/>
+          <ac:picMkLst>
+            <pc:docMk/>
+            <pc:sldMk cId="1258591405" sldId="275"/>
+            <ac:picMk id="13" creationId="{506A060D-905F-45A7-A7C8-4CEAA936338A}"/>
+          </ac:picMkLst>
+        </pc:picChg>
+        <pc:picChg chg="mod">
+          <ac:chgData name="Hutula, Karina" userId="76360105-4658-44a5-a2e4-d25da711b3ec" providerId="ADAL" clId="{204D18CB-9BF0-4338-8D3A-C3F8565B3CF2}" dt="2021-11-22T03:34:44.853" v="125" actId="1076"/>
+          <ac:picMkLst>
+            <pc:docMk/>
+            <pc:sldMk cId="1258591405" sldId="275"/>
+            <ac:picMk id="15" creationId="{014E3EA9-3409-4F66-A00E-52D29D081A4E}"/>
+          </ac:picMkLst>
+        </pc:picChg>
+        <pc:picChg chg="mod">
+          <ac:chgData name="Hutula, Karina" userId="76360105-4658-44a5-a2e4-d25da711b3ec" providerId="ADAL" clId="{204D18CB-9BF0-4338-8D3A-C3F8565B3CF2}" dt="2021-11-22T03:35:04.013" v="128" actId="1076"/>
+          <ac:picMkLst>
+            <pc:docMk/>
+            <pc:sldMk cId="1258591405" sldId="275"/>
+            <ac:picMk id="16" creationId="{429DEA16-B63E-4C56-94D5-E3C4FA55F5CE}"/>
+          </ac:picMkLst>
+        </pc:picChg>
+        <pc:picChg chg="mod">
+          <ac:chgData name="Hutula, Karina" userId="76360105-4658-44a5-a2e4-d25da711b3ec" providerId="ADAL" clId="{204D18CB-9BF0-4338-8D3A-C3F8565B3CF2}" dt="2021-11-22T03:34:50.512" v="126" actId="1076"/>
+          <ac:picMkLst>
+            <pc:docMk/>
+            <pc:sldMk cId="1258591405" sldId="275"/>
+            <ac:picMk id="1028" creationId="{9764AA64-1F81-44A5-90A9-77D99441AB7E}"/>
+          </ac:picMkLst>
+        </pc:picChg>
+      </pc:sldChg>
+      <pc:sldChg chg="modSp mod">
+        <pc:chgData name="Hutula, Karina" userId="76360105-4658-44a5-a2e4-d25da711b3ec" providerId="ADAL" clId="{204D18CB-9BF0-4338-8D3A-C3F8565B3CF2}" dt="2021-11-22T03:34:32.010" v="124" actId="20577"/>
+        <pc:sldMkLst>
+          <pc:docMk/>
+          <pc:sldMk cId="659942436" sldId="276"/>
+        </pc:sldMkLst>
+        <pc:spChg chg="mod">
+          <ac:chgData name="Hutula, Karina" userId="76360105-4658-44a5-a2e4-d25da711b3ec" providerId="ADAL" clId="{204D18CB-9BF0-4338-8D3A-C3F8565B3CF2}" dt="2021-11-22T03:34:32.010" v="124" actId="20577"/>
+          <ac:spMkLst>
+            <pc:docMk/>
+            <pc:sldMk cId="659942436" sldId="276"/>
+            <ac:spMk id="4" creationId="{AABE60BB-CCAB-48F0-8167-2C2ACC728733}"/>
+          </ac:spMkLst>
+        </pc:spChg>
+      </pc:sldChg>
+      <pc:sldChg chg="addSp delSp modSp mod">
+        <pc:chgData name="Hutula, Karina" userId="76360105-4658-44a5-a2e4-d25da711b3ec" providerId="ADAL" clId="{204D18CB-9BF0-4338-8D3A-C3F8565B3CF2}" dt="2021-11-22T23:31:08.753" v="705" actId="1582"/>
+        <pc:sldMkLst>
+          <pc:docMk/>
+          <pc:sldMk cId="933112001" sldId="277"/>
+        </pc:sldMkLst>
+        <pc:spChg chg="add del mod">
+          <ac:chgData name="Hutula, Karina" userId="76360105-4658-44a5-a2e4-d25da711b3ec" providerId="ADAL" clId="{204D18CB-9BF0-4338-8D3A-C3F8565B3CF2}" dt="2021-11-22T23:30:44.775" v="701" actId="478"/>
+          <ac:spMkLst>
+            <pc:docMk/>
+            <pc:sldMk cId="933112001" sldId="277"/>
+            <ac:spMk id="2" creationId="{2AF07757-A5AD-4C81-9956-B62968D17EE6}"/>
+          </ac:spMkLst>
+        </pc:spChg>
+        <pc:spChg chg="add mod">
+          <ac:chgData name="Hutula, Karina" userId="76360105-4658-44a5-a2e4-d25da711b3ec" providerId="ADAL" clId="{204D18CB-9BF0-4338-8D3A-C3F8565B3CF2}" dt="2021-11-22T23:31:08.753" v="705" actId="1582"/>
+          <ac:spMkLst>
+            <pc:docMk/>
+            <pc:sldMk cId="933112001" sldId="277"/>
+            <ac:spMk id="3" creationId="{A85BA8B7-C008-4CB0-99C3-D218FADC7305}"/>
+          </ac:spMkLst>
+        </pc:spChg>
+        <pc:spChg chg="mod">
+          <ac:chgData name="Hutula, Karina" userId="76360105-4658-44a5-a2e4-d25da711b3ec" providerId="ADAL" clId="{204D18CB-9BF0-4338-8D3A-C3F8565B3CF2}" dt="2021-11-22T03:45:15.850" v="366" actId="1076"/>
+          <ac:spMkLst>
+            <pc:docMk/>
+            <pc:sldMk cId="933112001" sldId="277"/>
+            <ac:spMk id="17" creationId="{67FC15F7-9AEF-40EE-928B-C70472D4CFCF}"/>
+          </ac:spMkLst>
+        </pc:spChg>
+        <pc:spChg chg="mod">
+          <ac:chgData name="Hutula, Karina" userId="76360105-4658-44a5-a2e4-d25da711b3ec" providerId="ADAL" clId="{204D18CB-9BF0-4338-8D3A-C3F8565B3CF2}" dt="2021-11-22T03:45:43.535" v="370" actId="1076"/>
+          <ac:spMkLst>
+            <pc:docMk/>
+            <pc:sldMk cId="933112001" sldId="277"/>
+            <ac:spMk id="26" creationId="{60BDE337-749A-4419-8ED1-7D5674CF47D2}"/>
+          </ac:spMkLst>
+        </pc:spChg>
+        <pc:spChg chg="mod">
+          <ac:chgData name="Hutula, Karina" userId="76360105-4658-44a5-a2e4-d25da711b3ec" providerId="ADAL" clId="{204D18CB-9BF0-4338-8D3A-C3F8565B3CF2}" dt="2021-11-22T03:46:48.377" v="406" actId="1038"/>
+          <ac:spMkLst>
+            <pc:docMk/>
+            <pc:sldMk cId="933112001" sldId="277"/>
+            <ac:spMk id="30" creationId="{856F9C01-AB41-4D48-AB4C-4D82D533C8CA}"/>
+          </ac:spMkLst>
+        </pc:spChg>
+        <pc:spChg chg="mod">
+          <ac:chgData name="Hutula, Karina" userId="76360105-4658-44a5-a2e4-d25da711b3ec" providerId="ADAL" clId="{204D18CB-9BF0-4338-8D3A-C3F8565B3CF2}" dt="2021-11-22T03:46:48.377" v="406" actId="1038"/>
+          <ac:spMkLst>
+            <pc:docMk/>
+            <pc:sldMk cId="933112001" sldId="277"/>
+            <ac:spMk id="34" creationId="{75741FD9-0717-445D-9054-6BBBBD43F97B}"/>
+          </ac:spMkLst>
+        </pc:spChg>
+        <pc:picChg chg="mod">
+          <ac:chgData name="Hutula, Karina" userId="76360105-4658-44a5-a2e4-d25da711b3ec" providerId="ADAL" clId="{204D18CB-9BF0-4338-8D3A-C3F8565B3CF2}" dt="2021-11-22T03:45:37.115" v="369" actId="1076"/>
+          <ac:picMkLst>
+            <pc:docMk/>
+            <pc:sldMk cId="933112001" sldId="277"/>
+            <ac:picMk id="24" creationId="{0AB80C11-C1F5-4192-B3C6-A8D2F5244888}"/>
+          </ac:picMkLst>
+        </pc:picChg>
+        <pc:picChg chg="mod">
+          <ac:chgData name="Hutula, Karina" userId="76360105-4658-44a5-a2e4-d25da711b3ec" providerId="ADAL" clId="{204D18CB-9BF0-4338-8D3A-C3F8565B3CF2}" dt="2021-11-22T03:45:47.320" v="371" actId="1076"/>
+          <ac:picMkLst>
+            <pc:docMk/>
+            <pc:sldMk cId="933112001" sldId="277"/>
+            <ac:picMk id="28" creationId="{1BED5C74-17F7-4C4C-A8F2-91BEA23C407B}"/>
+          </ac:picMkLst>
+        </pc:picChg>
+        <pc:picChg chg="mod modCrop">
+          <ac:chgData name="Hutula, Karina" userId="76360105-4658-44a5-a2e4-d25da711b3ec" providerId="ADAL" clId="{204D18CB-9BF0-4338-8D3A-C3F8565B3CF2}" dt="2021-11-22T03:46:48.377" v="406" actId="1038"/>
+          <ac:picMkLst>
+            <pc:docMk/>
+            <pc:sldMk cId="933112001" sldId="277"/>
+            <ac:picMk id="32" creationId="{A0CF1D90-74B7-44EC-8FFE-330F05CADAD1}"/>
+          </ac:picMkLst>
+        </pc:picChg>
+        <pc:picChg chg="mod">
+          <ac:chgData name="Hutula, Karina" userId="76360105-4658-44a5-a2e4-d25da711b3ec" providerId="ADAL" clId="{204D18CB-9BF0-4338-8D3A-C3F8565B3CF2}" dt="2021-11-22T03:46:48.377" v="406" actId="1038"/>
+          <ac:picMkLst>
+            <pc:docMk/>
+            <pc:sldMk cId="933112001" sldId="277"/>
+            <ac:picMk id="38" creationId="{8188FC28-D712-457A-8BC4-100F8C7E8AB0}"/>
+          </ac:picMkLst>
+        </pc:picChg>
+      </pc:sldChg>
+      <pc:sldChg chg="addSp delSp modSp mod">
+        <pc:chgData name="Hutula, Karina" userId="76360105-4658-44a5-a2e4-d25da711b3ec" providerId="ADAL" clId="{204D18CB-9BF0-4338-8D3A-C3F8565B3CF2}" dt="2021-11-22T21:53:12.868" v="510" actId="14100"/>
+        <pc:sldMkLst>
+          <pc:docMk/>
+          <pc:sldMk cId="1924771865" sldId="278"/>
+        </pc:sldMkLst>
+        <pc:spChg chg="del">
+          <ac:chgData name="Hutula, Karina" userId="76360105-4658-44a5-a2e4-d25da711b3ec" providerId="ADAL" clId="{204D18CB-9BF0-4338-8D3A-C3F8565B3CF2}" dt="2021-11-22T21:52:54.838" v="490" actId="478"/>
+          <ac:spMkLst>
+            <pc:docMk/>
+            <pc:sldMk cId="1924771865" sldId="278"/>
+            <ac:spMk id="2" creationId="{B0B8BA77-6106-4730-8335-251FFE7F94BB}"/>
+          </ac:spMkLst>
+        </pc:spChg>
+        <pc:spChg chg="mod">
+          <ac:chgData name="Hutula, Karina" userId="76360105-4658-44a5-a2e4-d25da711b3ec" providerId="ADAL" clId="{204D18CB-9BF0-4338-8D3A-C3F8565B3CF2}" dt="2021-11-22T03:34:00.344" v="99" actId="20577"/>
+          <ac:spMkLst>
+            <pc:docMk/>
+            <pc:sldMk cId="1924771865" sldId="278"/>
+            <ac:spMk id="4" creationId="{5D2A4AED-7CD7-4256-AAA3-036D115833C6}"/>
+          </ac:spMkLst>
+        </pc:spChg>
+        <pc:picChg chg="add mod modCrop">
+          <ac:chgData name="Hutula, Karina" userId="76360105-4658-44a5-a2e4-d25da711b3ec" providerId="ADAL" clId="{204D18CB-9BF0-4338-8D3A-C3F8565B3CF2}" dt="2021-11-22T21:53:06.542" v="509" actId="14100"/>
+          <ac:picMkLst>
+            <pc:docMk/>
+            <pc:sldMk cId="1924771865" sldId="278"/>
+            <ac:picMk id="6" creationId="{05105BA7-FB94-4E88-B557-6D3113C30FA9}"/>
+          </ac:picMkLst>
+        </pc:picChg>
+        <pc:picChg chg="add mod modCrop">
+          <ac:chgData name="Hutula, Karina" userId="76360105-4658-44a5-a2e4-d25da711b3ec" providerId="ADAL" clId="{204D18CB-9BF0-4338-8D3A-C3F8565B3CF2}" dt="2021-11-22T21:53:12.868" v="510" actId="14100"/>
+          <ac:picMkLst>
+            <pc:docMk/>
+            <pc:sldMk cId="1924771865" sldId="278"/>
+            <ac:picMk id="7" creationId="{49F6EEE7-94FC-4AAF-A343-3FE75A05BD3C}"/>
+          </ac:picMkLst>
+        </pc:picChg>
+      </pc:sldChg>
+      <pc:sldChg chg="addSp modSp mod">
+        <pc:chgData name="Hutula, Karina" userId="76360105-4658-44a5-a2e4-d25da711b3ec" providerId="ADAL" clId="{204D18CB-9BF0-4338-8D3A-C3F8565B3CF2}" dt="2021-11-22T03:33:45.435" v="89" actId="1076"/>
+        <pc:sldMkLst>
+          <pc:docMk/>
+          <pc:sldMk cId="2242014633" sldId="279"/>
+        </pc:sldMkLst>
+        <pc:spChg chg="mod">
+          <ac:chgData name="Hutula, Karina" userId="76360105-4658-44a5-a2e4-d25da711b3ec" providerId="ADAL" clId="{204D18CB-9BF0-4338-8D3A-C3F8565B3CF2}" dt="2021-11-22T03:33:00.223" v="87" actId="20577"/>
+          <ac:spMkLst>
+            <pc:docMk/>
+            <pc:sldMk cId="2242014633" sldId="279"/>
+            <ac:spMk id="4" creationId="{9F4B8A80-652F-4F04-8050-4636C98FC696}"/>
+          </ac:spMkLst>
+        </pc:spChg>
+        <pc:picChg chg="add mod">
+          <ac:chgData name="Hutula, Karina" userId="76360105-4658-44a5-a2e4-d25da711b3ec" providerId="ADAL" clId="{204D18CB-9BF0-4338-8D3A-C3F8565B3CF2}" dt="2021-11-22T03:33:45.435" v="89" actId="1076"/>
+          <ac:picMkLst>
+            <pc:docMk/>
+            <pc:sldMk cId="2242014633" sldId="279"/>
+            <ac:picMk id="6" creationId="{F3F527D6-FD5B-477E-93F9-2E54D8B53801}"/>
+          </ac:picMkLst>
+        </pc:picChg>
+      </pc:sldChg>
+      <pc:sldChg chg="addSp delSp modSp mod">
+        <pc:chgData name="Hutula, Karina" userId="76360105-4658-44a5-a2e4-d25da711b3ec" providerId="ADAL" clId="{204D18CB-9BF0-4338-8D3A-C3F8565B3CF2}" dt="2021-11-23T19:12:16.114" v="710" actId="20577"/>
+        <pc:sldMkLst>
+          <pc:docMk/>
+          <pc:sldMk cId="4112768196" sldId="280"/>
+        </pc:sldMkLst>
+        <pc:spChg chg="mod">
+          <ac:chgData name="Hutula, Karina" userId="76360105-4658-44a5-a2e4-d25da711b3ec" providerId="ADAL" clId="{204D18CB-9BF0-4338-8D3A-C3F8565B3CF2}" dt="2021-11-22T03:43:03.782" v="207" actId="20577"/>
+          <ac:spMkLst>
+            <pc:docMk/>
+            <pc:sldMk cId="4112768196" sldId="280"/>
+            <ac:spMk id="2" creationId="{084A7E88-BE23-4685-A171-6AE71A16EC51}"/>
+          </ac:spMkLst>
+        </pc:spChg>
+        <pc:spChg chg="mod">
+          <ac:chgData name="Hutula, Karina" userId="76360105-4658-44a5-a2e4-d25da711b3ec" providerId="ADAL" clId="{204D18CB-9BF0-4338-8D3A-C3F8565B3CF2}" dt="2021-11-23T19:12:16.114" v="710" actId="20577"/>
+          <ac:spMkLst>
+            <pc:docMk/>
+            <pc:sldMk cId="4112768196" sldId="280"/>
+            <ac:spMk id="7" creationId="{39A47610-A6F4-4B8B-90D1-5DEB67C0F9E6}"/>
+          </ac:spMkLst>
+        </pc:spChg>
+        <pc:picChg chg="add mod">
+          <ac:chgData name="Hutula, Karina" userId="76360105-4658-44a5-a2e4-d25da711b3ec" providerId="ADAL" clId="{204D18CB-9BF0-4338-8D3A-C3F8565B3CF2}" dt="2021-11-22T03:42:09.584" v="199" actId="1076"/>
+          <ac:picMkLst>
+            <pc:docMk/>
+            <pc:sldMk cId="4112768196" sldId="280"/>
+            <ac:picMk id="6" creationId="{93053633-7742-4846-8106-C28DD9F0E344}"/>
+          </ac:picMkLst>
+        </pc:picChg>
+        <pc:picChg chg="del">
+          <ac:chgData name="Hutula, Karina" userId="76360105-4658-44a5-a2e4-d25da711b3ec" providerId="ADAL" clId="{204D18CB-9BF0-4338-8D3A-C3F8565B3CF2}" dt="2021-11-22T03:42:21.999" v="201" actId="478"/>
+          <ac:picMkLst>
+            <pc:docMk/>
+            <pc:sldMk cId="4112768196" sldId="280"/>
+            <ac:picMk id="17" creationId="{4B059E0A-40FB-442E-A4A1-D67731BBCEA9}"/>
+          </ac:picMkLst>
+        </pc:picChg>
+      </pc:sldChg>
+    </pc:docChg>
+  </pc:docChgLst>
   <pc:docChgLst>
     <pc:chgData name="dawn.washington25@yahoo.com" userId="2c230471c863ab63" providerId="LiveId" clId="{265D2877-9712-4202-B8F5-F4A1D90BE603}"/>
     <pc:docChg chg="custSel addSld delSld modSld sldOrd">
@@ -368,404 +766,6 @@
       </pc:sldChg>
     </pc:docChg>
   </pc:docChgLst>
-  <pc:docChgLst>
-    <pc:chgData name="Hutula, Karina" userId="76360105-4658-44a5-a2e4-d25da711b3ec" providerId="ADAL" clId="{204D18CB-9BF0-4338-8D3A-C3F8565B3CF2}"/>
-    <pc:docChg chg="undo custSel modSld">
-      <pc:chgData name="Hutula, Karina" userId="76360105-4658-44a5-a2e4-d25da711b3ec" providerId="ADAL" clId="{204D18CB-9BF0-4338-8D3A-C3F8565B3CF2}" dt="2021-11-22T23:31:58.231" v="709" actId="1582"/>
-      <pc:docMkLst>
-        <pc:docMk/>
-      </pc:docMkLst>
-      <pc:sldChg chg="addSp delSp modSp mod">
-        <pc:chgData name="Hutula, Karina" userId="76360105-4658-44a5-a2e4-d25da711b3ec" providerId="ADAL" clId="{204D18CB-9BF0-4338-8D3A-C3F8565B3CF2}" dt="2021-11-22T21:34:06.661" v="473" actId="20577"/>
-        <pc:sldMkLst>
-          <pc:docMk/>
-          <pc:sldMk cId="1755836296" sldId="262"/>
-        </pc:sldMkLst>
-        <pc:spChg chg="mod">
-          <ac:chgData name="Hutula, Karina" userId="76360105-4658-44a5-a2e4-d25da711b3ec" providerId="ADAL" clId="{204D18CB-9BF0-4338-8D3A-C3F8565B3CF2}" dt="2021-11-22T21:34:06.661" v="473" actId="20577"/>
-          <ac:spMkLst>
-            <pc:docMk/>
-            <pc:sldMk cId="1755836296" sldId="262"/>
-            <ac:spMk id="2" creationId="{084A7E88-BE23-4685-A171-6AE71A16EC51}"/>
-          </ac:spMkLst>
-        </pc:spChg>
-        <pc:spChg chg="mod">
-          <ac:chgData name="Hutula, Karina" userId="76360105-4658-44a5-a2e4-d25da711b3ec" providerId="ADAL" clId="{204D18CB-9BF0-4338-8D3A-C3F8565B3CF2}" dt="2021-11-22T03:38:40.939" v="189" actId="20577"/>
-          <ac:spMkLst>
-            <pc:docMk/>
-            <pc:sldMk cId="1755836296" sldId="262"/>
-            <ac:spMk id="7" creationId="{39A47610-A6F4-4B8B-90D1-5DEB67C0F9E6}"/>
-          </ac:spMkLst>
-        </pc:spChg>
-        <pc:picChg chg="mod">
-          <ac:chgData name="Hutula, Karina" userId="76360105-4658-44a5-a2e4-d25da711b3ec" providerId="ADAL" clId="{204D18CB-9BF0-4338-8D3A-C3F8565B3CF2}" dt="2021-11-22T03:40:00.207" v="197" actId="14100"/>
-          <ac:picMkLst>
-            <pc:docMk/>
-            <pc:sldMk cId="1755836296" sldId="262"/>
-            <ac:picMk id="5" creationId="{15C55B3A-8A73-4C31-9BC4-2D26EE292C1E}"/>
-          </ac:picMkLst>
-        </pc:picChg>
-        <pc:picChg chg="del">
-          <ac:chgData name="Hutula, Karina" userId="76360105-4658-44a5-a2e4-d25da711b3ec" providerId="ADAL" clId="{204D18CB-9BF0-4338-8D3A-C3F8565B3CF2}" dt="2021-11-22T03:39:35.998" v="190" actId="478"/>
-          <ac:picMkLst>
-            <pc:docMk/>
-            <pc:sldMk cId="1755836296" sldId="262"/>
-            <ac:picMk id="6" creationId="{4911F5FD-A846-44DB-9591-92A53A3D99A6}"/>
-          </ac:picMkLst>
-        </pc:picChg>
-        <pc:picChg chg="add mod">
-          <ac:chgData name="Hutula, Karina" userId="76360105-4658-44a5-a2e4-d25da711b3ec" providerId="ADAL" clId="{204D18CB-9BF0-4338-8D3A-C3F8565B3CF2}" dt="2021-11-22T03:39:57.240" v="196" actId="1076"/>
-          <ac:picMkLst>
-            <pc:docMk/>
-            <pc:sldMk cId="1755836296" sldId="262"/>
-            <ac:picMk id="9" creationId="{3EC3022B-1C43-4EAB-9D71-5116DFDEF9D4}"/>
-          </ac:picMkLst>
-        </pc:picChg>
-      </pc:sldChg>
-      <pc:sldChg chg="addSp delSp modSp mod">
-        <pc:chgData name="Hutula, Karina" userId="76360105-4658-44a5-a2e4-d25da711b3ec" providerId="ADAL" clId="{204D18CB-9BF0-4338-8D3A-C3F8565B3CF2}" dt="2021-11-22T23:31:58.231" v="709" actId="1582"/>
-        <pc:sldMkLst>
-          <pc:docMk/>
-          <pc:sldMk cId="3297823726" sldId="265"/>
-        </pc:sldMkLst>
-        <pc:spChg chg="add mod">
-          <ac:chgData name="Hutula, Karina" userId="76360105-4658-44a5-a2e4-d25da711b3ec" providerId="ADAL" clId="{204D18CB-9BF0-4338-8D3A-C3F8565B3CF2}" dt="2021-11-22T23:31:58.231" v="709" actId="1582"/>
-          <ac:spMkLst>
-            <pc:docMk/>
-            <pc:sldMk cId="3297823726" sldId="265"/>
-            <ac:spMk id="2" creationId="{A6AA8FD5-5903-4EF3-8EA3-FED0E703A39C}"/>
-          </ac:spMkLst>
-        </pc:spChg>
-        <pc:picChg chg="mod modCrop">
-          <ac:chgData name="Hutula, Karina" userId="76360105-4658-44a5-a2e4-d25da711b3ec" providerId="ADAL" clId="{204D18CB-9BF0-4338-8D3A-C3F8565B3CF2}" dt="2021-11-22T03:48:21.815" v="417" actId="1076"/>
-          <ac:picMkLst>
-            <pc:docMk/>
-            <pc:sldMk cId="3297823726" sldId="265"/>
-            <ac:picMk id="5" creationId="{E213EBC9-C995-46B5-976A-C45050097C87}"/>
-          </ac:picMkLst>
-        </pc:picChg>
-        <pc:picChg chg="add mod">
-          <ac:chgData name="Hutula, Karina" userId="76360105-4658-44a5-a2e4-d25da711b3ec" providerId="ADAL" clId="{204D18CB-9BF0-4338-8D3A-C3F8565B3CF2}" dt="2021-11-22T03:47:54.444" v="411" actId="1076"/>
-          <ac:picMkLst>
-            <pc:docMk/>
-            <pc:sldMk cId="3297823726" sldId="265"/>
-            <ac:picMk id="6" creationId="{9EBF60E1-E173-4817-93CC-652E3E8B0538}"/>
-          </ac:picMkLst>
-        </pc:picChg>
-        <pc:picChg chg="del">
-          <ac:chgData name="Hutula, Karina" userId="76360105-4658-44a5-a2e4-d25da711b3ec" providerId="ADAL" clId="{204D18CB-9BF0-4338-8D3A-C3F8565B3CF2}" dt="2021-11-22T03:47:48.412" v="410" actId="478"/>
-          <ac:picMkLst>
-            <pc:docMk/>
-            <pc:sldMk cId="3297823726" sldId="265"/>
-            <ac:picMk id="16" creationId="{240BF8DE-7CBC-4EE6-A6C4-E07A4BF1CFD5}"/>
-          </ac:picMkLst>
-        </pc:picChg>
-      </pc:sldChg>
-      <pc:sldChg chg="addSp modSp mod">
-        <pc:chgData name="Hutula, Karina" userId="76360105-4658-44a5-a2e4-d25da711b3ec" providerId="ADAL" clId="{204D18CB-9BF0-4338-8D3A-C3F8565B3CF2}" dt="2021-11-22T21:28:40.078" v="469" actId="1076"/>
-        <pc:sldMkLst>
-          <pc:docMk/>
-          <pc:sldMk cId="2903599816" sldId="266"/>
-        </pc:sldMkLst>
-        <pc:picChg chg="add mod modCrop">
-          <ac:chgData name="Hutula, Karina" userId="76360105-4658-44a5-a2e4-d25da711b3ec" providerId="ADAL" clId="{204D18CB-9BF0-4338-8D3A-C3F8565B3CF2}" dt="2021-11-22T21:28:40.078" v="469" actId="1076"/>
-          <ac:picMkLst>
-            <pc:docMk/>
-            <pc:sldMk cId="2903599816" sldId="266"/>
-            <ac:picMk id="6" creationId="{741D8F37-DD8F-4B62-8F78-F9017584D21D}"/>
-          </ac:picMkLst>
-        </pc:picChg>
-      </pc:sldChg>
-      <pc:sldChg chg="modSp mod">
-        <pc:chgData name="Hutula, Karina" userId="76360105-4658-44a5-a2e4-d25da711b3ec" providerId="ADAL" clId="{204D18CB-9BF0-4338-8D3A-C3F8565B3CF2}" dt="2021-11-22T03:53:11.467" v="459" actId="2085"/>
-        <pc:sldMkLst>
-          <pc:docMk/>
-          <pc:sldMk cId="786406106" sldId="267"/>
-        </pc:sldMkLst>
-        <pc:spChg chg="mod">
-          <ac:chgData name="Hutula, Karina" userId="76360105-4658-44a5-a2e4-d25da711b3ec" providerId="ADAL" clId="{204D18CB-9BF0-4338-8D3A-C3F8565B3CF2}" dt="2021-11-22T03:53:11.467" v="459" actId="2085"/>
-          <ac:spMkLst>
-            <pc:docMk/>
-            <pc:sldMk cId="786406106" sldId="267"/>
-            <ac:spMk id="55" creationId="{5C84B00A-2062-4E70-8AD4-A114464A66DC}"/>
-          </ac:spMkLst>
-        </pc:spChg>
-      </pc:sldChg>
-      <pc:sldChg chg="modSp mod">
-        <pc:chgData name="Hutula, Karina" userId="76360105-4658-44a5-a2e4-d25da711b3ec" providerId="ADAL" clId="{204D18CB-9BF0-4338-8D3A-C3F8565B3CF2}" dt="2021-11-22T23:29:57.616" v="696" actId="20577"/>
-        <pc:sldMkLst>
-          <pc:docMk/>
-          <pc:sldMk cId="71375660" sldId="273"/>
-        </pc:sldMkLst>
-        <pc:spChg chg="mod">
-          <ac:chgData name="Hutula, Karina" userId="76360105-4658-44a5-a2e4-d25da711b3ec" providerId="ADAL" clId="{204D18CB-9BF0-4338-8D3A-C3F8565B3CF2}" dt="2021-11-22T03:48:51.772" v="432" actId="20577"/>
-          <ac:spMkLst>
-            <pc:docMk/>
-            <pc:sldMk cId="71375660" sldId="273"/>
-            <ac:spMk id="2" creationId="{2384CEA7-D60A-47AE-A867-C557D000559F}"/>
-          </ac:spMkLst>
-        </pc:spChg>
-        <pc:spChg chg="mod">
-          <ac:chgData name="Hutula, Karina" userId="76360105-4658-44a5-a2e4-d25da711b3ec" providerId="ADAL" clId="{204D18CB-9BF0-4338-8D3A-C3F8565B3CF2}" dt="2021-11-22T23:29:57.616" v="696" actId="20577"/>
-          <ac:spMkLst>
-            <pc:docMk/>
-            <pc:sldMk cId="71375660" sldId="273"/>
-            <ac:spMk id="6" creationId="{5C4E7F48-C788-4055-883C-9ABA02A26FA7}"/>
-          </ac:spMkLst>
-        </pc:spChg>
-      </pc:sldChg>
-      <pc:sldChg chg="modSp mod">
-        <pc:chgData name="Hutula, Karina" userId="76360105-4658-44a5-a2e4-d25da711b3ec" providerId="ADAL" clId="{204D18CB-9BF0-4338-8D3A-C3F8565B3CF2}" dt="2021-11-22T03:51:11.850" v="458" actId="20577"/>
-        <pc:sldMkLst>
-          <pc:docMk/>
-          <pc:sldMk cId="1258591405" sldId="275"/>
-        </pc:sldMkLst>
-        <pc:spChg chg="mod">
-          <ac:chgData name="Hutula, Karina" userId="76360105-4658-44a5-a2e4-d25da711b3ec" providerId="ADAL" clId="{204D18CB-9BF0-4338-8D3A-C3F8565B3CF2}" dt="2021-11-22T03:51:11.850" v="458" actId="20577"/>
-          <ac:spMkLst>
-            <pc:docMk/>
-            <pc:sldMk cId="1258591405" sldId="275"/>
-            <ac:spMk id="12" creationId="{B61632C1-4C78-4EC9-B278-37D00EDA33CF}"/>
-          </ac:spMkLst>
-        </pc:spChg>
-        <pc:picChg chg="mod">
-          <ac:chgData name="Hutula, Karina" userId="76360105-4658-44a5-a2e4-d25da711b3ec" providerId="ADAL" clId="{204D18CB-9BF0-4338-8D3A-C3F8565B3CF2}" dt="2021-11-22T03:34:55.492" v="127" actId="1076"/>
-          <ac:picMkLst>
-            <pc:docMk/>
-            <pc:sldMk cId="1258591405" sldId="275"/>
-            <ac:picMk id="13" creationId="{506A060D-905F-45A7-A7C8-4CEAA936338A}"/>
-          </ac:picMkLst>
-        </pc:picChg>
-        <pc:picChg chg="mod">
-          <ac:chgData name="Hutula, Karina" userId="76360105-4658-44a5-a2e4-d25da711b3ec" providerId="ADAL" clId="{204D18CB-9BF0-4338-8D3A-C3F8565B3CF2}" dt="2021-11-22T03:34:44.853" v="125" actId="1076"/>
-          <ac:picMkLst>
-            <pc:docMk/>
-            <pc:sldMk cId="1258591405" sldId="275"/>
-            <ac:picMk id="15" creationId="{014E3EA9-3409-4F66-A00E-52D29D081A4E}"/>
-          </ac:picMkLst>
-        </pc:picChg>
-        <pc:picChg chg="mod">
-          <ac:chgData name="Hutula, Karina" userId="76360105-4658-44a5-a2e4-d25da711b3ec" providerId="ADAL" clId="{204D18CB-9BF0-4338-8D3A-C3F8565B3CF2}" dt="2021-11-22T03:35:04.013" v="128" actId="1076"/>
-          <ac:picMkLst>
-            <pc:docMk/>
-            <pc:sldMk cId="1258591405" sldId="275"/>
-            <ac:picMk id="16" creationId="{429DEA16-B63E-4C56-94D5-E3C4FA55F5CE}"/>
-          </ac:picMkLst>
-        </pc:picChg>
-        <pc:picChg chg="mod">
-          <ac:chgData name="Hutula, Karina" userId="76360105-4658-44a5-a2e4-d25da711b3ec" providerId="ADAL" clId="{204D18CB-9BF0-4338-8D3A-C3F8565B3CF2}" dt="2021-11-22T03:34:50.512" v="126" actId="1076"/>
-          <ac:picMkLst>
-            <pc:docMk/>
-            <pc:sldMk cId="1258591405" sldId="275"/>
-            <ac:picMk id="1028" creationId="{9764AA64-1F81-44A5-90A9-77D99441AB7E}"/>
-          </ac:picMkLst>
-        </pc:picChg>
-      </pc:sldChg>
-      <pc:sldChg chg="modSp mod">
-        <pc:chgData name="Hutula, Karina" userId="76360105-4658-44a5-a2e4-d25da711b3ec" providerId="ADAL" clId="{204D18CB-9BF0-4338-8D3A-C3F8565B3CF2}" dt="2021-11-22T03:34:32.010" v="124" actId="20577"/>
-        <pc:sldMkLst>
-          <pc:docMk/>
-          <pc:sldMk cId="659942436" sldId="276"/>
-        </pc:sldMkLst>
-        <pc:spChg chg="mod">
-          <ac:chgData name="Hutula, Karina" userId="76360105-4658-44a5-a2e4-d25da711b3ec" providerId="ADAL" clId="{204D18CB-9BF0-4338-8D3A-C3F8565B3CF2}" dt="2021-11-22T03:34:32.010" v="124" actId="20577"/>
-          <ac:spMkLst>
-            <pc:docMk/>
-            <pc:sldMk cId="659942436" sldId="276"/>
-            <ac:spMk id="4" creationId="{AABE60BB-CCAB-48F0-8167-2C2ACC728733}"/>
-          </ac:spMkLst>
-        </pc:spChg>
-      </pc:sldChg>
-      <pc:sldChg chg="addSp delSp modSp mod">
-        <pc:chgData name="Hutula, Karina" userId="76360105-4658-44a5-a2e4-d25da711b3ec" providerId="ADAL" clId="{204D18CB-9BF0-4338-8D3A-C3F8565B3CF2}" dt="2021-11-22T23:31:08.753" v="705" actId="1582"/>
-        <pc:sldMkLst>
-          <pc:docMk/>
-          <pc:sldMk cId="933112001" sldId="277"/>
-        </pc:sldMkLst>
-        <pc:spChg chg="add del mod">
-          <ac:chgData name="Hutula, Karina" userId="76360105-4658-44a5-a2e4-d25da711b3ec" providerId="ADAL" clId="{204D18CB-9BF0-4338-8D3A-C3F8565B3CF2}" dt="2021-11-22T23:30:44.775" v="701" actId="478"/>
-          <ac:spMkLst>
-            <pc:docMk/>
-            <pc:sldMk cId="933112001" sldId="277"/>
-            <ac:spMk id="2" creationId="{2AF07757-A5AD-4C81-9956-B62968D17EE6}"/>
-          </ac:spMkLst>
-        </pc:spChg>
-        <pc:spChg chg="add mod">
-          <ac:chgData name="Hutula, Karina" userId="76360105-4658-44a5-a2e4-d25da711b3ec" providerId="ADAL" clId="{204D18CB-9BF0-4338-8D3A-C3F8565B3CF2}" dt="2021-11-22T23:31:08.753" v="705" actId="1582"/>
-          <ac:spMkLst>
-            <pc:docMk/>
-            <pc:sldMk cId="933112001" sldId="277"/>
-            <ac:spMk id="3" creationId="{A85BA8B7-C008-4CB0-99C3-D218FADC7305}"/>
-          </ac:spMkLst>
-        </pc:spChg>
-        <pc:spChg chg="mod">
-          <ac:chgData name="Hutula, Karina" userId="76360105-4658-44a5-a2e4-d25da711b3ec" providerId="ADAL" clId="{204D18CB-9BF0-4338-8D3A-C3F8565B3CF2}" dt="2021-11-22T03:45:15.850" v="366" actId="1076"/>
-          <ac:spMkLst>
-            <pc:docMk/>
-            <pc:sldMk cId="933112001" sldId="277"/>
-            <ac:spMk id="17" creationId="{67FC15F7-9AEF-40EE-928B-C70472D4CFCF}"/>
-          </ac:spMkLst>
-        </pc:spChg>
-        <pc:spChg chg="mod">
-          <ac:chgData name="Hutula, Karina" userId="76360105-4658-44a5-a2e4-d25da711b3ec" providerId="ADAL" clId="{204D18CB-9BF0-4338-8D3A-C3F8565B3CF2}" dt="2021-11-22T03:45:43.535" v="370" actId="1076"/>
-          <ac:spMkLst>
-            <pc:docMk/>
-            <pc:sldMk cId="933112001" sldId="277"/>
-            <ac:spMk id="26" creationId="{60BDE337-749A-4419-8ED1-7D5674CF47D2}"/>
-          </ac:spMkLst>
-        </pc:spChg>
-        <pc:spChg chg="mod">
-          <ac:chgData name="Hutula, Karina" userId="76360105-4658-44a5-a2e4-d25da711b3ec" providerId="ADAL" clId="{204D18CB-9BF0-4338-8D3A-C3F8565B3CF2}" dt="2021-11-22T03:46:48.377" v="406" actId="1038"/>
-          <ac:spMkLst>
-            <pc:docMk/>
-            <pc:sldMk cId="933112001" sldId="277"/>
-            <ac:spMk id="30" creationId="{856F9C01-AB41-4D48-AB4C-4D82D533C8CA}"/>
-          </ac:spMkLst>
-        </pc:spChg>
-        <pc:spChg chg="mod">
-          <ac:chgData name="Hutula, Karina" userId="76360105-4658-44a5-a2e4-d25da711b3ec" providerId="ADAL" clId="{204D18CB-9BF0-4338-8D3A-C3F8565B3CF2}" dt="2021-11-22T03:46:48.377" v="406" actId="1038"/>
-          <ac:spMkLst>
-            <pc:docMk/>
-            <pc:sldMk cId="933112001" sldId="277"/>
-            <ac:spMk id="34" creationId="{75741FD9-0717-445D-9054-6BBBBD43F97B}"/>
-          </ac:spMkLst>
-        </pc:spChg>
-        <pc:picChg chg="mod">
-          <ac:chgData name="Hutula, Karina" userId="76360105-4658-44a5-a2e4-d25da711b3ec" providerId="ADAL" clId="{204D18CB-9BF0-4338-8D3A-C3F8565B3CF2}" dt="2021-11-22T03:45:37.115" v="369" actId="1076"/>
-          <ac:picMkLst>
-            <pc:docMk/>
-            <pc:sldMk cId="933112001" sldId="277"/>
-            <ac:picMk id="24" creationId="{0AB80C11-C1F5-4192-B3C6-A8D2F5244888}"/>
-          </ac:picMkLst>
-        </pc:picChg>
-        <pc:picChg chg="mod">
-          <ac:chgData name="Hutula, Karina" userId="76360105-4658-44a5-a2e4-d25da711b3ec" providerId="ADAL" clId="{204D18CB-9BF0-4338-8D3A-C3F8565B3CF2}" dt="2021-11-22T03:45:47.320" v="371" actId="1076"/>
-          <ac:picMkLst>
-            <pc:docMk/>
-            <pc:sldMk cId="933112001" sldId="277"/>
-            <ac:picMk id="28" creationId="{1BED5C74-17F7-4C4C-A8F2-91BEA23C407B}"/>
-          </ac:picMkLst>
-        </pc:picChg>
-        <pc:picChg chg="mod modCrop">
-          <ac:chgData name="Hutula, Karina" userId="76360105-4658-44a5-a2e4-d25da711b3ec" providerId="ADAL" clId="{204D18CB-9BF0-4338-8D3A-C3F8565B3CF2}" dt="2021-11-22T03:46:48.377" v="406" actId="1038"/>
-          <ac:picMkLst>
-            <pc:docMk/>
-            <pc:sldMk cId="933112001" sldId="277"/>
-            <ac:picMk id="32" creationId="{A0CF1D90-74B7-44EC-8FFE-330F05CADAD1}"/>
-          </ac:picMkLst>
-        </pc:picChg>
-        <pc:picChg chg="mod">
-          <ac:chgData name="Hutula, Karina" userId="76360105-4658-44a5-a2e4-d25da711b3ec" providerId="ADAL" clId="{204D18CB-9BF0-4338-8D3A-C3F8565B3CF2}" dt="2021-11-22T03:46:48.377" v="406" actId="1038"/>
-          <ac:picMkLst>
-            <pc:docMk/>
-            <pc:sldMk cId="933112001" sldId="277"/>
-            <ac:picMk id="38" creationId="{8188FC28-D712-457A-8BC4-100F8C7E8AB0}"/>
-          </ac:picMkLst>
-        </pc:picChg>
-      </pc:sldChg>
-      <pc:sldChg chg="addSp delSp modSp mod">
-        <pc:chgData name="Hutula, Karina" userId="76360105-4658-44a5-a2e4-d25da711b3ec" providerId="ADAL" clId="{204D18CB-9BF0-4338-8D3A-C3F8565B3CF2}" dt="2021-11-22T21:53:12.868" v="510" actId="14100"/>
-        <pc:sldMkLst>
-          <pc:docMk/>
-          <pc:sldMk cId="1924771865" sldId="278"/>
-        </pc:sldMkLst>
-        <pc:spChg chg="del">
-          <ac:chgData name="Hutula, Karina" userId="76360105-4658-44a5-a2e4-d25da711b3ec" providerId="ADAL" clId="{204D18CB-9BF0-4338-8D3A-C3F8565B3CF2}" dt="2021-11-22T21:52:54.838" v="490" actId="478"/>
-          <ac:spMkLst>
-            <pc:docMk/>
-            <pc:sldMk cId="1924771865" sldId="278"/>
-            <ac:spMk id="2" creationId="{B0B8BA77-6106-4730-8335-251FFE7F94BB}"/>
-          </ac:spMkLst>
-        </pc:spChg>
-        <pc:spChg chg="mod">
-          <ac:chgData name="Hutula, Karina" userId="76360105-4658-44a5-a2e4-d25da711b3ec" providerId="ADAL" clId="{204D18CB-9BF0-4338-8D3A-C3F8565B3CF2}" dt="2021-11-22T03:34:00.344" v="99" actId="20577"/>
-          <ac:spMkLst>
-            <pc:docMk/>
-            <pc:sldMk cId="1924771865" sldId="278"/>
-            <ac:spMk id="4" creationId="{5D2A4AED-7CD7-4256-AAA3-036D115833C6}"/>
-          </ac:spMkLst>
-        </pc:spChg>
-        <pc:picChg chg="add mod modCrop">
-          <ac:chgData name="Hutula, Karina" userId="76360105-4658-44a5-a2e4-d25da711b3ec" providerId="ADAL" clId="{204D18CB-9BF0-4338-8D3A-C3F8565B3CF2}" dt="2021-11-22T21:53:06.542" v="509" actId="14100"/>
-          <ac:picMkLst>
-            <pc:docMk/>
-            <pc:sldMk cId="1924771865" sldId="278"/>
-            <ac:picMk id="6" creationId="{05105BA7-FB94-4E88-B557-6D3113C30FA9}"/>
-          </ac:picMkLst>
-        </pc:picChg>
-        <pc:picChg chg="add mod modCrop">
-          <ac:chgData name="Hutula, Karina" userId="76360105-4658-44a5-a2e4-d25da711b3ec" providerId="ADAL" clId="{204D18CB-9BF0-4338-8D3A-C3F8565B3CF2}" dt="2021-11-22T21:53:12.868" v="510" actId="14100"/>
-          <ac:picMkLst>
-            <pc:docMk/>
-            <pc:sldMk cId="1924771865" sldId="278"/>
-            <ac:picMk id="7" creationId="{49F6EEE7-94FC-4AAF-A343-3FE75A05BD3C}"/>
-          </ac:picMkLst>
-        </pc:picChg>
-      </pc:sldChg>
-      <pc:sldChg chg="addSp modSp mod">
-        <pc:chgData name="Hutula, Karina" userId="76360105-4658-44a5-a2e4-d25da711b3ec" providerId="ADAL" clId="{204D18CB-9BF0-4338-8D3A-C3F8565B3CF2}" dt="2021-11-22T03:33:45.435" v="89" actId="1076"/>
-        <pc:sldMkLst>
-          <pc:docMk/>
-          <pc:sldMk cId="2242014633" sldId="279"/>
-        </pc:sldMkLst>
-        <pc:spChg chg="mod">
-          <ac:chgData name="Hutula, Karina" userId="76360105-4658-44a5-a2e4-d25da711b3ec" providerId="ADAL" clId="{204D18CB-9BF0-4338-8D3A-C3F8565B3CF2}" dt="2021-11-22T03:33:00.223" v="87" actId="20577"/>
-          <ac:spMkLst>
-            <pc:docMk/>
-            <pc:sldMk cId="2242014633" sldId="279"/>
-            <ac:spMk id="4" creationId="{9F4B8A80-652F-4F04-8050-4636C98FC696}"/>
-          </ac:spMkLst>
-        </pc:spChg>
-        <pc:picChg chg="add mod">
-          <ac:chgData name="Hutula, Karina" userId="76360105-4658-44a5-a2e4-d25da711b3ec" providerId="ADAL" clId="{204D18CB-9BF0-4338-8D3A-C3F8565B3CF2}" dt="2021-11-22T03:33:45.435" v="89" actId="1076"/>
-          <ac:picMkLst>
-            <pc:docMk/>
-            <pc:sldMk cId="2242014633" sldId="279"/>
-            <ac:picMk id="6" creationId="{F3F527D6-FD5B-477E-93F9-2E54D8B53801}"/>
-          </ac:picMkLst>
-        </pc:picChg>
-      </pc:sldChg>
-      <pc:sldChg chg="addSp delSp modSp mod">
-        <pc:chgData name="Hutula, Karina" userId="76360105-4658-44a5-a2e4-d25da711b3ec" providerId="ADAL" clId="{204D18CB-9BF0-4338-8D3A-C3F8565B3CF2}" dt="2021-11-22T03:44:39.253" v="365" actId="20577"/>
-        <pc:sldMkLst>
-          <pc:docMk/>
-          <pc:sldMk cId="4112768196" sldId="280"/>
-        </pc:sldMkLst>
-        <pc:spChg chg="mod">
-          <ac:chgData name="Hutula, Karina" userId="76360105-4658-44a5-a2e4-d25da711b3ec" providerId="ADAL" clId="{204D18CB-9BF0-4338-8D3A-C3F8565B3CF2}" dt="2021-11-22T03:43:03.782" v="207" actId="20577"/>
-          <ac:spMkLst>
-            <pc:docMk/>
-            <pc:sldMk cId="4112768196" sldId="280"/>
-            <ac:spMk id="2" creationId="{084A7E88-BE23-4685-A171-6AE71A16EC51}"/>
-          </ac:spMkLst>
-        </pc:spChg>
-        <pc:spChg chg="mod">
-          <ac:chgData name="Hutula, Karina" userId="76360105-4658-44a5-a2e4-d25da711b3ec" providerId="ADAL" clId="{204D18CB-9BF0-4338-8D3A-C3F8565B3CF2}" dt="2021-11-22T03:44:39.253" v="365" actId="20577"/>
-          <ac:spMkLst>
-            <pc:docMk/>
-            <pc:sldMk cId="4112768196" sldId="280"/>
-            <ac:spMk id="7" creationId="{39A47610-A6F4-4B8B-90D1-5DEB67C0F9E6}"/>
-          </ac:spMkLst>
-        </pc:spChg>
-        <pc:picChg chg="add mod">
-          <ac:chgData name="Hutula, Karina" userId="76360105-4658-44a5-a2e4-d25da711b3ec" providerId="ADAL" clId="{204D18CB-9BF0-4338-8D3A-C3F8565B3CF2}" dt="2021-11-22T03:42:09.584" v="199" actId="1076"/>
-          <ac:picMkLst>
-            <pc:docMk/>
-            <pc:sldMk cId="4112768196" sldId="280"/>
-            <ac:picMk id="6" creationId="{93053633-7742-4846-8106-C28DD9F0E344}"/>
-          </ac:picMkLst>
-        </pc:picChg>
-        <pc:picChg chg="del">
-          <ac:chgData name="Hutula, Karina" userId="76360105-4658-44a5-a2e4-d25da711b3ec" providerId="ADAL" clId="{204D18CB-9BF0-4338-8D3A-C3F8565B3CF2}" dt="2021-11-22T03:42:21.999" v="201" actId="478"/>
-          <ac:picMkLst>
-            <pc:docMk/>
-            <pc:sldMk cId="4112768196" sldId="280"/>
-            <ac:picMk id="17" creationId="{4B059E0A-40FB-442E-A4A1-D67731BBCEA9}"/>
-          </ac:picMkLst>
-        </pc:picChg>
-      </pc:sldChg>
-    </pc:docChg>
-  </pc:docChgLst>
 </pc:chgInfo>
 </file>
 
@@ -851,7 +851,7 @@
           <a:p>
             <a:fld id="{B565716D-39C9-48C4-A3EB-B88E4515427D}" type="datetimeFigureOut">
               <a:rPr lang="en-US" smtClean="0"/>
-              <a:t>11/22/21</a:t>
+              <a:t>11/23/2021</a:t>
             </a:fld>
             <a:endParaRPr lang="en-US" dirty="0"/>
           </a:p>
@@ -13352,7 +13352,7 @@
         <p:spPr>
           <a:xfrm>
             <a:off x="1151821" y="1797261"/>
-            <a:ext cx="8008003" cy="2585323"/>
+            <a:ext cx="8008003" cy="2862322"/>
           </a:xfrm>
           <a:prstGeom prst="rect">
             <a:avLst/>
@@ -13439,8 +13439,21 @@
                   <a:schemeClr val="bg1"/>
                 </a:solidFill>
               </a:rPr>
-              <a:t>Additional pages expanding the exploratory data analysis</a:t>
+              <a:t>Additional pages expanding the exploratory data analysis, </a:t>
             </a:r>
+            <a:r>
+              <a:rPr lang="en-US">
+                <a:solidFill>
+                  <a:schemeClr val="bg1"/>
+                </a:solidFill>
+              </a:rPr>
+              <a:t>regression modeling, etc.</a:t>
+            </a:r>
+            <a:endParaRPr lang="en-US" dirty="0">
+              <a:solidFill>
+                <a:schemeClr val="bg1"/>
+              </a:solidFill>
+            </a:endParaRPr>
           </a:p>
           <a:p>
             <a:pPr marL="285750" indent="-285750">
@@ -18438,7 +18451,7 @@
         </p:nvSpPr>
         <p:spPr>
           <a:xfrm>
-            <a:off x="6222839" y="4907280"/>
+            <a:off x="6222839" y="5185325"/>
             <a:ext cx="5352925" cy="1015663"/>
           </a:xfrm>
           <a:prstGeom prst="rect">
@@ -18899,7 +18912,7 @@
                 </a:solidFill>
                 <a:latin typeface="+mj-lt"/>
               </a:rPr>
-              <a:t>Charges for smokers average over #30,000.</a:t>
+              <a:t>Charges for smokers average over $30,000.</a:t>
             </a:r>
           </a:p>
           <a:p>
@@ -20079,20 +20092,20 @@
 </file>
 
 <file path=customXml/item1.xml><?xml version="1.0" encoding="utf-8"?>
+<p:properties xmlns:p="http://schemas.microsoft.com/office/2006/metadata/properties" xmlns:xsi="http://www.w3.org/2001/XMLSchema-instance" xmlns:pc="http://schemas.microsoft.com/office/infopath/2007/PartnerControls">
+  <documentManagement>
+    <MediaServiceKeyPoints xmlns="71af3243-3dd4-4a8d-8c0d-dd76da1f02a5" xsi:nil="true"/>
+  </documentManagement>
+</p:properties>
+</file>
+
+<file path=customXml/item2.xml><?xml version="1.0" encoding="utf-8"?>
 <?mso-contentType ?>
 <FormTemplates xmlns="http://schemas.microsoft.com/sharepoint/v3/contenttype/forms">
   <Display>DocumentLibraryForm</Display>
   <Edit>DocumentLibraryForm</Edit>
   <New>DocumentLibraryForm</New>
 </FormTemplates>
-</file>
-
-<file path=customXml/item2.xml><?xml version="1.0" encoding="utf-8"?>
-<p:properties xmlns:p="http://schemas.microsoft.com/office/2006/metadata/properties" xmlns:xsi="http://www.w3.org/2001/XMLSchema-instance" xmlns:pc="http://schemas.microsoft.com/office/infopath/2007/PartnerControls">
-  <documentManagement>
-    <MediaServiceKeyPoints xmlns="71af3243-3dd4-4a8d-8c0d-dd76da1f02a5" xsi:nil="true"/>
-  </documentManagement>
-</p:properties>
 </file>
 
 <file path=customXml/item3.xml><?xml version="1.0" encoding="utf-8"?>
@@ -20307,19 +20320,19 @@
 </file>
 
 <file path=customXml/itemProps1.xml><?xml version="1.0" encoding="utf-8"?>
-<ds:datastoreItem xmlns:ds="http://schemas.openxmlformats.org/officeDocument/2006/customXml" ds:itemID="{0C66BDC7-24D2-4343-8D41-18F9C23F860A}">
+<ds:datastoreItem xmlns:ds="http://schemas.openxmlformats.org/officeDocument/2006/customXml" ds:itemID="{AF4BDB64-2AF8-42D4-96C8-B6B6F098993C}">
   <ds:schemaRefs>
-    <ds:schemaRef ds:uri="http://schemas.microsoft.com/sharepoint/v3/contenttype/forms"/>
+    <ds:schemaRef ds:uri="http://schemas.microsoft.com/office/2006/metadata/properties"/>
+    <ds:schemaRef ds:uri="http://schemas.microsoft.com/office/infopath/2007/PartnerControls"/>
+    <ds:schemaRef ds:uri="71af3243-3dd4-4a8d-8c0d-dd76da1f02a5"/>
   </ds:schemaRefs>
 </ds:datastoreItem>
 </file>
 
 <file path=customXml/itemProps2.xml><?xml version="1.0" encoding="utf-8"?>
-<ds:datastoreItem xmlns:ds="http://schemas.openxmlformats.org/officeDocument/2006/customXml" ds:itemID="{AF4BDB64-2AF8-42D4-96C8-B6B6F098993C}">
+<ds:datastoreItem xmlns:ds="http://schemas.openxmlformats.org/officeDocument/2006/customXml" ds:itemID="{0C66BDC7-24D2-4343-8D41-18F9C23F860A}">
   <ds:schemaRefs>
-    <ds:schemaRef ds:uri="http://schemas.microsoft.com/office/2006/metadata/properties"/>
-    <ds:schemaRef ds:uri="http://schemas.microsoft.com/office/infopath/2007/PartnerControls"/>
-    <ds:schemaRef ds:uri="71af3243-3dd4-4a8d-8c0d-dd76da1f02a5"/>
+    <ds:schemaRef ds:uri="http://schemas.microsoft.com/sharepoint/v3/contenttype/forms"/>
   </ds:schemaRefs>
 </ds:datastoreItem>
 </file>
